--- a/pptx/gok/splpresen.pptx
+++ b/pptx/gok/splpresen.pptx
@@ -6,6 +6,14 @@
   </p:sldMasterIdLst>
   <p:sldIdLst>
     <p:sldId id="256" r:id="rId2"/>
+    <p:sldId id="257" r:id="rId3"/>
+    <p:sldId id="258" r:id="rId4"/>
+    <p:sldId id="259" r:id="rId5"/>
+    <p:sldId id="262" r:id="rId6"/>
+    <p:sldId id="260" r:id="rId7"/>
+    <p:sldId id="263" r:id="rId8"/>
+    <p:sldId id="261" r:id="rId9"/>
+    <p:sldId id="264" r:id="rId10"/>
   </p:sldIdLst>
   <p:sldSz cx="12192000" cy="6858000"/>
   <p:notesSz cx="6858000" cy="9144000"/>
@@ -7630,12 +7638,39 @@
             <p:ph type="ctrTitle"/>
           </p:nvPr>
         </p:nvSpPr>
-        <p:spPr/>
+        <p:spPr>
+          <a:xfrm>
+            <a:off x="1937233" y="2714625"/>
+            <a:ext cx="10040317" cy="1047750"/>
+          </a:xfrm>
+        </p:spPr>
         <p:txBody>
-          <a:bodyPr/>
+          <a:bodyPr>
+            <a:normAutofit/>
+          </a:bodyPr>
           <a:lstStyle/>
           <a:p>
-            <a:endParaRPr lang="en-US"/>
+            <a:pPr algn="just"/>
+            <a:r>
+              <a:rPr lang="en-US" sz="4400" dirty="0">
+                <a:latin typeface="+mn-lt"/>
+                <a:cs typeface="Arial" panose="020B0604020202020204" pitchFamily="34" charset="0"/>
+              </a:rPr>
+              <a:t> </a:t>
+            </a:r>
+            <a:r>
+              <a:rPr lang="en-US" sz="4400" dirty="0">
+                <a:solidFill>
+                  <a:schemeClr val="tx2"/>
+                </a:solidFill>
+                <a:latin typeface="+mn-lt"/>
+                <a:cs typeface="Arial" panose="020B0604020202020204" pitchFamily="34" charset="0"/>
+              </a:rPr>
+              <a:t>Structure  programming  language </a:t>
+            </a:r>
+            <a:endParaRPr lang="en-US" sz="4400" dirty="0">
+              <a:latin typeface="+mn-lt"/>
+            </a:endParaRPr>
           </a:p>
         </p:txBody>
       </p:sp>
@@ -7649,12 +7684,445 @@
             <p:ph type="subTitle" idx="1"/>
           </p:nvPr>
         </p:nvSpPr>
-        <p:spPr/>
+        <p:spPr>
+          <a:xfrm>
+            <a:off x="2406029" y="4566342"/>
+            <a:ext cx="9102725" cy="1928221"/>
+          </a:xfrm>
+        </p:spPr>
         <p:txBody>
-          <a:bodyPr/>
+          <a:bodyPr>
+            <a:normAutofit/>
+          </a:bodyPr>
           <a:lstStyle/>
           <a:p>
-            <a:endParaRPr lang="en-US"/>
+            <a:r>
+              <a:rPr lang="en-US" sz="2000" b="1" u="sng" dirty="0">
+                <a:solidFill>
+                  <a:schemeClr val="tx2"/>
+                </a:solidFill>
+                <a:cs typeface="Arial" panose="020B0604020202020204" pitchFamily="34" charset="0"/>
+              </a:rPr>
+              <a:t>Presented B</a:t>
+            </a:r>
+            <a:r>
+              <a:rPr lang="en-US" sz="2000" b="1" u="sng" dirty="0" smtClean="0">
+                <a:solidFill>
+                  <a:schemeClr val="tx2"/>
+                </a:solidFill>
+                <a:cs typeface="Arial" panose="020B0604020202020204" pitchFamily="34" charset="0"/>
+              </a:rPr>
+              <a:t>y:</a:t>
+            </a:r>
+            <a:endParaRPr lang="en-US" sz="2000" b="1" u="sng" dirty="0">
+              <a:solidFill>
+                <a:schemeClr val="tx2"/>
+              </a:solidFill>
+              <a:cs typeface="Arial" panose="020B0604020202020204" pitchFamily="34" charset="0"/>
+            </a:endParaRPr>
+          </a:p>
+          <a:p>
+            <a:r>
+              <a:rPr lang="en-US" sz="1400" b="1" dirty="0" smtClean="0">
+                <a:solidFill>
+                  <a:schemeClr val="tx2"/>
+                </a:solidFill>
+                <a:cs typeface="Arial" panose="020B0604020202020204" pitchFamily="34" charset="0"/>
+              </a:rPr>
+              <a:t>Nusrat  Ahamed Kona  </a:t>
+            </a:r>
+          </a:p>
+          <a:p>
+            <a:r>
+              <a:rPr lang="en-US" sz="1400" b="1" dirty="0" smtClean="0">
+                <a:solidFill>
+                  <a:schemeClr val="tx2"/>
+                </a:solidFill>
+                <a:cs typeface="Arial" panose="020B0604020202020204" pitchFamily="34" charset="0"/>
+              </a:rPr>
+              <a:t>ID: </a:t>
+            </a:r>
+            <a:r>
+              <a:rPr lang="en-US" sz="1400" dirty="0" smtClean="0">
+                <a:solidFill>
+                  <a:schemeClr val="tx2"/>
+                </a:solidFill>
+                <a:cs typeface="Arial" panose="020B0604020202020204" pitchFamily="34" charset="0"/>
+              </a:rPr>
+              <a:t>22100009</a:t>
+            </a:r>
+          </a:p>
+          <a:p>
+            <a:r>
+              <a:rPr lang="en-US" sz="1400" b="1" dirty="0" smtClean="0">
+                <a:solidFill>
+                  <a:schemeClr val="tx2"/>
+                </a:solidFill>
+                <a:cs typeface="Arial" panose="020B0604020202020204" pitchFamily="34" charset="0"/>
+              </a:rPr>
+              <a:t>Arpita Das</a:t>
+            </a:r>
+          </a:p>
+          <a:p>
+            <a:r>
+              <a:rPr lang="en-US" sz="1600" b="1" dirty="0" smtClean="0">
+                <a:solidFill>
+                  <a:schemeClr val="tx2"/>
+                </a:solidFill>
+                <a:cs typeface="Arial" panose="020B0604020202020204" pitchFamily="34" charset="0"/>
+              </a:rPr>
+              <a:t>ID: </a:t>
+            </a:r>
+            <a:r>
+              <a:rPr lang="en-US" sz="1500" dirty="0" smtClean="0">
+                <a:solidFill>
+                  <a:schemeClr val="tx2"/>
+                </a:solidFill>
+                <a:cs typeface="Arial" panose="020B0604020202020204" pitchFamily="34" charset="0"/>
+              </a:rPr>
+              <a:t>22100026</a:t>
+            </a:r>
+            <a:endParaRPr lang="en-US" sz="1500" dirty="0">
+              <a:solidFill>
+                <a:schemeClr val="tx2"/>
+              </a:solidFill>
+              <a:cs typeface="Arial" panose="020B0604020202020204" pitchFamily="34" charset="0"/>
+            </a:endParaRPr>
+          </a:p>
+          <a:p>
+            <a:endParaRPr lang="en-US" sz="1500" b="1" dirty="0" smtClean="0">
+              <a:solidFill>
+                <a:schemeClr val="tx2"/>
+              </a:solidFill>
+              <a:cs typeface="Arial" panose="020B0604020202020204" pitchFamily="34" charset="0"/>
+            </a:endParaRPr>
+          </a:p>
+          <a:p>
+            <a:endParaRPr lang="en-US" sz="1500" b="1" dirty="0" smtClean="0">
+              <a:solidFill>
+                <a:schemeClr val="tx2"/>
+              </a:solidFill>
+              <a:cs typeface="Arial" panose="020B0604020202020204" pitchFamily="34" charset="0"/>
+            </a:endParaRPr>
+          </a:p>
+          <a:p>
+            <a:endParaRPr lang="en-US" sz="1500" b="1" dirty="0" smtClean="0">
+              <a:solidFill>
+                <a:schemeClr val="tx2"/>
+              </a:solidFill>
+              <a:cs typeface="Arial" panose="020B0604020202020204" pitchFamily="34" charset="0"/>
+            </a:endParaRPr>
+          </a:p>
+          <a:p>
+            <a:endParaRPr lang="en-US" dirty="0">
+              <a:solidFill>
+                <a:schemeClr val="tx2"/>
+              </a:solidFill>
+              <a:cs typeface="Arial" panose="020B0604020202020204" pitchFamily="34" charset="0"/>
+            </a:endParaRPr>
+          </a:p>
+          <a:p>
+            <a:endParaRPr lang="en-US" dirty="0"/>
+          </a:p>
+        </p:txBody>
+      </p:sp>
+      <p:sp>
+        <p:nvSpPr>
+          <p:cNvPr id="4" name="Subtitle 2"/>
+          <p:cNvSpPr txBox="1">
+            <a:spLocks/>
+          </p:cNvSpPr>
+          <p:nvPr/>
+        </p:nvSpPr>
+        <p:spPr>
+          <a:xfrm>
+            <a:off x="6957392" y="4946574"/>
+            <a:ext cx="5234608" cy="1282059"/>
+          </a:xfrm>
+          <a:prstGeom prst="rect">
+            <a:avLst/>
+          </a:prstGeom>
+        </p:spPr>
+        <p:txBody>
+          <a:bodyPr vert="horz" lIns="91440" tIns="45720" rIns="91440" bIns="45720" rtlCol="0" anchor="t">
+            <a:normAutofit fontScale="62500" lnSpcReduction="20000"/>
+          </a:bodyPr>
+          <a:lstStyle>
+            <a:lvl1pPr marL="0" indent="0" algn="l" defTabSz="457200" rtl="0" eaLnBrk="1" latinLnBrk="0" hangingPunct="1">
+              <a:spcBef>
+                <a:spcPts val="1000"/>
+              </a:spcBef>
+              <a:spcAft>
+                <a:spcPts val="0"/>
+              </a:spcAft>
+              <a:buClr>
+                <a:schemeClr val="accent1"/>
+              </a:buClr>
+              <a:buFont typeface="Wingdings 3" charset="2"/>
+              <a:buNone/>
+              <a:defRPr sz="1800" kern="1200">
+                <a:solidFill>
+                  <a:schemeClr val="tx1">
+                    <a:lumMod val="65000"/>
+                    <a:lumOff val="35000"/>
+                  </a:schemeClr>
+                </a:solidFill>
+                <a:latin typeface="+mn-lt"/>
+                <a:ea typeface="+mn-ea"/>
+                <a:cs typeface="+mn-cs"/>
+              </a:defRPr>
+            </a:lvl1pPr>
+            <a:lvl2pPr marL="457200" indent="0" algn="ctr" defTabSz="457200" rtl="0" eaLnBrk="1" latinLnBrk="0" hangingPunct="1">
+              <a:spcBef>
+                <a:spcPts val="1000"/>
+              </a:spcBef>
+              <a:spcAft>
+                <a:spcPts val="0"/>
+              </a:spcAft>
+              <a:buClr>
+                <a:schemeClr val="accent1"/>
+              </a:buClr>
+              <a:buFont typeface="Wingdings 3" charset="2"/>
+              <a:buNone/>
+              <a:defRPr sz="1600" kern="1200">
+                <a:solidFill>
+                  <a:schemeClr val="tx1">
+                    <a:tint val="75000"/>
+                  </a:schemeClr>
+                </a:solidFill>
+                <a:latin typeface="+mn-lt"/>
+                <a:ea typeface="+mn-ea"/>
+                <a:cs typeface="+mn-cs"/>
+              </a:defRPr>
+            </a:lvl2pPr>
+            <a:lvl3pPr marL="914400" indent="0" algn="ctr" defTabSz="457200" rtl="0" eaLnBrk="1" latinLnBrk="0" hangingPunct="1">
+              <a:spcBef>
+                <a:spcPts val="1000"/>
+              </a:spcBef>
+              <a:spcAft>
+                <a:spcPts val="0"/>
+              </a:spcAft>
+              <a:buClr>
+                <a:schemeClr val="accent1"/>
+              </a:buClr>
+              <a:buFont typeface="Wingdings 3" charset="2"/>
+              <a:buNone/>
+              <a:defRPr sz="1400" kern="1200">
+                <a:solidFill>
+                  <a:schemeClr val="tx1">
+                    <a:tint val="75000"/>
+                  </a:schemeClr>
+                </a:solidFill>
+                <a:latin typeface="+mn-lt"/>
+                <a:ea typeface="+mn-ea"/>
+                <a:cs typeface="+mn-cs"/>
+              </a:defRPr>
+            </a:lvl3pPr>
+            <a:lvl4pPr marL="1371600" indent="0" algn="ctr" defTabSz="457200" rtl="0" eaLnBrk="1" latinLnBrk="0" hangingPunct="1">
+              <a:spcBef>
+                <a:spcPts val="1000"/>
+              </a:spcBef>
+              <a:spcAft>
+                <a:spcPts val="0"/>
+              </a:spcAft>
+              <a:buClr>
+                <a:schemeClr val="accent1"/>
+              </a:buClr>
+              <a:buFont typeface="Wingdings 3" charset="2"/>
+              <a:buNone/>
+              <a:defRPr sz="1200" kern="1200">
+                <a:solidFill>
+                  <a:schemeClr val="tx1">
+                    <a:tint val="75000"/>
+                  </a:schemeClr>
+                </a:solidFill>
+                <a:latin typeface="+mn-lt"/>
+                <a:ea typeface="+mn-ea"/>
+                <a:cs typeface="+mn-cs"/>
+              </a:defRPr>
+            </a:lvl4pPr>
+            <a:lvl5pPr marL="1828800" indent="0" algn="ctr" defTabSz="457200" rtl="0" eaLnBrk="1" latinLnBrk="0" hangingPunct="1">
+              <a:spcBef>
+                <a:spcPts val="1000"/>
+              </a:spcBef>
+              <a:spcAft>
+                <a:spcPts val="0"/>
+              </a:spcAft>
+              <a:buClr>
+                <a:schemeClr val="accent1"/>
+              </a:buClr>
+              <a:buFont typeface="Wingdings 3" charset="2"/>
+              <a:buNone/>
+              <a:defRPr sz="1200" kern="1200">
+                <a:solidFill>
+                  <a:schemeClr val="tx1">
+                    <a:tint val="75000"/>
+                  </a:schemeClr>
+                </a:solidFill>
+                <a:latin typeface="+mn-lt"/>
+                <a:ea typeface="+mn-ea"/>
+                <a:cs typeface="+mn-cs"/>
+              </a:defRPr>
+            </a:lvl5pPr>
+            <a:lvl6pPr marL="2286000" indent="0" algn="ctr" defTabSz="457200" rtl="0" eaLnBrk="1" latinLnBrk="0" hangingPunct="1">
+              <a:spcBef>
+                <a:spcPts val="1000"/>
+              </a:spcBef>
+              <a:spcAft>
+                <a:spcPts val="0"/>
+              </a:spcAft>
+              <a:buClr>
+                <a:schemeClr val="accent1"/>
+              </a:buClr>
+              <a:buFont typeface="Wingdings 3" charset="2"/>
+              <a:buNone/>
+              <a:defRPr sz="1200" kern="1200">
+                <a:solidFill>
+                  <a:schemeClr val="tx1">
+                    <a:tint val="75000"/>
+                  </a:schemeClr>
+                </a:solidFill>
+                <a:latin typeface="+mn-lt"/>
+                <a:ea typeface="+mn-ea"/>
+                <a:cs typeface="+mn-cs"/>
+              </a:defRPr>
+            </a:lvl6pPr>
+            <a:lvl7pPr marL="2743200" indent="0" algn="ctr" defTabSz="457200" rtl="0" eaLnBrk="1" latinLnBrk="0" hangingPunct="1">
+              <a:spcBef>
+                <a:spcPts val="1000"/>
+              </a:spcBef>
+              <a:spcAft>
+                <a:spcPts val="0"/>
+              </a:spcAft>
+              <a:buClr>
+                <a:schemeClr val="accent1"/>
+              </a:buClr>
+              <a:buFont typeface="Wingdings 3" charset="2"/>
+              <a:buNone/>
+              <a:defRPr sz="1200" kern="1200">
+                <a:solidFill>
+                  <a:schemeClr val="tx1">
+                    <a:tint val="75000"/>
+                  </a:schemeClr>
+                </a:solidFill>
+                <a:latin typeface="+mn-lt"/>
+                <a:ea typeface="+mn-ea"/>
+                <a:cs typeface="+mn-cs"/>
+              </a:defRPr>
+            </a:lvl7pPr>
+            <a:lvl8pPr marL="3200400" indent="0" algn="ctr" defTabSz="457200" rtl="0" eaLnBrk="1" latinLnBrk="0" hangingPunct="1">
+              <a:spcBef>
+                <a:spcPts val="1000"/>
+              </a:spcBef>
+              <a:spcAft>
+                <a:spcPts val="0"/>
+              </a:spcAft>
+              <a:buClr>
+                <a:schemeClr val="accent1"/>
+              </a:buClr>
+              <a:buFont typeface="Wingdings 3" charset="2"/>
+              <a:buNone/>
+              <a:defRPr sz="1200" kern="1200">
+                <a:solidFill>
+                  <a:schemeClr val="tx1">
+                    <a:tint val="75000"/>
+                  </a:schemeClr>
+                </a:solidFill>
+                <a:latin typeface="+mn-lt"/>
+                <a:ea typeface="+mn-ea"/>
+                <a:cs typeface="+mn-cs"/>
+              </a:defRPr>
+            </a:lvl8pPr>
+            <a:lvl9pPr marL="3657600" indent="0" algn="ctr" defTabSz="457200" rtl="0" eaLnBrk="1" latinLnBrk="0" hangingPunct="1">
+              <a:spcBef>
+                <a:spcPts val="1000"/>
+              </a:spcBef>
+              <a:spcAft>
+                <a:spcPts val="0"/>
+              </a:spcAft>
+              <a:buClr>
+                <a:schemeClr val="accent1"/>
+              </a:buClr>
+              <a:buFont typeface="Wingdings 3" charset="2"/>
+              <a:buNone/>
+              <a:defRPr sz="1200" kern="1200">
+                <a:solidFill>
+                  <a:schemeClr val="tx1">
+                    <a:tint val="75000"/>
+                  </a:schemeClr>
+                </a:solidFill>
+                <a:latin typeface="+mn-lt"/>
+                <a:ea typeface="+mn-ea"/>
+                <a:cs typeface="+mn-cs"/>
+              </a:defRPr>
+            </a:lvl9pPr>
+          </a:lstStyle>
+          <a:p>
+            <a:r>
+              <a:rPr lang="en-US" sz="3200" b="1" u="sng" dirty="0">
+                <a:solidFill>
+                  <a:schemeClr val="tx2"/>
+                </a:solidFill>
+                <a:cs typeface="Arial" panose="020B0604020202020204" pitchFamily="34" charset="0"/>
+              </a:rPr>
+              <a:t>Presented </a:t>
+            </a:r>
+            <a:r>
+              <a:rPr lang="en-US" sz="3200" b="1" u="sng" dirty="0" smtClean="0">
+                <a:solidFill>
+                  <a:schemeClr val="tx2"/>
+                </a:solidFill>
+                <a:cs typeface="Arial" panose="020B0604020202020204" pitchFamily="34" charset="0"/>
+              </a:rPr>
+              <a:t>To:</a:t>
+            </a:r>
+            <a:endParaRPr lang="en-US" sz="3200" b="1" u="sng" dirty="0">
+              <a:solidFill>
+                <a:schemeClr val="tx2"/>
+              </a:solidFill>
+              <a:cs typeface="Arial" panose="020B0604020202020204" pitchFamily="34" charset="0"/>
+            </a:endParaRPr>
+          </a:p>
+          <a:p>
+            <a:r>
+              <a:rPr lang="en-US" sz="2400" b="1" dirty="0" smtClean="0"/>
+              <a:t>Md</a:t>
+            </a:r>
+            <a:r>
+              <a:rPr lang="en-US" sz="2400" b="1" dirty="0"/>
+              <a:t>. Mizanur Rahman</a:t>
+            </a:r>
+          </a:p>
+          <a:p>
+            <a:r>
+              <a:rPr lang="en-US" sz="2400" dirty="0"/>
+              <a:t>Assistant Professor,</a:t>
+            </a:r>
+          </a:p>
+          <a:p>
+            <a:r>
+              <a:rPr lang="en-US" sz="2000" dirty="0"/>
+              <a:t>Dept of Computer Science and Engineering</a:t>
+            </a:r>
+          </a:p>
+          <a:p>
+            <a:endParaRPr lang="en-US" dirty="0" smtClean="0">
+              <a:solidFill>
+                <a:schemeClr val="tx2"/>
+              </a:solidFill>
+              <a:cs typeface="Arial" panose="020B0604020202020204" pitchFamily="34" charset="0"/>
+            </a:endParaRPr>
+          </a:p>
+          <a:p>
+            <a:endParaRPr lang="en-US" dirty="0">
+              <a:solidFill>
+                <a:schemeClr val="tx2"/>
+              </a:solidFill>
+              <a:cs typeface="Arial" panose="020B0604020202020204" pitchFamily="34" charset="0"/>
+            </a:endParaRPr>
+          </a:p>
+          <a:p>
+            <a:endParaRPr lang="en-US" dirty="0"/>
           </a:p>
         </p:txBody>
       </p:sp>
@@ -7668,6 +8136,8783 @@
   <p:clrMapOvr>
     <a:masterClrMapping/>
   </p:clrMapOvr>
+  <p:timing>
+    <p:tnLst>
+      <p:par>
+        <p:cTn id="1" dur="indefinite" restart="never" nodeType="tmRoot">
+          <p:childTnLst>
+            <p:seq concurrent="1" nextAc="seek">
+              <p:cTn id="2" dur="indefinite" nodeType="mainSeq">
+                <p:childTnLst>
+                  <p:par>
+                    <p:cTn id="3" fill="hold">
+                      <p:stCondLst>
+                        <p:cond delay="indefinite"/>
+                      </p:stCondLst>
+                      <p:childTnLst>
+                        <p:par>
+                          <p:cTn id="4" fill="hold">
+                            <p:stCondLst>
+                              <p:cond delay="0"/>
+                            </p:stCondLst>
+                            <p:childTnLst>
+                              <p:par>
+                                <p:cTn id="5" presetID="10" presetClass="entr" presetSubtype="0" fill="hold" grpId="0" nodeType="clickEffect">
+                                  <p:stCondLst>
+                                    <p:cond delay="0"/>
+                                  </p:stCondLst>
+                                  <p:childTnLst>
+                                    <p:set>
+                                      <p:cBhvr>
+                                        <p:cTn id="6" dur="1" fill="hold">
+                                          <p:stCondLst>
+                                            <p:cond delay="0"/>
+                                          </p:stCondLst>
+                                        </p:cTn>
+                                        <p:tgtEl>
+                                          <p:spTgt spid="2"/>
+                                        </p:tgtEl>
+                                        <p:attrNameLst>
+                                          <p:attrName>style.visibility</p:attrName>
+                                        </p:attrNameLst>
+                                      </p:cBhvr>
+                                      <p:to>
+                                        <p:strVal val="visible"/>
+                                      </p:to>
+                                    </p:set>
+                                    <p:animEffect transition="in" filter="fade">
+                                      <p:cBhvr>
+                                        <p:cTn id="7" dur="500"/>
+                                        <p:tgtEl>
+                                          <p:spTgt spid="2"/>
+                                        </p:tgtEl>
+                                      </p:cBhvr>
+                                    </p:animEffect>
+                                  </p:childTnLst>
+                                </p:cTn>
+                              </p:par>
+                            </p:childTnLst>
+                          </p:cTn>
+                        </p:par>
+                      </p:childTnLst>
+                    </p:cTn>
+                  </p:par>
+                  <p:par>
+                    <p:cTn id="8" fill="hold">
+                      <p:stCondLst>
+                        <p:cond delay="indefinite"/>
+                      </p:stCondLst>
+                      <p:childTnLst>
+                        <p:par>
+                          <p:cTn id="9" fill="hold">
+                            <p:stCondLst>
+                              <p:cond delay="0"/>
+                            </p:stCondLst>
+                            <p:childTnLst>
+                              <p:par>
+                                <p:cTn id="10" presetID="10" presetClass="entr" presetSubtype="0" fill="hold" nodeType="clickEffect">
+                                  <p:stCondLst>
+                                    <p:cond delay="0"/>
+                                  </p:stCondLst>
+                                  <p:childTnLst>
+                                    <p:set>
+                                      <p:cBhvr>
+                                        <p:cTn id="11" dur="1" fill="hold">
+                                          <p:stCondLst>
+                                            <p:cond delay="0"/>
+                                          </p:stCondLst>
+                                        </p:cTn>
+                                        <p:tgtEl>
+                                          <p:spTgt spid="3">
+                                            <p:txEl>
+                                              <p:pRg st="0" end="0"/>
+                                            </p:txEl>
+                                          </p:spTgt>
+                                        </p:tgtEl>
+                                        <p:attrNameLst>
+                                          <p:attrName>style.visibility</p:attrName>
+                                        </p:attrNameLst>
+                                      </p:cBhvr>
+                                      <p:to>
+                                        <p:strVal val="visible"/>
+                                      </p:to>
+                                    </p:set>
+                                    <p:animEffect transition="in" filter="fade">
+                                      <p:cBhvr>
+                                        <p:cTn id="12" dur="500"/>
+                                        <p:tgtEl>
+                                          <p:spTgt spid="3">
+                                            <p:txEl>
+                                              <p:pRg st="0" end="0"/>
+                                            </p:txEl>
+                                          </p:spTgt>
+                                        </p:tgtEl>
+                                      </p:cBhvr>
+                                    </p:animEffect>
+                                  </p:childTnLst>
+                                </p:cTn>
+                              </p:par>
+                            </p:childTnLst>
+                          </p:cTn>
+                        </p:par>
+                      </p:childTnLst>
+                    </p:cTn>
+                  </p:par>
+                  <p:par>
+                    <p:cTn id="13" fill="hold">
+                      <p:stCondLst>
+                        <p:cond delay="indefinite"/>
+                      </p:stCondLst>
+                      <p:childTnLst>
+                        <p:par>
+                          <p:cTn id="14" fill="hold">
+                            <p:stCondLst>
+                              <p:cond delay="0"/>
+                            </p:stCondLst>
+                            <p:childTnLst>
+                              <p:par>
+                                <p:cTn id="15" presetID="10" presetClass="entr" presetSubtype="0" fill="hold" nodeType="clickEffect">
+                                  <p:stCondLst>
+                                    <p:cond delay="0"/>
+                                  </p:stCondLst>
+                                  <p:childTnLst>
+                                    <p:set>
+                                      <p:cBhvr>
+                                        <p:cTn id="16" dur="1" fill="hold">
+                                          <p:stCondLst>
+                                            <p:cond delay="0"/>
+                                          </p:stCondLst>
+                                        </p:cTn>
+                                        <p:tgtEl>
+                                          <p:spTgt spid="3">
+                                            <p:txEl>
+                                              <p:pRg st="1" end="1"/>
+                                            </p:txEl>
+                                          </p:spTgt>
+                                        </p:tgtEl>
+                                        <p:attrNameLst>
+                                          <p:attrName>style.visibility</p:attrName>
+                                        </p:attrNameLst>
+                                      </p:cBhvr>
+                                      <p:to>
+                                        <p:strVal val="visible"/>
+                                      </p:to>
+                                    </p:set>
+                                    <p:animEffect transition="in" filter="fade">
+                                      <p:cBhvr>
+                                        <p:cTn id="17" dur="500"/>
+                                        <p:tgtEl>
+                                          <p:spTgt spid="3">
+                                            <p:txEl>
+                                              <p:pRg st="1" end="1"/>
+                                            </p:txEl>
+                                          </p:spTgt>
+                                        </p:tgtEl>
+                                      </p:cBhvr>
+                                    </p:animEffect>
+                                  </p:childTnLst>
+                                </p:cTn>
+                              </p:par>
+                              <p:par>
+                                <p:cTn id="18" presetID="10" presetClass="entr" presetSubtype="0" fill="hold" nodeType="withEffect">
+                                  <p:stCondLst>
+                                    <p:cond delay="0"/>
+                                  </p:stCondLst>
+                                  <p:childTnLst>
+                                    <p:set>
+                                      <p:cBhvr>
+                                        <p:cTn id="19" dur="1" fill="hold">
+                                          <p:stCondLst>
+                                            <p:cond delay="0"/>
+                                          </p:stCondLst>
+                                        </p:cTn>
+                                        <p:tgtEl>
+                                          <p:spTgt spid="3">
+                                            <p:txEl>
+                                              <p:pRg st="2" end="2"/>
+                                            </p:txEl>
+                                          </p:spTgt>
+                                        </p:tgtEl>
+                                        <p:attrNameLst>
+                                          <p:attrName>style.visibility</p:attrName>
+                                        </p:attrNameLst>
+                                      </p:cBhvr>
+                                      <p:to>
+                                        <p:strVal val="visible"/>
+                                      </p:to>
+                                    </p:set>
+                                    <p:animEffect transition="in" filter="fade">
+                                      <p:cBhvr>
+                                        <p:cTn id="20" dur="500"/>
+                                        <p:tgtEl>
+                                          <p:spTgt spid="3">
+                                            <p:txEl>
+                                              <p:pRg st="2" end="2"/>
+                                            </p:txEl>
+                                          </p:spTgt>
+                                        </p:tgtEl>
+                                      </p:cBhvr>
+                                    </p:animEffect>
+                                  </p:childTnLst>
+                                </p:cTn>
+                              </p:par>
+                            </p:childTnLst>
+                          </p:cTn>
+                        </p:par>
+                      </p:childTnLst>
+                    </p:cTn>
+                  </p:par>
+                  <p:par>
+                    <p:cTn id="21" fill="hold">
+                      <p:stCondLst>
+                        <p:cond delay="indefinite"/>
+                      </p:stCondLst>
+                      <p:childTnLst>
+                        <p:par>
+                          <p:cTn id="22" fill="hold">
+                            <p:stCondLst>
+                              <p:cond delay="0"/>
+                            </p:stCondLst>
+                            <p:childTnLst>
+                              <p:par>
+                                <p:cTn id="23" presetID="10" presetClass="entr" presetSubtype="0" fill="hold" nodeType="clickEffect">
+                                  <p:stCondLst>
+                                    <p:cond delay="0"/>
+                                  </p:stCondLst>
+                                  <p:childTnLst>
+                                    <p:set>
+                                      <p:cBhvr>
+                                        <p:cTn id="24" dur="1" fill="hold">
+                                          <p:stCondLst>
+                                            <p:cond delay="0"/>
+                                          </p:stCondLst>
+                                        </p:cTn>
+                                        <p:tgtEl>
+                                          <p:spTgt spid="3">
+                                            <p:txEl>
+                                              <p:pRg st="3" end="3"/>
+                                            </p:txEl>
+                                          </p:spTgt>
+                                        </p:tgtEl>
+                                        <p:attrNameLst>
+                                          <p:attrName>style.visibility</p:attrName>
+                                        </p:attrNameLst>
+                                      </p:cBhvr>
+                                      <p:to>
+                                        <p:strVal val="visible"/>
+                                      </p:to>
+                                    </p:set>
+                                    <p:animEffect transition="in" filter="fade">
+                                      <p:cBhvr>
+                                        <p:cTn id="25" dur="500"/>
+                                        <p:tgtEl>
+                                          <p:spTgt spid="3">
+                                            <p:txEl>
+                                              <p:pRg st="3" end="3"/>
+                                            </p:txEl>
+                                          </p:spTgt>
+                                        </p:tgtEl>
+                                      </p:cBhvr>
+                                    </p:animEffect>
+                                  </p:childTnLst>
+                                </p:cTn>
+                              </p:par>
+                              <p:par>
+                                <p:cTn id="26" presetID="10" presetClass="entr" presetSubtype="0" fill="hold" nodeType="withEffect">
+                                  <p:stCondLst>
+                                    <p:cond delay="0"/>
+                                  </p:stCondLst>
+                                  <p:childTnLst>
+                                    <p:set>
+                                      <p:cBhvr>
+                                        <p:cTn id="27" dur="1" fill="hold">
+                                          <p:stCondLst>
+                                            <p:cond delay="0"/>
+                                          </p:stCondLst>
+                                        </p:cTn>
+                                        <p:tgtEl>
+                                          <p:spTgt spid="3">
+                                            <p:txEl>
+                                              <p:pRg st="4" end="4"/>
+                                            </p:txEl>
+                                          </p:spTgt>
+                                        </p:tgtEl>
+                                        <p:attrNameLst>
+                                          <p:attrName>style.visibility</p:attrName>
+                                        </p:attrNameLst>
+                                      </p:cBhvr>
+                                      <p:to>
+                                        <p:strVal val="visible"/>
+                                      </p:to>
+                                    </p:set>
+                                    <p:animEffect transition="in" filter="fade">
+                                      <p:cBhvr>
+                                        <p:cTn id="28" dur="500"/>
+                                        <p:tgtEl>
+                                          <p:spTgt spid="3">
+                                            <p:txEl>
+                                              <p:pRg st="4" end="4"/>
+                                            </p:txEl>
+                                          </p:spTgt>
+                                        </p:tgtEl>
+                                      </p:cBhvr>
+                                    </p:animEffect>
+                                  </p:childTnLst>
+                                </p:cTn>
+                              </p:par>
+                            </p:childTnLst>
+                          </p:cTn>
+                        </p:par>
+                      </p:childTnLst>
+                    </p:cTn>
+                  </p:par>
+                  <p:par>
+                    <p:cTn id="29" fill="hold">
+                      <p:stCondLst>
+                        <p:cond delay="indefinite"/>
+                      </p:stCondLst>
+                      <p:childTnLst>
+                        <p:par>
+                          <p:cTn id="30" fill="hold">
+                            <p:stCondLst>
+                              <p:cond delay="0"/>
+                            </p:stCondLst>
+                            <p:childTnLst>
+                              <p:par>
+                                <p:cTn id="31" presetID="10" presetClass="entr" presetSubtype="0" fill="hold" grpId="0" nodeType="clickEffect">
+                                  <p:stCondLst>
+                                    <p:cond delay="0"/>
+                                  </p:stCondLst>
+                                  <p:childTnLst>
+                                    <p:set>
+                                      <p:cBhvr>
+                                        <p:cTn id="32" dur="1" fill="hold">
+                                          <p:stCondLst>
+                                            <p:cond delay="0"/>
+                                          </p:stCondLst>
+                                        </p:cTn>
+                                        <p:tgtEl>
+                                          <p:spTgt spid="4"/>
+                                        </p:tgtEl>
+                                        <p:attrNameLst>
+                                          <p:attrName>style.visibility</p:attrName>
+                                        </p:attrNameLst>
+                                      </p:cBhvr>
+                                      <p:to>
+                                        <p:strVal val="visible"/>
+                                      </p:to>
+                                    </p:set>
+                                    <p:animEffect transition="in" filter="fade">
+                                      <p:cBhvr>
+                                        <p:cTn id="33" dur="500"/>
+                                        <p:tgtEl>
+                                          <p:spTgt spid="4"/>
+                                        </p:tgtEl>
+                                      </p:cBhvr>
+                                    </p:animEffect>
+                                  </p:childTnLst>
+                                </p:cTn>
+                              </p:par>
+                            </p:childTnLst>
+                          </p:cTn>
+                        </p:par>
+                      </p:childTnLst>
+                    </p:cTn>
+                  </p:par>
+                </p:childTnLst>
+              </p:cTn>
+              <p:prevCondLst>
+                <p:cond evt="onPrev" delay="0">
+                  <p:tgtEl>
+                    <p:sldTgt/>
+                  </p:tgtEl>
+                </p:cond>
+              </p:prevCondLst>
+              <p:nextCondLst>
+                <p:cond evt="onNext" delay="0">
+                  <p:tgtEl>
+                    <p:sldTgt/>
+                  </p:tgtEl>
+                </p:cond>
+              </p:nextCondLst>
+            </p:seq>
+          </p:childTnLst>
+        </p:cTn>
+      </p:par>
+    </p:tnLst>
+    <p:bldLst>
+      <p:bldP spid="2" grpId="0"/>
+      <p:bldP spid="4" grpId="0"/>
+    </p:bldLst>
+  </p:timing>
+</p:sld>
+</file>
+
+<file path=ppt/slides/slide2.xml><?xml version="1.0" encoding="utf-8"?>
+<p:sld xmlns:a="http://schemas.openxmlformats.org/drawingml/2006/main" xmlns:r="http://schemas.openxmlformats.org/officeDocument/2006/relationships" xmlns:p="http://schemas.openxmlformats.org/presentationml/2006/main">
+  <p:cSld>
+    <p:spTree>
+      <p:nvGrpSpPr>
+        <p:cNvPr id="1" name=""/>
+        <p:cNvGrpSpPr/>
+        <p:nvPr/>
+      </p:nvGrpSpPr>
+      <p:grpSpPr>
+        <a:xfrm>
+          <a:off x="0" y="0"/>
+          <a:ext cx="0" cy="0"/>
+          <a:chOff x="0" y="0"/>
+          <a:chExt cx="0" cy="0"/>
+        </a:xfrm>
+      </p:grpSpPr>
+      <p:sp>
+        <p:nvSpPr>
+          <p:cNvPr id="2" name="Title 1"/>
+          <p:cNvSpPr>
+            <a:spLocks noGrp="1"/>
+          </p:cNvSpPr>
+          <p:nvPr>
+            <p:ph type="ctrTitle"/>
+          </p:nvPr>
+        </p:nvSpPr>
+        <p:spPr/>
+        <p:txBody>
+          <a:bodyPr/>
+          <a:lstStyle/>
+          <a:p>
+            <a:r>
+              <a:rPr lang="en-US" dirty="0">
+                <a:solidFill>
+                  <a:schemeClr val="tx2"/>
+                </a:solidFill>
+                <a:latin typeface="Arial" panose="020B0604020202020204" pitchFamily="34" charset="0"/>
+                <a:cs typeface="Arial" panose="020B0604020202020204" pitchFamily="34" charset="0"/>
+              </a:rPr>
+              <a:t>Problem </a:t>
+            </a:r>
+            <a:r>
+              <a:rPr lang="en-US" dirty="0" smtClean="0">
+                <a:solidFill>
+                  <a:schemeClr val="tx2"/>
+                </a:solidFill>
+                <a:latin typeface="Arial" panose="020B0604020202020204" pitchFamily="34" charset="0"/>
+                <a:cs typeface="Arial" panose="020B0604020202020204" pitchFamily="34" charset="0"/>
+              </a:rPr>
+              <a:t>Name</a:t>
+            </a:r>
+            <a:endParaRPr lang="en-US" dirty="0"/>
+          </a:p>
+        </p:txBody>
+      </p:sp>
+      <p:sp>
+        <p:nvSpPr>
+          <p:cNvPr id="3" name="Subtitle 2"/>
+          <p:cNvSpPr>
+            <a:spLocks noGrp="1"/>
+          </p:cNvSpPr>
+          <p:nvPr>
+            <p:ph type="subTitle" idx="1"/>
+          </p:nvPr>
+        </p:nvSpPr>
+        <p:spPr>
+          <a:xfrm>
+            <a:off x="2655888" y="4786904"/>
+            <a:ext cx="8915399" cy="1126283"/>
+          </a:xfrm>
+        </p:spPr>
+        <p:txBody>
+          <a:bodyPr>
+            <a:normAutofit/>
+          </a:bodyPr>
+          <a:lstStyle/>
+          <a:p>
+            <a:r>
+              <a:rPr lang="en-US" sz="2400" dirty="0">
+                <a:solidFill>
+                  <a:schemeClr val="tx2"/>
+                </a:solidFill>
+                <a:latin typeface="Arial" panose="020B0604020202020204" pitchFamily="34" charset="0"/>
+                <a:cs typeface="Arial" panose="020B0604020202020204" pitchFamily="34" charset="0"/>
+              </a:rPr>
+              <a:t>Write a C Program to find whether the given number is prime</a:t>
+            </a:r>
+            <a:endParaRPr lang="en-US" sz="2400" dirty="0"/>
+          </a:p>
+        </p:txBody>
+      </p:sp>
+    </p:spTree>
+    <p:extLst>
+      <p:ext uri="{BB962C8B-B14F-4D97-AF65-F5344CB8AC3E}">
+        <p14:creationId xmlns:p14="http://schemas.microsoft.com/office/powerpoint/2010/main" val="656450123"/>
+      </p:ext>
+    </p:extLst>
+  </p:cSld>
+  <p:clrMapOvr>
+    <a:masterClrMapping/>
+  </p:clrMapOvr>
+  <p:timing>
+    <p:tnLst>
+      <p:par>
+        <p:cTn id="1" dur="indefinite" restart="never" nodeType="tmRoot">
+          <p:childTnLst>
+            <p:seq concurrent="1" nextAc="seek">
+              <p:cTn id="2" dur="indefinite" nodeType="mainSeq">
+                <p:childTnLst>
+                  <p:par>
+                    <p:cTn id="3" fill="hold">
+                      <p:stCondLst>
+                        <p:cond delay="indefinite"/>
+                      </p:stCondLst>
+                      <p:childTnLst>
+                        <p:par>
+                          <p:cTn id="4" fill="hold">
+                            <p:stCondLst>
+                              <p:cond delay="0"/>
+                            </p:stCondLst>
+                            <p:childTnLst>
+                              <p:par>
+                                <p:cTn id="5" presetID="10" presetClass="entr" presetSubtype="0" fill="hold" grpId="0" nodeType="clickEffect">
+                                  <p:stCondLst>
+                                    <p:cond delay="0"/>
+                                  </p:stCondLst>
+                                  <p:childTnLst>
+                                    <p:set>
+                                      <p:cBhvr>
+                                        <p:cTn id="6" dur="1" fill="hold">
+                                          <p:stCondLst>
+                                            <p:cond delay="0"/>
+                                          </p:stCondLst>
+                                        </p:cTn>
+                                        <p:tgtEl>
+                                          <p:spTgt spid="2"/>
+                                        </p:tgtEl>
+                                        <p:attrNameLst>
+                                          <p:attrName>style.visibility</p:attrName>
+                                        </p:attrNameLst>
+                                      </p:cBhvr>
+                                      <p:to>
+                                        <p:strVal val="visible"/>
+                                      </p:to>
+                                    </p:set>
+                                    <p:animEffect transition="in" filter="fade">
+                                      <p:cBhvr>
+                                        <p:cTn id="7" dur="500"/>
+                                        <p:tgtEl>
+                                          <p:spTgt spid="2"/>
+                                        </p:tgtEl>
+                                      </p:cBhvr>
+                                    </p:animEffect>
+                                  </p:childTnLst>
+                                </p:cTn>
+                              </p:par>
+                            </p:childTnLst>
+                          </p:cTn>
+                        </p:par>
+                      </p:childTnLst>
+                    </p:cTn>
+                  </p:par>
+                  <p:par>
+                    <p:cTn id="8" fill="hold">
+                      <p:stCondLst>
+                        <p:cond delay="indefinite"/>
+                      </p:stCondLst>
+                      <p:childTnLst>
+                        <p:par>
+                          <p:cTn id="9" fill="hold">
+                            <p:stCondLst>
+                              <p:cond delay="0"/>
+                            </p:stCondLst>
+                            <p:childTnLst>
+                              <p:par>
+                                <p:cTn id="10" presetID="10" presetClass="entr" presetSubtype="0" fill="hold" grpId="0" nodeType="clickEffect">
+                                  <p:stCondLst>
+                                    <p:cond delay="0"/>
+                                  </p:stCondLst>
+                                  <p:childTnLst>
+                                    <p:set>
+                                      <p:cBhvr>
+                                        <p:cTn id="11" dur="1" fill="hold">
+                                          <p:stCondLst>
+                                            <p:cond delay="0"/>
+                                          </p:stCondLst>
+                                        </p:cTn>
+                                        <p:tgtEl>
+                                          <p:spTgt spid="3">
+                                            <p:txEl>
+                                              <p:pRg st="0" end="0"/>
+                                            </p:txEl>
+                                          </p:spTgt>
+                                        </p:tgtEl>
+                                        <p:attrNameLst>
+                                          <p:attrName>style.visibility</p:attrName>
+                                        </p:attrNameLst>
+                                      </p:cBhvr>
+                                      <p:to>
+                                        <p:strVal val="visible"/>
+                                      </p:to>
+                                    </p:set>
+                                    <p:animEffect transition="in" filter="fade">
+                                      <p:cBhvr>
+                                        <p:cTn id="12" dur="500"/>
+                                        <p:tgtEl>
+                                          <p:spTgt spid="3">
+                                            <p:txEl>
+                                              <p:pRg st="0" end="0"/>
+                                            </p:txEl>
+                                          </p:spTgt>
+                                        </p:tgtEl>
+                                      </p:cBhvr>
+                                    </p:animEffect>
+                                  </p:childTnLst>
+                                </p:cTn>
+                              </p:par>
+                            </p:childTnLst>
+                          </p:cTn>
+                        </p:par>
+                      </p:childTnLst>
+                    </p:cTn>
+                  </p:par>
+                </p:childTnLst>
+              </p:cTn>
+              <p:prevCondLst>
+                <p:cond evt="onPrev" delay="0">
+                  <p:tgtEl>
+                    <p:sldTgt/>
+                  </p:tgtEl>
+                </p:cond>
+              </p:prevCondLst>
+              <p:nextCondLst>
+                <p:cond evt="onNext" delay="0">
+                  <p:tgtEl>
+                    <p:sldTgt/>
+                  </p:tgtEl>
+                </p:cond>
+              </p:nextCondLst>
+            </p:seq>
+          </p:childTnLst>
+        </p:cTn>
+      </p:par>
+    </p:tnLst>
+    <p:bldLst>
+      <p:bldP spid="2" grpId="0"/>
+      <p:bldP spid="3" grpId="0" build="p"/>
+    </p:bldLst>
+  </p:timing>
+</p:sld>
+</file>
+
+<file path=ppt/slides/slide3.xml><?xml version="1.0" encoding="utf-8"?>
+<p:sld xmlns:a="http://schemas.openxmlformats.org/drawingml/2006/main" xmlns:r="http://schemas.openxmlformats.org/officeDocument/2006/relationships" xmlns:p="http://schemas.openxmlformats.org/presentationml/2006/main">
+  <p:cSld>
+    <p:spTree>
+      <p:nvGrpSpPr>
+        <p:cNvPr id="1" name=""/>
+        <p:cNvGrpSpPr/>
+        <p:nvPr/>
+      </p:nvGrpSpPr>
+      <p:grpSpPr>
+        <a:xfrm>
+          <a:off x="0" y="0"/>
+          <a:ext cx="0" cy="0"/>
+          <a:chOff x="0" y="0"/>
+          <a:chExt cx="0" cy="0"/>
+        </a:xfrm>
+      </p:grpSpPr>
+      <p:sp>
+        <p:nvSpPr>
+          <p:cNvPr id="2" name="Title 1"/>
+          <p:cNvSpPr>
+            <a:spLocks noGrp="1"/>
+          </p:cNvSpPr>
+          <p:nvPr>
+            <p:ph type="title"/>
+          </p:nvPr>
+        </p:nvSpPr>
+        <p:spPr>
+          <a:xfrm>
+            <a:off x="1295400" y="1781173"/>
+            <a:ext cx="5091554" cy="804640"/>
+          </a:xfrm>
+        </p:spPr>
+        <p:txBody>
+          <a:bodyPr>
+            <a:normAutofit fontScale="90000"/>
+          </a:bodyPr>
+          <a:lstStyle/>
+          <a:p>
+            <a:r>
+              <a:rPr lang="en-US" dirty="0" smtClean="0"/>
+              <a:t>What is Prime Number?</a:t>
+            </a:r>
+            <a:endParaRPr lang="en-US" dirty="0"/>
+          </a:p>
+        </p:txBody>
+      </p:sp>
+      <p:sp>
+        <p:nvSpPr>
+          <p:cNvPr id="4" name="Content Placeholder 3"/>
+          <p:cNvSpPr>
+            <a:spLocks noGrp="1"/>
+          </p:cNvSpPr>
+          <p:nvPr>
+            <p:ph sz="half" idx="2"/>
+          </p:nvPr>
+        </p:nvSpPr>
+        <p:spPr>
+          <a:xfrm>
+            <a:off x="1531938" y="2552700"/>
+            <a:ext cx="4268788" cy="4305300"/>
+          </a:xfrm>
+        </p:spPr>
+        <p:txBody>
+          <a:bodyPr>
+            <a:normAutofit/>
+          </a:bodyPr>
+          <a:lstStyle/>
+          <a:p>
+            <a:pPr marL="0" indent="0">
+              <a:buNone/>
+            </a:pPr>
+            <a:endParaRPr lang="en-US" sz="2400" b="1" dirty="0" smtClean="0">
+              <a:solidFill>
+                <a:schemeClr val="tx2"/>
+              </a:solidFill>
+              <a:latin typeface="Arial" panose="020B0604020202020204" pitchFamily="34" charset="0"/>
+              <a:cs typeface="Arial" panose="020B0604020202020204" pitchFamily="34" charset="0"/>
+            </a:endParaRPr>
+          </a:p>
+          <a:p>
+            <a:r>
+              <a:rPr lang="en-US" sz="2400" dirty="0" smtClean="0">
+                <a:solidFill>
+                  <a:schemeClr val="tx2"/>
+                </a:solidFill>
+                <a:latin typeface="Arial" panose="020B0604020202020204" pitchFamily="34" charset="0"/>
+                <a:cs typeface="Arial" panose="020B0604020202020204" pitchFamily="34" charset="0"/>
+              </a:rPr>
+              <a:t>Prime </a:t>
+            </a:r>
+            <a:r>
+              <a:rPr lang="en-US" sz="2400" dirty="0">
+                <a:solidFill>
+                  <a:schemeClr val="tx2"/>
+                </a:solidFill>
+                <a:latin typeface="Arial" panose="020B0604020202020204" pitchFamily="34" charset="0"/>
+                <a:cs typeface="Arial" panose="020B0604020202020204" pitchFamily="34" charset="0"/>
+              </a:rPr>
+              <a:t>number is a positive integer greater than 1 that is only divisible by 1 and itself. For example: 2, 3 , 5, 7, 11 are the first five </a:t>
+            </a:r>
+            <a:r>
+              <a:rPr lang="en-US" sz="2400" dirty="0" smtClean="0">
+                <a:solidFill>
+                  <a:schemeClr val="tx2"/>
+                </a:solidFill>
+                <a:latin typeface="Arial" panose="020B0604020202020204" pitchFamily="34" charset="0"/>
+                <a:cs typeface="Arial" panose="020B0604020202020204" pitchFamily="34" charset="0"/>
+              </a:rPr>
+              <a:t>prime numbers</a:t>
+            </a:r>
+            <a:r>
+              <a:rPr lang="en-US" sz="2400" dirty="0">
+                <a:solidFill>
+                  <a:schemeClr val="tx2"/>
+                </a:solidFill>
+                <a:latin typeface="Arial" panose="020B0604020202020204" pitchFamily="34" charset="0"/>
+                <a:cs typeface="Arial" panose="020B0604020202020204" pitchFamily="34" charset="0"/>
+              </a:rPr>
+              <a:t>. </a:t>
+            </a:r>
+            <a:br>
+              <a:rPr lang="en-US" sz="2400" dirty="0">
+                <a:solidFill>
+                  <a:schemeClr val="tx2"/>
+                </a:solidFill>
+                <a:latin typeface="Arial" panose="020B0604020202020204" pitchFamily="34" charset="0"/>
+                <a:cs typeface="Arial" panose="020B0604020202020204" pitchFamily="34" charset="0"/>
+              </a:rPr>
+            </a:br>
+            <a:endParaRPr lang="en-US" sz="2400" dirty="0">
+              <a:solidFill>
+                <a:schemeClr val="tx2"/>
+              </a:solidFill>
+              <a:latin typeface="Arial" panose="020B0604020202020204" pitchFamily="34" charset="0"/>
+              <a:cs typeface="Arial" panose="020B0604020202020204" pitchFamily="34" charset="0"/>
+            </a:endParaRPr>
+          </a:p>
+          <a:p>
+            <a:pPr marL="0" indent="0">
+              <a:buNone/>
+            </a:pPr>
+            <a:endParaRPr lang="en-US" sz="2400" dirty="0">
+              <a:solidFill>
+                <a:schemeClr val="tx2"/>
+              </a:solidFill>
+            </a:endParaRPr>
+          </a:p>
+        </p:txBody>
+      </p:sp>
+      <p:sp>
+        <p:nvSpPr>
+          <p:cNvPr id="12" name="Rectangle 11"/>
+          <p:cNvSpPr/>
+          <p:nvPr/>
+        </p:nvSpPr>
+        <p:spPr>
+          <a:xfrm>
+            <a:off x="6239316" y="1933575"/>
+            <a:ext cx="45719" cy="3924300"/>
+          </a:xfrm>
+          <a:prstGeom prst="rect">
+            <a:avLst/>
+          </a:prstGeom>
+        </p:spPr>
+        <p:style>
+          <a:lnRef idx="2">
+            <a:schemeClr val="accent1">
+              <a:shade val="50000"/>
+            </a:schemeClr>
+          </a:lnRef>
+          <a:fillRef idx="1">
+            <a:schemeClr val="accent1"/>
+          </a:fillRef>
+          <a:effectRef idx="0">
+            <a:schemeClr val="accent1"/>
+          </a:effectRef>
+          <a:fontRef idx="minor">
+            <a:schemeClr val="lt1"/>
+          </a:fontRef>
+        </p:style>
+        <p:txBody>
+          <a:bodyPr rtlCol="0" anchor="ctr"/>
+          <a:lstStyle/>
+          <a:p>
+            <a:pPr algn="ctr"/>
+            <a:endParaRPr lang="en-US"/>
+          </a:p>
+        </p:txBody>
+      </p:sp>
+      <p:sp>
+        <p:nvSpPr>
+          <p:cNvPr id="13" name="Title 1"/>
+          <p:cNvSpPr txBox="1">
+            <a:spLocks/>
+          </p:cNvSpPr>
+          <p:nvPr/>
+        </p:nvSpPr>
+        <p:spPr>
+          <a:xfrm rot="606371">
+            <a:off x="6391275" y="1919509"/>
+            <a:ext cx="5314950" cy="2147665"/>
+          </a:xfrm>
+          <a:prstGeom prst="rect">
+            <a:avLst/>
+          </a:prstGeom>
+        </p:spPr>
+        <p:txBody>
+          <a:bodyPr vert="horz" lIns="91440" tIns="45720" rIns="91440" bIns="45720" rtlCol="0" anchor="t">
+            <a:noAutofit/>
+          </a:bodyPr>
+          <a:lstStyle>
+            <a:lvl1pPr algn="l" defTabSz="457200" rtl="0" eaLnBrk="1" latinLnBrk="0" hangingPunct="1">
+              <a:spcBef>
+                <a:spcPct val="0"/>
+              </a:spcBef>
+              <a:buNone/>
+              <a:defRPr sz="3600" kern="1200">
+                <a:solidFill>
+                  <a:schemeClr val="tx1">
+                    <a:lumMod val="85000"/>
+                    <a:lumOff val="15000"/>
+                  </a:schemeClr>
+                </a:solidFill>
+                <a:latin typeface="+mj-lt"/>
+                <a:ea typeface="+mj-ea"/>
+                <a:cs typeface="+mj-cs"/>
+              </a:defRPr>
+            </a:lvl1pPr>
+            <a:lvl2pPr eaLnBrk="1" hangingPunct="1">
+              <a:defRPr>
+                <a:solidFill>
+                  <a:schemeClr val="tx2"/>
+                </a:solidFill>
+              </a:defRPr>
+            </a:lvl2pPr>
+            <a:lvl3pPr eaLnBrk="1" hangingPunct="1">
+              <a:defRPr>
+                <a:solidFill>
+                  <a:schemeClr val="tx2"/>
+                </a:solidFill>
+              </a:defRPr>
+            </a:lvl3pPr>
+            <a:lvl4pPr eaLnBrk="1" hangingPunct="1">
+              <a:defRPr>
+                <a:solidFill>
+                  <a:schemeClr val="tx2"/>
+                </a:solidFill>
+              </a:defRPr>
+            </a:lvl4pPr>
+            <a:lvl5pPr eaLnBrk="1" hangingPunct="1">
+              <a:defRPr>
+                <a:solidFill>
+                  <a:schemeClr val="tx2"/>
+                </a:solidFill>
+              </a:defRPr>
+            </a:lvl5pPr>
+            <a:lvl6pPr eaLnBrk="1" hangingPunct="1">
+              <a:defRPr>
+                <a:solidFill>
+                  <a:schemeClr val="tx2"/>
+                </a:solidFill>
+              </a:defRPr>
+            </a:lvl6pPr>
+            <a:lvl7pPr eaLnBrk="1" hangingPunct="1">
+              <a:defRPr>
+                <a:solidFill>
+                  <a:schemeClr val="tx2"/>
+                </a:solidFill>
+              </a:defRPr>
+            </a:lvl7pPr>
+            <a:lvl8pPr eaLnBrk="1" hangingPunct="1">
+              <a:defRPr>
+                <a:solidFill>
+                  <a:schemeClr val="tx2"/>
+                </a:solidFill>
+              </a:defRPr>
+            </a:lvl8pPr>
+            <a:lvl9pPr eaLnBrk="1" hangingPunct="1">
+              <a:defRPr>
+                <a:solidFill>
+                  <a:schemeClr val="tx2"/>
+                </a:solidFill>
+              </a:defRPr>
+            </a:lvl9pPr>
+          </a:lstStyle>
+          <a:p>
+            <a:endParaRPr lang="en-US" sz="2000" dirty="0" smtClean="0"/>
+          </a:p>
+          <a:p>
+            <a:endParaRPr lang="en-US" sz="2000" dirty="0"/>
+          </a:p>
+        </p:txBody>
+      </p:sp>
+      <p:sp>
+        <p:nvSpPr>
+          <p:cNvPr id="14" name="Rectangle 13"/>
+          <p:cNvSpPr/>
+          <p:nvPr/>
+        </p:nvSpPr>
+        <p:spPr>
+          <a:xfrm>
+            <a:off x="6547996" y="1171485"/>
+            <a:ext cx="5305425" cy="1200329"/>
+          </a:xfrm>
+          <a:prstGeom prst="rect">
+            <a:avLst/>
+          </a:prstGeom>
+        </p:spPr>
+        <p:txBody>
+          <a:bodyPr wrap="square">
+            <a:spAutoFit/>
+          </a:bodyPr>
+          <a:lstStyle/>
+          <a:p>
+            <a:pPr algn="ctr"/>
+            <a:r>
+              <a:rPr lang="en-US" sz="3600" dirty="0">
+                <a:solidFill>
+                  <a:schemeClr val="bg2">
+                    <a:lumMod val="10000"/>
+                  </a:schemeClr>
+                </a:solidFill>
+                <a:cs typeface="Arial" panose="020B0604020202020204" pitchFamily="34" charset="0"/>
+              </a:rPr>
+              <a:t/>
+            </a:r>
+            <a:br>
+              <a:rPr lang="en-US" sz="3600" dirty="0">
+                <a:solidFill>
+                  <a:schemeClr val="bg2">
+                    <a:lumMod val="10000"/>
+                  </a:schemeClr>
+                </a:solidFill>
+                <a:cs typeface="Arial" panose="020B0604020202020204" pitchFamily="34" charset="0"/>
+              </a:rPr>
+            </a:br>
+            <a:r>
+              <a:rPr lang="en-US" sz="3600" dirty="0">
+                <a:solidFill>
+                  <a:schemeClr val="bg2">
+                    <a:lumMod val="10000"/>
+                  </a:schemeClr>
+                </a:solidFill>
+                <a:cs typeface="Arial" panose="020B0604020202020204" pitchFamily="34" charset="0"/>
+              </a:rPr>
+              <a:t>F</a:t>
+            </a:r>
+            <a:r>
+              <a:rPr lang="en-US" sz="3600" dirty="0" smtClean="0">
+                <a:solidFill>
+                  <a:schemeClr val="bg2">
+                    <a:lumMod val="10000"/>
+                  </a:schemeClr>
+                </a:solidFill>
+                <a:cs typeface="Arial" panose="020B0604020202020204" pitchFamily="34" charset="0"/>
+              </a:rPr>
+              <a:t>ind </a:t>
+            </a:r>
+            <a:r>
+              <a:rPr lang="en-US" sz="3600" dirty="0">
+                <a:solidFill>
+                  <a:schemeClr val="bg2">
+                    <a:lumMod val="10000"/>
+                  </a:schemeClr>
+                </a:solidFill>
+                <a:cs typeface="Arial" panose="020B0604020202020204" pitchFamily="34" charset="0"/>
+              </a:rPr>
+              <a:t>a </a:t>
+            </a:r>
+            <a:r>
+              <a:rPr lang="en-US" sz="3600" dirty="0" smtClean="0">
+                <a:solidFill>
+                  <a:schemeClr val="bg2">
+                    <a:lumMod val="10000"/>
+                  </a:schemeClr>
+                </a:solidFill>
+                <a:cs typeface="Arial" panose="020B0604020202020204" pitchFamily="34" charset="0"/>
+              </a:rPr>
+              <a:t>prime number</a:t>
+            </a:r>
+            <a:endParaRPr lang="en-US" sz="3600" dirty="0">
+              <a:solidFill>
+                <a:schemeClr val="bg2">
+                  <a:lumMod val="10000"/>
+                </a:schemeClr>
+              </a:solidFill>
+            </a:endParaRPr>
+          </a:p>
+        </p:txBody>
+      </p:sp>
+      <p:sp>
+        <p:nvSpPr>
+          <p:cNvPr id="15" name="Content Placeholder 3"/>
+          <p:cNvSpPr>
+            <a:spLocks noGrp="1"/>
+          </p:cNvSpPr>
+          <p:nvPr>
+            <p:ph sz="half" idx="2"/>
+          </p:nvPr>
+        </p:nvSpPr>
+        <p:spPr>
+          <a:xfrm>
+            <a:off x="6914356" y="2552700"/>
+            <a:ext cx="4268788" cy="4305300"/>
+          </a:xfrm>
+        </p:spPr>
+        <p:txBody>
+          <a:bodyPr>
+            <a:normAutofit/>
+          </a:bodyPr>
+          <a:lstStyle/>
+          <a:p>
+            <a:pPr marL="0" indent="0">
+              <a:buNone/>
+            </a:pPr>
+            <a:endParaRPr lang="en-US" sz="2400" b="1" dirty="0" smtClean="0">
+              <a:solidFill>
+                <a:srgbClr val="121213"/>
+              </a:solidFill>
+              <a:latin typeface="Arial" panose="020B0604020202020204" pitchFamily="34" charset="0"/>
+              <a:cs typeface="Arial" panose="020B0604020202020204" pitchFamily="34" charset="0"/>
+            </a:endParaRPr>
+          </a:p>
+          <a:p>
+            <a:r>
+              <a:rPr lang="en-US" sz="2400" dirty="0">
+                <a:solidFill>
+                  <a:schemeClr val="tx2"/>
+                </a:solidFill>
+                <a:latin typeface="Arial" panose="020B0604020202020204" pitchFamily="34" charset="0"/>
+                <a:ea typeface="Segoe UI Historic" panose="020B0502040204020203" pitchFamily="34" charset="0"/>
+                <a:cs typeface="Arial" panose="020B0604020202020204" pitchFamily="34" charset="0"/>
+              </a:rPr>
+              <a:t>Prime numbers are the numbers which have only two factors, the number itself and 1. So we have to find such numbers which have only two factors.</a:t>
+            </a:r>
+          </a:p>
+          <a:p>
+            <a:pPr marL="0" indent="0">
+              <a:buNone/>
+            </a:pPr>
+            <a:r>
+              <a:rPr lang="en-US" sz="2400" dirty="0">
+                <a:solidFill>
+                  <a:schemeClr val="bg2">
+                    <a:lumMod val="10000"/>
+                  </a:schemeClr>
+                </a:solidFill>
+                <a:latin typeface="Arial" panose="020B0604020202020204" pitchFamily="34" charset="0"/>
+                <a:cs typeface="Arial" panose="020B0604020202020204" pitchFamily="34" charset="0"/>
+              </a:rPr>
+              <a:t/>
+            </a:r>
+            <a:br>
+              <a:rPr lang="en-US" sz="2400" dirty="0">
+                <a:solidFill>
+                  <a:schemeClr val="bg2">
+                    <a:lumMod val="10000"/>
+                  </a:schemeClr>
+                </a:solidFill>
+                <a:latin typeface="Arial" panose="020B0604020202020204" pitchFamily="34" charset="0"/>
+                <a:cs typeface="Arial" panose="020B0604020202020204" pitchFamily="34" charset="0"/>
+              </a:rPr>
+            </a:br>
+            <a:endParaRPr lang="en-US" sz="2400" dirty="0">
+              <a:solidFill>
+                <a:schemeClr val="bg2">
+                  <a:lumMod val="10000"/>
+                </a:schemeClr>
+              </a:solidFill>
+              <a:latin typeface="Arial" panose="020B0604020202020204" pitchFamily="34" charset="0"/>
+              <a:cs typeface="Arial" panose="020B0604020202020204" pitchFamily="34" charset="0"/>
+            </a:endParaRPr>
+          </a:p>
+          <a:p>
+            <a:pPr marL="0" indent="0">
+              <a:buNone/>
+            </a:pPr>
+            <a:endParaRPr lang="en-US" sz="2400" dirty="0"/>
+          </a:p>
+        </p:txBody>
+      </p:sp>
+    </p:spTree>
+    <p:extLst>
+      <p:ext uri="{BB962C8B-B14F-4D97-AF65-F5344CB8AC3E}">
+        <p14:creationId xmlns:p14="http://schemas.microsoft.com/office/powerpoint/2010/main" val="3557560300"/>
+      </p:ext>
+    </p:extLst>
+  </p:cSld>
+  <p:clrMapOvr>
+    <a:masterClrMapping/>
+  </p:clrMapOvr>
+  <p:timing>
+    <p:tnLst>
+      <p:par>
+        <p:cTn id="1" dur="indefinite" restart="never" nodeType="tmRoot">
+          <p:childTnLst>
+            <p:seq concurrent="1" nextAc="seek">
+              <p:cTn id="2" dur="indefinite" nodeType="mainSeq">
+                <p:childTnLst>
+                  <p:par>
+                    <p:cTn id="3" fill="hold">
+                      <p:stCondLst>
+                        <p:cond delay="indefinite"/>
+                      </p:stCondLst>
+                      <p:childTnLst>
+                        <p:par>
+                          <p:cTn id="4" fill="hold">
+                            <p:stCondLst>
+                              <p:cond delay="0"/>
+                            </p:stCondLst>
+                            <p:childTnLst>
+                              <p:par>
+                                <p:cTn id="5" presetID="10" presetClass="entr" presetSubtype="0" fill="hold" grpId="0" nodeType="clickEffect">
+                                  <p:stCondLst>
+                                    <p:cond delay="0"/>
+                                  </p:stCondLst>
+                                  <p:childTnLst>
+                                    <p:set>
+                                      <p:cBhvr>
+                                        <p:cTn id="6" dur="1" fill="hold">
+                                          <p:stCondLst>
+                                            <p:cond delay="0"/>
+                                          </p:stCondLst>
+                                        </p:cTn>
+                                        <p:tgtEl>
+                                          <p:spTgt spid="2"/>
+                                        </p:tgtEl>
+                                        <p:attrNameLst>
+                                          <p:attrName>style.visibility</p:attrName>
+                                        </p:attrNameLst>
+                                      </p:cBhvr>
+                                      <p:to>
+                                        <p:strVal val="visible"/>
+                                      </p:to>
+                                    </p:set>
+                                    <p:animEffect transition="in" filter="fade">
+                                      <p:cBhvr>
+                                        <p:cTn id="7" dur="500"/>
+                                        <p:tgtEl>
+                                          <p:spTgt spid="2"/>
+                                        </p:tgtEl>
+                                      </p:cBhvr>
+                                    </p:animEffect>
+                                  </p:childTnLst>
+                                </p:cTn>
+                              </p:par>
+                            </p:childTnLst>
+                          </p:cTn>
+                        </p:par>
+                      </p:childTnLst>
+                    </p:cTn>
+                  </p:par>
+                  <p:par>
+                    <p:cTn id="8" fill="hold">
+                      <p:stCondLst>
+                        <p:cond delay="indefinite"/>
+                      </p:stCondLst>
+                      <p:childTnLst>
+                        <p:par>
+                          <p:cTn id="9" fill="hold">
+                            <p:stCondLst>
+                              <p:cond delay="0"/>
+                            </p:stCondLst>
+                            <p:childTnLst>
+                              <p:par>
+                                <p:cTn id="10" presetID="10" presetClass="entr" presetSubtype="0" fill="hold" grpId="0" nodeType="clickEffect">
+                                  <p:stCondLst>
+                                    <p:cond delay="0"/>
+                                  </p:stCondLst>
+                                  <p:childTnLst>
+                                    <p:set>
+                                      <p:cBhvr>
+                                        <p:cTn id="11" dur="1" fill="hold">
+                                          <p:stCondLst>
+                                            <p:cond delay="0"/>
+                                          </p:stCondLst>
+                                        </p:cTn>
+                                        <p:tgtEl>
+                                          <p:spTgt spid="4">
+                                            <p:txEl>
+                                              <p:pRg st="1" end="1"/>
+                                            </p:txEl>
+                                          </p:spTgt>
+                                        </p:tgtEl>
+                                        <p:attrNameLst>
+                                          <p:attrName>style.visibility</p:attrName>
+                                        </p:attrNameLst>
+                                      </p:cBhvr>
+                                      <p:to>
+                                        <p:strVal val="visible"/>
+                                      </p:to>
+                                    </p:set>
+                                    <p:animEffect transition="in" filter="fade">
+                                      <p:cBhvr>
+                                        <p:cTn id="12" dur="500"/>
+                                        <p:tgtEl>
+                                          <p:spTgt spid="4">
+                                            <p:txEl>
+                                              <p:pRg st="1" end="1"/>
+                                            </p:txEl>
+                                          </p:spTgt>
+                                        </p:tgtEl>
+                                      </p:cBhvr>
+                                    </p:animEffect>
+                                  </p:childTnLst>
+                                </p:cTn>
+                              </p:par>
+                            </p:childTnLst>
+                          </p:cTn>
+                        </p:par>
+                      </p:childTnLst>
+                    </p:cTn>
+                  </p:par>
+                  <p:par>
+                    <p:cTn id="13" fill="hold">
+                      <p:stCondLst>
+                        <p:cond delay="indefinite"/>
+                      </p:stCondLst>
+                      <p:childTnLst>
+                        <p:par>
+                          <p:cTn id="14" fill="hold">
+                            <p:stCondLst>
+                              <p:cond delay="0"/>
+                            </p:stCondLst>
+                            <p:childTnLst>
+                              <p:par>
+                                <p:cTn id="15" presetID="21" presetClass="entr" presetSubtype="1" fill="hold" grpId="0" nodeType="clickEffect">
+                                  <p:stCondLst>
+                                    <p:cond delay="0"/>
+                                  </p:stCondLst>
+                                  <p:childTnLst>
+                                    <p:set>
+                                      <p:cBhvr>
+                                        <p:cTn id="16" dur="1" fill="hold">
+                                          <p:stCondLst>
+                                            <p:cond delay="0"/>
+                                          </p:stCondLst>
+                                        </p:cTn>
+                                        <p:tgtEl>
+                                          <p:spTgt spid="12"/>
+                                        </p:tgtEl>
+                                        <p:attrNameLst>
+                                          <p:attrName>style.visibility</p:attrName>
+                                        </p:attrNameLst>
+                                      </p:cBhvr>
+                                      <p:to>
+                                        <p:strVal val="visible"/>
+                                      </p:to>
+                                    </p:set>
+                                    <p:animEffect transition="in" filter="wheel(1)">
+                                      <p:cBhvr>
+                                        <p:cTn id="17" dur="2000"/>
+                                        <p:tgtEl>
+                                          <p:spTgt spid="12"/>
+                                        </p:tgtEl>
+                                      </p:cBhvr>
+                                    </p:animEffect>
+                                  </p:childTnLst>
+                                </p:cTn>
+                              </p:par>
+                            </p:childTnLst>
+                          </p:cTn>
+                        </p:par>
+                      </p:childTnLst>
+                    </p:cTn>
+                  </p:par>
+                  <p:par>
+                    <p:cTn id="18" fill="hold">
+                      <p:stCondLst>
+                        <p:cond delay="indefinite"/>
+                      </p:stCondLst>
+                      <p:childTnLst>
+                        <p:par>
+                          <p:cTn id="19" fill="hold">
+                            <p:stCondLst>
+                              <p:cond delay="0"/>
+                            </p:stCondLst>
+                            <p:childTnLst>
+                              <p:par>
+                                <p:cTn id="20" presetID="10" presetClass="entr" presetSubtype="0" fill="hold" nodeType="clickEffect">
+                                  <p:stCondLst>
+                                    <p:cond delay="0"/>
+                                  </p:stCondLst>
+                                  <p:childTnLst>
+                                    <p:set>
+                                      <p:cBhvr>
+                                        <p:cTn id="21" dur="1" fill="hold">
+                                          <p:stCondLst>
+                                            <p:cond delay="0"/>
+                                          </p:stCondLst>
+                                        </p:cTn>
+                                        <p:tgtEl>
+                                          <p:spTgt spid="14">
+                                            <p:txEl>
+                                              <p:pRg st="0" end="0"/>
+                                            </p:txEl>
+                                          </p:spTgt>
+                                        </p:tgtEl>
+                                        <p:attrNameLst>
+                                          <p:attrName>style.visibility</p:attrName>
+                                        </p:attrNameLst>
+                                      </p:cBhvr>
+                                      <p:to>
+                                        <p:strVal val="visible"/>
+                                      </p:to>
+                                    </p:set>
+                                    <p:animEffect transition="in" filter="fade">
+                                      <p:cBhvr>
+                                        <p:cTn id="22" dur="500"/>
+                                        <p:tgtEl>
+                                          <p:spTgt spid="14">
+                                            <p:txEl>
+                                              <p:pRg st="0" end="0"/>
+                                            </p:txEl>
+                                          </p:spTgt>
+                                        </p:tgtEl>
+                                      </p:cBhvr>
+                                    </p:animEffect>
+                                  </p:childTnLst>
+                                </p:cTn>
+                              </p:par>
+                            </p:childTnLst>
+                          </p:cTn>
+                        </p:par>
+                      </p:childTnLst>
+                    </p:cTn>
+                  </p:par>
+                  <p:par>
+                    <p:cTn id="23" fill="hold">
+                      <p:stCondLst>
+                        <p:cond delay="indefinite"/>
+                      </p:stCondLst>
+                      <p:childTnLst>
+                        <p:par>
+                          <p:cTn id="24" fill="hold">
+                            <p:stCondLst>
+                              <p:cond delay="0"/>
+                            </p:stCondLst>
+                            <p:childTnLst>
+                              <p:par>
+                                <p:cTn id="25" presetID="10" presetClass="entr" presetSubtype="0" fill="hold" grpId="0" nodeType="clickEffect">
+                                  <p:stCondLst>
+                                    <p:cond delay="0"/>
+                                  </p:stCondLst>
+                                  <p:childTnLst>
+                                    <p:set>
+                                      <p:cBhvr>
+                                        <p:cTn id="26" dur="1" fill="hold">
+                                          <p:stCondLst>
+                                            <p:cond delay="0"/>
+                                          </p:stCondLst>
+                                        </p:cTn>
+                                        <p:tgtEl>
+                                          <p:spTgt spid="15">
+                                            <p:txEl>
+                                              <p:pRg st="1" end="1"/>
+                                            </p:txEl>
+                                          </p:spTgt>
+                                        </p:tgtEl>
+                                        <p:attrNameLst>
+                                          <p:attrName>style.visibility</p:attrName>
+                                        </p:attrNameLst>
+                                      </p:cBhvr>
+                                      <p:to>
+                                        <p:strVal val="visible"/>
+                                      </p:to>
+                                    </p:set>
+                                    <p:animEffect transition="in" filter="fade">
+                                      <p:cBhvr>
+                                        <p:cTn id="27" dur="500"/>
+                                        <p:tgtEl>
+                                          <p:spTgt spid="15">
+                                            <p:txEl>
+                                              <p:pRg st="1" end="1"/>
+                                            </p:txEl>
+                                          </p:spTgt>
+                                        </p:tgtEl>
+                                      </p:cBhvr>
+                                    </p:animEffect>
+                                  </p:childTnLst>
+                                </p:cTn>
+                              </p:par>
+                            </p:childTnLst>
+                          </p:cTn>
+                        </p:par>
+                      </p:childTnLst>
+                    </p:cTn>
+                  </p:par>
+                  <p:par>
+                    <p:cTn id="28" fill="hold">
+                      <p:stCondLst>
+                        <p:cond delay="indefinite"/>
+                      </p:stCondLst>
+                      <p:childTnLst>
+                        <p:par>
+                          <p:cTn id="29" fill="hold">
+                            <p:stCondLst>
+                              <p:cond delay="0"/>
+                            </p:stCondLst>
+                            <p:childTnLst>
+                              <p:par>
+                                <p:cTn id="30" presetID="10" presetClass="entr" presetSubtype="0" fill="hold" grpId="0" nodeType="clickEffect">
+                                  <p:stCondLst>
+                                    <p:cond delay="0"/>
+                                  </p:stCondLst>
+                                  <p:childTnLst>
+                                    <p:set>
+                                      <p:cBhvr>
+                                        <p:cTn id="31" dur="1" fill="hold">
+                                          <p:stCondLst>
+                                            <p:cond delay="0"/>
+                                          </p:stCondLst>
+                                        </p:cTn>
+                                        <p:tgtEl>
+                                          <p:spTgt spid="15">
+                                            <p:txEl>
+                                              <p:pRg st="2" end="2"/>
+                                            </p:txEl>
+                                          </p:spTgt>
+                                        </p:tgtEl>
+                                        <p:attrNameLst>
+                                          <p:attrName>style.visibility</p:attrName>
+                                        </p:attrNameLst>
+                                      </p:cBhvr>
+                                      <p:to>
+                                        <p:strVal val="visible"/>
+                                      </p:to>
+                                    </p:set>
+                                    <p:animEffect transition="in" filter="fade">
+                                      <p:cBhvr>
+                                        <p:cTn id="32" dur="500"/>
+                                        <p:tgtEl>
+                                          <p:spTgt spid="15">
+                                            <p:txEl>
+                                              <p:pRg st="2" end="2"/>
+                                            </p:txEl>
+                                          </p:spTgt>
+                                        </p:tgtEl>
+                                      </p:cBhvr>
+                                    </p:animEffect>
+                                  </p:childTnLst>
+                                </p:cTn>
+                              </p:par>
+                            </p:childTnLst>
+                          </p:cTn>
+                        </p:par>
+                      </p:childTnLst>
+                    </p:cTn>
+                  </p:par>
+                </p:childTnLst>
+              </p:cTn>
+              <p:prevCondLst>
+                <p:cond evt="onPrev" delay="0">
+                  <p:tgtEl>
+                    <p:sldTgt/>
+                  </p:tgtEl>
+                </p:cond>
+              </p:prevCondLst>
+              <p:nextCondLst>
+                <p:cond evt="onNext" delay="0">
+                  <p:tgtEl>
+                    <p:sldTgt/>
+                  </p:tgtEl>
+                </p:cond>
+              </p:nextCondLst>
+            </p:seq>
+          </p:childTnLst>
+        </p:cTn>
+      </p:par>
+    </p:tnLst>
+    <p:bldLst>
+      <p:bldP spid="2" grpId="0"/>
+      <p:bldP spid="4" grpId="0" build="p"/>
+      <p:bldP spid="12" grpId="0" animBg="1"/>
+      <p:bldP spid="15" grpId="0" build="p"/>
+    </p:bldLst>
+  </p:timing>
+</p:sld>
+</file>
+
+<file path=ppt/slides/slide4.xml><?xml version="1.0" encoding="utf-8"?>
+<p:sld xmlns:a="http://schemas.openxmlformats.org/drawingml/2006/main" xmlns:r="http://schemas.openxmlformats.org/officeDocument/2006/relationships" xmlns:p="http://schemas.openxmlformats.org/presentationml/2006/main">
+  <p:cSld>
+    <p:spTree>
+      <p:nvGrpSpPr>
+        <p:cNvPr id="1" name=""/>
+        <p:cNvGrpSpPr/>
+        <p:nvPr/>
+      </p:nvGrpSpPr>
+      <p:grpSpPr>
+        <a:xfrm>
+          <a:off x="0" y="0"/>
+          <a:ext cx="0" cy="0"/>
+          <a:chOff x="0" y="0"/>
+          <a:chExt cx="0" cy="0"/>
+        </a:xfrm>
+      </p:grpSpPr>
+      <p:sp>
+        <p:nvSpPr>
+          <p:cNvPr id="2" name="Title 1"/>
+          <p:cNvSpPr>
+            <a:spLocks noGrp="1"/>
+          </p:cNvSpPr>
+          <p:nvPr>
+            <p:ph type="title"/>
+          </p:nvPr>
+        </p:nvSpPr>
+        <p:spPr>
+          <a:xfrm>
+            <a:off x="2193047" y="581025"/>
+            <a:ext cx="8911687" cy="1280890"/>
+          </a:xfrm>
+        </p:spPr>
+        <p:txBody>
+          <a:bodyPr>
+            <a:normAutofit/>
+          </a:bodyPr>
+          <a:lstStyle/>
+          <a:p>
+            <a:pPr algn="ctr"/>
+            <a:r>
+              <a:rPr lang="en-US" sz="4000" dirty="0" smtClean="0"/>
+              <a:t> Which one is prime Number?</a:t>
+            </a:r>
+            <a:endParaRPr lang="en-US" sz="4000" dirty="0"/>
+          </a:p>
+        </p:txBody>
+      </p:sp>
+      <p:sp>
+        <p:nvSpPr>
+          <p:cNvPr id="4" name="Content Placeholder 3"/>
+          <p:cNvSpPr>
+            <a:spLocks noGrp="1"/>
+          </p:cNvSpPr>
+          <p:nvPr>
+            <p:ph sz="half" idx="2"/>
+          </p:nvPr>
+        </p:nvSpPr>
+        <p:spPr>
+          <a:xfrm>
+            <a:off x="2505328" y="2057400"/>
+            <a:ext cx="4342893" cy="3889934"/>
+          </a:xfrm>
+        </p:spPr>
+        <p:txBody>
+          <a:bodyPr>
+            <a:normAutofit/>
+          </a:bodyPr>
+          <a:lstStyle/>
+          <a:p>
+            <a:pPr marL="0" indent="0">
+              <a:buNone/>
+            </a:pPr>
+            <a:r>
+              <a:rPr lang="en-US" sz="4800" b="1" dirty="0" smtClean="0"/>
+              <a:t>				</a:t>
+            </a:r>
+          </a:p>
+          <a:p>
+            <a:pPr marL="0" indent="0">
+              <a:buNone/>
+            </a:pPr>
+            <a:r>
+              <a:rPr lang="en-US" sz="4800" b="1" dirty="0"/>
+              <a:t>	</a:t>
+            </a:r>
+            <a:r>
+              <a:rPr lang="en-US" sz="4800" b="1" dirty="0" smtClean="0"/>
+              <a:t>			</a:t>
+            </a:r>
+            <a:r>
+              <a:rPr lang="en-US" sz="3200" b="1" dirty="0" smtClean="0"/>
+              <a:t>3</a:t>
+            </a:r>
+          </a:p>
+          <a:p>
+            <a:pPr marL="0" indent="0">
+              <a:buNone/>
+            </a:pPr>
+            <a:r>
+              <a:rPr lang="en-US" sz="3200" b="1" dirty="0"/>
+              <a:t>	</a:t>
+            </a:r>
+            <a:endParaRPr lang="en-US" sz="3200" b="1" dirty="0" smtClean="0"/>
+          </a:p>
+          <a:p>
+            <a:pPr marL="0" indent="0">
+              <a:buNone/>
+            </a:pPr>
+            <a:r>
+              <a:rPr lang="en-US" sz="3200" b="1" dirty="0"/>
+              <a:t>		</a:t>
+            </a:r>
+            <a:r>
+              <a:rPr lang="en-US" sz="3200" b="1" dirty="0" smtClean="0"/>
+              <a:t>1				3</a:t>
+            </a:r>
+          </a:p>
+        </p:txBody>
+      </p:sp>
+      <p:cxnSp>
+        <p:nvCxnSpPr>
+          <p:cNvPr id="10" name="Straight Arrow Connector 9"/>
+          <p:cNvCxnSpPr/>
+          <p:nvPr/>
+        </p:nvCxnSpPr>
+        <p:spPr>
+          <a:xfrm>
+            <a:off x="4572000" y="3490911"/>
+            <a:ext cx="771525" cy="1019175"/>
+          </a:xfrm>
+          <a:prstGeom prst="straightConnector1">
+            <a:avLst/>
+          </a:prstGeom>
+          <a:ln>
+            <a:tailEnd type="arrow"/>
+          </a:ln>
+        </p:spPr>
+        <p:style>
+          <a:lnRef idx="1">
+            <a:schemeClr val="accent1"/>
+          </a:lnRef>
+          <a:fillRef idx="0">
+            <a:schemeClr val="accent1"/>
+          </a:fillRef>
+          <a:effectRef idx="0">
+            <a:schemeClr val="accent1"/>
+          </a:effectRef>
+          <a:fontRef idx="minor">
+            <a:schemeClr val="tx1"/>
+          </a:fontRef>
+        </p:style>
+      </p:cxnSp>
+      <p:cxnSp>
+        <p:nvCxnSpPr>
+          <p:cNvPr id="12" name="Straight Arrow Connector 11"/>
+          <p:cNvCxnSpPr/>
+          <p:nvPr/>
+        </p:nvCxnSpPr>
+        <p:spPr>
+          <a:xfrm flipH="1">
+            <a:off x="3643312" y="3490912"/>
+            <a:ext cx="828675" cy="1019175"/>
+          </a:xfrm>
+          <a:prstGeom prst="straightConnector1">
+            <a:avLst/>
+          </a:prstGeom>
+          <a:ln>
+            <a:tailEnd type="arrow"/>
+          </a:ln>
+        </p:spPr>
+        <p:style>
+          <a:lnRef idx="1">
+            <a:schemeClr val="accent1"/>
+          </a:lnRef>
+          <a:fillRef idx="0">
+            <a:schemeClr val="accent1"/>
+          </a:fillRef>
+          <a:effectRef idx="0">
+            <a:schemeClr val="accent1"/>
+          </a:effectRef>
+          <a:fontRef idx="minor">
+            <a:schemeClr val="tx1"/>
+          </a:fontRef>
+        </p:style>
+      </p:cxnSp>
+      <p:sp>
+        <p:nvSpPr>
+          <p:cNvPr id="13" name="Content Placeholder 3"/>
+          <p:cNvSpPr>
+            <a:spLocks noGrp="1"/>
+          </p:cNvSpPr>
+          <p:nvPr>
+            <p:ph sz="half" idx="2"/>
+          </p:nvPr>
+        </p:nvSpPr>
+        <p:spPr>
+          <a:xfrm>
+            <a:off x="7258303" y="2117445"/>
+            <a:ext cx="4342893" cy="3889934"/>
+          </a:xfrm>
+        </p:spPr>
+        <p:txBody>
+          <a:bodyPr>
+            <a:normAutofit/>
+          </a:bodyPr>
+          <a:lstStyle/>
+          <a:p>
+            <a:pPr marL="0" indent="0">
+              <a:buNone/>
+            </a:pPr>
+            <a:r>
+              <a:rPr lang="en-US" sz="4800" b="1" dirty="0" smtClean="0"/>
+              <a:t>				</a:t>
+            </a:r>
+          </a:p>
+          <a:p>
+            <a:pPr marL="0" indent="0">
+              <a:buNone/>
+            </a:pPr>
+            <a:r>
+              <a:rPr lang="en-US" sz="4800" b="1" dirty="0"/>
+              <a:t>	</a:t>
+            </a:r>
+            <a:r>
+              <a:rPr lang="en-US" sz="4800" b="1" dirty="0" smtClean="0"/>
+              <a:t>			</a:t>
+            </a:r>
+            <a:r>
+              <a:rPr lang="en-US" sz="3200" b="1" dirty="0"/>
+              <a:t>8</a:t>
+            </a:r>
+            <a:endParaRPr lang="en-US" sz="3200" b="1" dirty="0" smtClean="0"/>
+          </a:p>
+          <a:p>
+            <a:pPr marL="0" indent="0">
+              <a:buNone/>
+            </a:pPr>
+            <a:r>
+              <a:rPr lang="en-US" sz="3200" b="1" dirty="0"/>
+              <a:t>	</a:t>
+            </a:r>
+            <a:endParaRPr lang="en-US" sz="3200" b="1" dirty="0" smtClean="0"/>
+          </a:p>
+          <a:p>
+            <a:pPr marL="0" indent="0">
+              <a:buNone/>
+            </a:pPr>
+            <a:r>
+              <a:rPr lang="en-US" sz="3200" b="1" dirty="0"/>
+              <a:t>	</a:t>
+            </a:r>
+            <a:r>
+              <a:rPr lang="en-US" sz="3200" b="1" dirty="0" smtClean="0"/>
+              <a:t>    4	  1   2   3</a:t>
+            </a:r>
+          </a:p>
+        </p:txBody>
+      </p:sp>
+      <p:cxnSp>
+        <p:nvCxnSpPr>
+          <p:cNvPr id="15" name="Straight Arrow Connector 14"/>
+          <p:cNvCxnSpPr/>
+          <p:nvPr/>
+        </p:nvCxnSpPr>
+        <p:spPr>
+          <a:xfrm>
+            <a:off x="9315450" y="3624262"/>
+            <a:ext cx="800100" cy="1019175"/>
+          </a:xfrm>
+          <a:prstGeom prst="straightConnector1">
+            <a:avLst/>
+          </a:prstGeom>
+          <a:ln>
+            <a:tailEnd type="arrow"/>
+          </a:ln>
+        </p:spPr>
+        <p:style>
+          <a:lnRef idx="1">
+            <a:schemeClr val="accent1"/>
+          </a:lnRef>
+          <a:fillRef idx="0">
+            <a:schemeClr val="accent1"/>
+          </a:fillRef>
+          <a:effectRef idx="0">
+            <a:schemeClr val="accent1"/>
+          </a:effectRef>
+          <a:fontRef idx="minor">
+            <a:schemeClr val="tx1"/>
+          </a:fontRef>
+        </p:style>
+      </p:cxnSp>
+      <p:cxnSp>
+        <p:nvCxnSpPr>
+          <p:cNvPr id="17" name="Straight Arrow Connector 16"/>
+          <p:cNvCxnSpPr/>
+          <p:nvPr/>
+        </p:nvCxnSpPr>
+        <p:spPr>
+          <a:xfrm>
+            <a:off x="9296400" y="3609974"/>
+            <a:ext cx="266700" cy="1019175"/>
+          </a:xfrm>
+          <a:prstGeom prst="straightConnector1">
+            <a:avLst/>
+          </a:prstGeom>
+          <a:ln>
+            <a:tailEnd type="arrow"/>
+          </a:ln>
+        </p:spPr>
+        <p:style>
+          <a:lnRef idx="1">
+            <a:schemeClr val="accent1"/>
+          </a:lnRef>
+          <a:fillRef idx="0">
+            <a:schemeClr val="accent1"/>
+          </a:fillRef>
+          <a:effectRef idx="0">
+            <a:schemeClr val="accent1"/>
+          </a:effectRef>
+          <a:fontRef idx="minor">
+            <a:schemeClr val="tx1"/>
+          </a:fontRef>
+        </p:style>
+      </p:cxnSp>
+      <p:cxnSp>
+        <p:nvCxnSpPr>
+          <p:cNvPr id="19" name="Straight Arrow Connector 18"/>
+          <p:cNvCxnSpPr/>
+          <p:nvPr/>
+        </p:nvCxnSpPr>
+        <p:spPr>
+          <a:xfrm flipH="1">
+            <a:off x="9048750" y="3624262"/>
+            <a:ext cx="190500" cy="1019175"/>
+          </a:xfrm>
+          <a:prstGeom prst="straightConnector1">
+            <a:avLst/>
+          </a:prstGeom>
+          <a:ln>
+            <a:tailEnd type="arrow"/>
+          </a:ln>
+        </p:spPr>
+        <p:style>
+          <a:lnRef idx="1">
+            <a:schemeClr val="accent1"/>
+          </a:lnRef>
+          <a:fillRef idx="0">
+            <a:schemeClr val="accent1"/>
+          </a:fillRef>
+          <a:effectRef idx="0">
+            <a:schemeClr val="accent1"/>
+          </a:effectRef>
+          <a:fontRef idx="minor">
+            <a:schemeClr val="tx1"/>
+          </a:fontRef>
+        </p:style>
+      </p:cxnSp>
+      <p:cxnSp>
+        <p:nvCxnSpPr>
+          <p:cNvPr id="21" name="Straight Arrow Connector 20"/>
+          <p:cNvCxnSpPr/>
+          <p:nvPr/>
+        </p:nvCxnSpPr>
+        <p:spPr>
+          <a:xfrm flipH="1">
+            <a:off x="8458200" y="3609975"/>
+            <a:ext cx="781050" cy="1019175"/>
+          </a:xfrm>
+          <a:prstGeom prst="straightConnector1">
+            <a:avLst/>
+          </a:prstGeom>
+          <a:ln>
+            <a:tailEnd type="arrow"/>
+          </a:ln>
+        </p:spPr>
+        <p:style>
+          <a:lnRef idx="1">
+            <a:schemeClr val="accent1"/>
+          </a:lnRef>
+          <a:fillRef idx="0">
+            <a:schemeClr val="accent1"/>
+          </a:fillRef>
+          <a:effectRef idx="0">
+            <a:schemeClr val="accent1"/>
+          </a:effectRef>
+          <a:fontRef idx="minor">
+            <a:schemeClr val="tx1"/>
+          </a:fontRef>
+        </p:style>
+      </p:cxnSp>
+      <p:sp>
+        <p:nvSpPr>
+          <p:cNvPr id="22" name="Rectangle 21"/>
+          <p:cNvSpPr/>
+          <p:nvPr/>
+        </p:nvSpPr>
+        <p:spPr>
+          <a:xfrm>
+            <a:off x="6648891" y="1933575"/>
+            <a:ext cx="45719" cy="3924300"/>
+          </a:xfrm>
+          <a:prstGeom prst="rect">
+            <a:avLst/>
+          </a:prstGeom>
+        </p:spPr>
+        <p:style>
+          <a:lnRef idx="2">
+            <a:schemeClr val="accent1">
+              <a:shade val="50000"/>
+            </a:schemeClr>
+          </a:lnRef>
+          <a:fillRef idx="1">
+            <a:schemeClr val="accent1"/>
+          </a:fillRef>
+          <a:effectRef idx="0">
+            <a:schemeClr val="accent1"/>
+          </a:effectRef>
+          <a:fontRef idx="minor">
+            <a:schemeClr val="lt1"/>
+          </a:fontRef>
+        </p:style>
+        <p:txBody>
+          <a:bodyPr rtlCol="0" anchor="ctr"/>
+          <a:lstStyle/>
+          <a:p>
+            <a:pPr algn="ctr"/>
+            <a:endParaRPr lang="en-US"/>
+          </a:p>
+        </p:txBody>
+      </p:sp>
+    </p:spTree>
+    <p:extLst>
+      <p:ext uri="{BB962C8B-B14F-4D97-AF65-F5344CB8AC3E}">
+        <p14:creationId xmlns:p14="http://schemas.microsoft.com/office/powerpoint/2010/main" val="2621077962"/>
+      </p:ext>
+    </p:extLst>
+  </p:cSld>
+  <p:clrMapOvr>
+    <a:masterClrMapping/>
+  </p:clrMapOvr>
+  <p:timing>
+    <p:tnLst>
+      <p:par>
+        <p:cTn id="1" dur="indefinite" restart="never" nodeType="tmRoot">
+          <p:childTnLst>
+            <p:seq concurrent="1" nextAc="seek">
+              <p:cTn id="2" dur="indefinite" nodeType="mainSeq">
+                <p:childTnLst>
+                  <p:par>
+                    <p:cTn id="3" fill="hold">
+                      <p:stCondLst>
+                        <p:cond delay="indefinite"/>
+                      </p:stCondLst>
+                      <p:childTnLst>
+                        <p:par>
+                          <p:cTn id="4" fill="hold">
+                            <p:stCondLst>
+                              <p:cond delay="0"/>
+                            </p:stCondLst>
+                            <p:childTnLst>
+                              <p:par>
+                                <p:cTn id="5" presetID="10" presetClass="entr" presetSubtype="0" fill="hold" grpId="0" nodeType="clickEffect">
+                                  <p:stCondLst>
+                                    <p:cond delay="0"/>
+                                  </p:stCondLst>
+                                  <p:childTnLst>
+                                    <p:set>
+                                      <p:cBhvr>
+                                        <p:cTn id="6" dur="1" fill="hold">
+                                          <p:stCondLst>
+                                            <p:cond delay="0"/>
+                                          </p:stCondLst>
+                                        </p:cTn>
+                                        <p:tgtEl>
+                                          <p:spTgt spid="2"/>
+                                        </p:tgtEl>
+                                        <p:attrNameLst>
+                                          <p:attrName>style.visibility</p:attrName>
+                                        </p:attrNameLst>
+                                      </p:cBhvr>
+                                      <p:to>
+                                        <p:strVal val="visible"/>
+                                      </p:to>
+                                    </p:set>
+                                    <p:animEffect transition="in" filter="fade">
+                                      <p:cBhvr>
+                                        <p:cTn id="7" dur="500"/>
+                                        <p:tgtEl>
+                                          <p:spTgt spid="2"/>
+                                        </p:tgtEl>
+                                      </p:cBhvr>
+                                    </p:animEffect>
+                                  </p:childTnLst>
+                                </p:cTn>
+                              </p:par>
+                            </p:childTnLst>
+                          </p:cTn>
+                        </p:par>
+                      </p:childTnLst>
+                    </p:cTn>
+                  </p:par>
+                  <p:par>
+                    <p:cTn id="8" fill="hold">
+                      <p:stCondLst>
+                        <p:cond delay="indefinite"/>
+                      </p:stCondLst>
+                      <p:childTnLst>
+                        <p:par>
+                          <p:cTn id="9" fill="hold">
+                            <p:stCondLst>
+                              <p:cond delay="0"/>
+                            </p:stCondLst>
+                            <p:childTnLst>
+                              <p:par>
+                                <p:cTn id="10" presetID="10" presetClass="entr" presetSubtype="0" fill="hold" nodeType="clickEffect">
+                                  <p:stCondLst>
+                                    <p:cond delay="0"/>
+                                  </p:stCondLst>
+                                  <p:childTnLst>
+                                    <p:set>
+                                      <p:cBhvr>
+                                        <p:cTn id="11" dur="1" fill="hold">
+                                          <p:stCondLst>
+                                            <p:cond delay="0"/>
+                                          </p:stCondLst>
+                                        </p:cTn>
+                                        <p:tgtEl>
+                                          <p:spTgt spid="10"/>
+                                        </p:tgtEl>
+                                        <p:attrNameLst>
+                                          <p:attrName>style.visibility</p:attrName>
+                                        </p:attrNameLst>
+                                      </p:cBhvr>
+                                      <p:to>
+                                        <p:strVal val="visible"/>
+                                      </p:to>
+                                    </p:set>
+                                    <p:animEffect transition="in" filter="fade">
+                                      <p:cBhvr>
+                                        <p:cTn id="12" dur="500"/>
+                                        <p:tgtEl>
+                                          <p:spTgt spid="10"/>
+                                        </p:tgtEl>
+                                      </p:cBhvr>
+                                    </p:animEffect>
+                                  </p:childTnLst>
+                                </p:cTn>
+                              </p:par>
+                              <p:par>
+                                <p:cTn id="13" presetID="10" presetClass="entr" presetSubtype="0" fill="hold" nodeType="withEffect">
+                                  <p:stCondLst>
+                                    <p:cond delay="0"/>
+                                  </p:stCondLst>
+                                  <p:childTnLst>
+                                    <p:set>
+                                      <p:cBhvr>
+                                        <p:cTn id="14" dur="1" fill="hold">
+                                          <p:stCondLst>
+                                            <p:cond delay="0"/>
+                                          </p:stCondLst>
+                                        </p:cTn>
+                                        <p:tgtEl>
+                                          <p:spTgt spid="12"/>
+                                        </p:tgtEl>
+                                        <p:attrNameLst>
+                                          <p:attrName>style.visibility</p:attrName>
+                                        </p:attrNameLst>
+                                      </p:cBhvr>
+                                      <p:to>
+                                        <p:strVal val="visible"/>
+                                      </p:to>
+                                    </p:set>
+                                    <p:animEffect transition="in" filter="fade">
+                                      <p:cBhvr>
+                                        <p:cTn id="15" dur="500"/>
+                                        <p:tgtEl>
+                                          <p:spTgt spid="12"/>
+                                        </p:tgtEl>
+                                      </p:cBhvr>
+                                    </p:animEffect>
+                                  </p:childTnLst>
+                                </p:cTn>
+                              </p:par>
+                            </p:childTnLst>
+                          </p:cTn>
+                        </p:par>
+                      </p:childTnLst>
+                    </p:cTn>
+                  </p:par>
+                  <p:par>
+                    <p:cTn id="16" fill="hold">
+                      <p:stCondLst>
+                        <p:cond delay="indefinite"/>
+                      </p:stCondLst>
+                      <p:childTnLst>
+                        <p:par>
+                          <p:cTn id="17" fill="hold">
+                            <p:stCondLst>
+                              <p:cond delay="0"/>
+                            </p:stCondLst>
+                            <p:childTnLst>
+                              <p:par>
+                                <p:cTn id="18" presetID="10" presetClass="entr" presetSubtype="0" fill="hold" nodeType="clickEffect">
+                                  <p:stCondLst>
+                                    <p:cond delay="0"/>
+                                  </p:stCondLst>
+                                  <p:childTnLst>
+                                    <p:set>
+                                      <p:cBhvr>
+                                        <p:cTn id="19" dur="1" fill="hold">
+                                          <p:stCondLst>
+                                            <p:cond delay="0"/>
+                                          </p:stCondLst>
+                                        </p:cTn>
+                                        <p:tgtEl>
+                                          <p:spTgt spid="4">
+                                            <p:txEl>
+                                              <p:pRg st="0" end="0"/>
+                                            </p:txEl>
+                                          </p:spTgt>
+                                        </p:tgtEl>
+                                        <p:attrNameLst>
+                                          <p:attrName>style.visibility</p:attrName>
+                                        </p:attrNameLst>
+                                      </p:cBhvr>
+                                      <p:to>
+                                        <p:strVal val="visible"/>
+                                      </p:to>
+                                    </p:set>
+                                    <p:animEffect transition="in" filter="fade">
+                                      <p:cBhvr>
+                                        <p:cTn id="20" dur="500"/>
+                                        <p:tgtEl>
+                                          <p:spTgt spid="4">
+                                            <p:txEl>
+                                              <p:pRg st="0" end="0"/>
+                                            </p:txEl>
+                                          </p:spTgt>
+                                        </p:tgtEl>
+                                      </p:cBhvr>
+                                    </p:animEffect>
+                                  </p:childTnLst>
+                                </p:cTn>
+                              </p:par>
+                              <p:par>
+                                <p:cTn id="21" presetID="10" presetClass="entr" presetSubtype="0" fill="hold" nodeType="withEffect">
+                                  <p:stCondLst>
+                                    <p:cond delay="0"/>
+                                  </p:stCondLst>
+                                  <p:childTnLst>
+                                    <p:set>
+                                      <p:cBhvr>
+                                        <p:cTn id="22" dur="1" fill="hold">
+                                          <p:stCondLst>
+                                            <p:cond delay="0"/>
+                                          </p:stCondLst>
+                                        </p:cTn>
+                                        <p:tgtEl>
+                                          <p:spTgt spid="4">
+                                            <p:txEl>
+                                              <p:pRg st="1" end="1"/>
+                                            </p:txEl>
+                                          </p:spTgt>
+                                        </p:tgtEl>
+                                        <p:attrNameLst>
+                                          <p:attrName>style.visibility</p:attrName>
+                                        </p:attrNameLst>
+                                      </p:cBhvr>
+                                      <p:to>
+                                        <p:strVal val="visible"/>
+                                      </p:to>
+                                    </p:set>
+                                    <p:animEffect transition="in" filter="fade">
+                                      <p:cBhvr>
+                                        <p:cTn id="23" dur="500"/>
+                                        <p:tgtEl>
+                                          <p:spTgt spid="4">
+                                            <p:txEl>
+                                              <p:pRg st="1" end="1"/>
+                                            </p:txEl>
+                                          </p:spTgt>
+                                        </p:tgtEl>
+                                      </p:cBhvr>
+                                    </p:animEffect>
+                                  </p:childTnLst>
+                                </p:cTn>
+                              </p:par>
+                              <p:par>
+                                <p:cTn id="24" presetID="10" presetClass="entr" presetSubtype="0" fill="hold" nodeType="withEffect">
+                                  <p:stCondLst>
+                                    <p:cond delay="0"/>
+                                  </p:stCondLst>
+                                  <p:childTnLst>
+                                    <p:set>
+                                      <p:cBhvr>
+                                        <p:cTn id="25" dur="1" fill="hold">
+                                          <p:stCondLst>
+                                            <p:cond delay="0"/>
+                                          </p:stCondLst>
+                                        </p:cTn>
+                                        <p:tgtEl>
+                                          <p:spTgt spid="4">
+                                            <p:txEl>
+                                              <p:pRg st="2" end="2"/>
+                                            </p:txEl>
+                                          </p:spTgt>
+                                        </p:tgtEl>
+                                        <p:attrNameLst>
+                                          <p:attrName>style.visibility</p:attrName>
+                                        </p:attrNameLst>
+                                      </p:cBhvr>
+                                      <p:to>
+                                        <p:strVal val="visible"/>
+                                      </p:to>
+                                    </p:set>
+                                    <p:animEffect transition="in" filter="fade">
+                                      <p:cBhvr>
+                                        <p:cTn id="26" dur="500"/>
+                                        <p:tgtEl>
+                                          <p:spTgt spid="4">
+                                            <p:txEl>
+                                              <p:pRg st="2" end="2"/>
+                                            </p:txEl>
+                                          </p:spTgt>
+                                        </p:tgtEl>
+                                      </p:cBhvr>
+                                    </p:animEffect>
+                                  </p:childTnLst>
+                                </p:cTn>
+                              </p:par>
+                              <p:par>
+                                <p:cTn id="27" presetID="10" presetClass="entr" presetSubtype="0" fill="hold" nodeType="withEffect">
+                                  <p:stCondLst>
+                                    <p:cond delay="0"/>
+                                  </p:stCondLst>
+                                  <p:childTnLst>
+                                    <p:set>
+                                      <p:cBhvr>
+                                        <p:cTn id="28" dur="1" fill="hold">
+                                          <p:stCondLst>
+                                            <p:cond delay="0"/>
+                                          </p:stCondLst>
+                                        </p:cTn>
+                                        <p:tgtEl>
+                                          <p:spTgt spid="4">
+                                            <p:txEl>
+                                              <p:pRg st="3" end="3"/>
+                                            </p:txEl>
+                                          </p:spTgt>
+                                        </p:tgtEl>
+                                        <p:attrNameLst>
+                                          <p:attrName>style.visibility</p:attrName>
+                                        </p:attrNameLst>
+                                      </p:cBhvr>
+                                      <p:to>
+                                        <p:strVal val="visible"/>
+                                      </p:to>
+                                    </p:set>
+                                    <p:animEffect transition="in" filter="fade">
+                                      <p:cBhvr>
+                                        <p:cTn id="29" dur="500"/>
+                                        <p:tgtEl>
+                                          <p:spTgt spid="4">
+                                            <p:txEl>
+                                              <p:pRg st="3" end="3"/>
+                                            </p:txEl>
+                                          </p:spTgt>
+                                        </p:tgtEl>
+                                      </p:cBhvr>
+                                    </p:animEffect>
+                                  </p:childTnLst>
+                                </p:cTn>
+                              </p:par>
+                            </p:childTnLst>
+                          </p:cTn>
+                        </p:par>
+                      </p:childTnLst>
+                    </p:cTn>
+                  </p:par>
+                  <p:par>
+                    <p:cTn id="30" fill="hold">
+                      <p:stCondLst>
+                        <p:cond delay="indefinite"/>
+                      </p:stCondLst>
+                      <p:childTnLst>
+                        <p:par>
+                          <p:cTn id="31" fill="hold">
+                            <p:stCondLst>
+                              <p:cond delay="0"/>
+                            </p:stCondLst>
+                            <p:childTnLst>
+                              <p:par>
+                                <p:cTn id="32" presetID="10" presetClass="entr" presetSubtype="0" fill="hold" nodeType="clickEffect">
+                                  <p:stCondLst>
+                                    <p:cond delay="0"/>
+                                  </p:stCondLst>
+                                  <p:childTnLst>
+                                    <p:set>
+                                      <p:cBhvr>
+                                        <p:cTn id="33" dur="1" fill="hold">
+                                          <p:stCondLst>
+                                            <p:cond delay="0"/>
+                                          </p:stCondLst>
+                                        </p:cTn>
+                                        <p:tgtEl>
+                                          <p:spTgt spid="15"/>
+                                        </p:tgtEl>
+                                        <p:attrNameLst>
+                                          <p:attrName>style.visibility</p:attrName>
+                                        </p:attrNameLst>
+                                      </p:cBhvr>
+                                      <p:to>
+                                        <p:strVal val="visible"/>
+                                      </p:to>
+                                    </p:set>
+                                    <p:animEffect transition="in" filter="fade">
+                                      <p:cBhvr>
+                                        <p:cTn id="34" dur="500"/>
+                                        <p:tgtEl>
+                                          <p:spTgt spid="15"/>
+                                        </p:tgtEl>
+                                      </p:cBhvr>
+                                    </p:animEffect>
+                                  </p:childTnLst>
+                                </p:cTn>
+                              </p:par>
+                              <p:par>
+                                <p:cTn id="35" presetID="10" presetClass="entr" presetSubtype="0" fill="hold" nodeType="withEffect">
+                                  <p:stCondLst>
+                                    <p:cond delay="0"/>
+                                  </p:stCondLst>
+                                  <p:childTnLst>
+                                    <p:set>
+                                      <p:cBhvr>
+                                        <p:cTn id="36" dur="1" fill="hold">
+                                          <p:stCondLst>
+                                            <p:cond delay="0"/>
+                                          </p:stCondLst>
+                                        </p:cTn>
+                                        <p:tgtEl>
+                                          <p:spTgt spid="17"/>
+                                        </p:tgtEl>
+                                        <p:attrNameLst>
+                                          <p:attrName>style.visibility</p:attrName>
+                                        </p:attrNameLst>
+                                      </p:cBhvr>
+                                      <p:to>
+                                        <p:strVal val="visible"/>
+                                      </p:to>
+                                    </p:set>
+                                    <p:animEffect transition="in" filter="fade">
+                                      <p:cBhvr>
+                                        <p:cTn id="37" dur="500"/>
+                                        <p:tgtEl>
+                                          <p:spTgt spid="17"/>
+                                        </p:tgtEl>
+                                      </p:cBhvr>
+                                    </p:animEffect>
+                                  </p:childTnLst>
+                                </p:cTn>
+                              </p:par>
+                              <p:par>
+                                <p:cTn id="38" presetID="10" presetClass="entr" presetSubtype="0" fill="hold" nodeType="withEffect">
+                                  <p:stCondLst>
+                                    <p:cond delay="0"/>
+                                  </p:stCondLst>
+                                  <p:childTnLst>
+                                    <p:set>
+                                      <p:cBhvr>
+                                        <p:cTn id="39" dur="1" fill="hold">
+                                          <p:stCondLst>
+                                            <p:cond delay="0"/>
+                                          </p:stCondLst>
+                                        </p:cTn>
+                                        <p:tgtEl>
+                                          <p:spTgt spid="19"/>
+                                        </p:tgtEl>
+                                        <p:attrNameLst>
+                                          <p:attrName>style.visibility</p:attrName>
+                                        </p:attrNameLst>
+                                      </p:cBhvr>
+                                      <p:to>
+                                        <p:strVal val="visible"/>
+                                      </p:to>
+                                    </p:set>
+                                    <p:animEffect transition="in" filter="fade">
+                                      <p:cBhvr>
+                                        <p:cTn id="40" dur="500"/>
+                                        <p:tgtEl>
+                                          <p:spTgt spid="19"/>
+                                        </p:tgtEl>
+                                      </p:cBhvr>
+                                    </p:animEffect>
+                                  </p:childTnLst>
+                                </p:cTn>
+                              </p:par>
+                              <p:par>
+                                <p:cTn id="41" presetID="10" presetClass="entr" presetSubtype="0" fill="hold" nodeType="withEffect">
+                                  <p:stCondLst>
+                                    <p:cond delay="0"/>
+                                  </p:stCondLst>
+                                  <p:childTnLst>
+                                    <p:set>
+                                      <p:cBhvr>
+                                        <p:cTn id="42" dur="1" fill="hold">
+                                          <p:stCondLst>
+                                            <p:cond delay="0"/>
+                                          </p:stCondLst>
+                                        </p:cTn>
+                                        <p:tgtEl>
+                                          <p:spTgt spid="21"/>
+                                        </p:tgtEl>
+                                        <p:attrNameLst>
+                                          <p:attrName>style.visibility</p:attrName>
+                                        </p:attrNameLst>
+                                      </p:cBhvr>
+                                      <p:to>
+                                        <p:strVal val="visible"/>
+                                      </p:to>
+                                    </p:set>
+                                    <p:animEffect transition="in" filter="fade">
+                                      <p:cBhvr>
+                                        <p:cTn id="43" dur="500"/>
+                                        <p:tgtEl>
+                                          <p:spTgt spid="21"/>
+                                        </p:tgtEl>
+                                      </p:cBhvr>
+                                    </p:animEffect>
+                                  </p:childTnLst>
+                                </p:cTn>
+                              </p:par>
+                            </p:childTnLst>
+                          </p:cTn>
+                        </p:par>
+                      </p:childTnLst>
+                    </p:cTn>
+                  </p:par>
+                  <p:par>
+                    <p:cTn id="44" fill="hold">
+                      <p:stCondLst>
+                        <p:cond delay="indefinite"/>
+                      </p:stCondLst>
+                      <p:childTnLst>
+                        <p:par>
+                          <p:cTn id="45" fill="hold">
+                            <p:stCondLst>
+                              <p:cond delay="0"/>
+                            </p:stCondLst>
+                            <p:childTnLst>
+                              <p:par>
+                                <p:cTn id="46" presetID="10" presetClass="entr" presetSubtype="0" fill="hold" nodeType="clickEffect">
+                                  <p:stCondLst>
+                                    <p:cond delay="0"/>
+                                  </p:stCondLst>
+                                  <p:childTnLst>
+                                    <p:set>
+                                      <p:cBhvr>
+                                        <p:cTn id="47" dur="1" fill="hold">
+                                          <p:stCondLst>
+                                            <p:cond delay="0"/>
+                                          </p:stCondLst>
+                                        </p:cTn>
+                                        <p:tgtEl>
+                                          <p:spTgt spid="13">
+                                            <p:txEl>
+                                              <p:pRg st="0" end="0"/>
+                                            </p:txEl>
+                                          </p:spTgt>
+                                        </p:tgtEl>
+                                        <p:attrNameLst>
+                                          <p:attrName>style.visibility</p:attrName>
+                                        </p:attrNameLst>
+                                      </p:cBhvr>
+                                      <p:to>
+                                        <p:strVal val="visible"/>
+                                      </p:to>
+                                    </p:set>
+                                    <p:animEffect transition="in" filter="fade">
+                                      <p:cBhvr>
+                                        <p:cTn id="48" dur="500"/>
+                                        <p:tgtEl>
+                                          <p:spTgt spid="13">
+                                            <p:txEl>
+                                              <p:pRg st="0" end="0"/>
+                                            </p:txEl>
+                                          </p:spTgt>
+                                        </p:tgtEl>
+                                      </p:cBhvr>
+                                    </p:animEffect>
+                                  </p:childTnLst>
+                                </p:cTn>
+                              </p:par>
+                              <p:par>
+                                <p:cTn id="49" presetID="10" presetClass="entr" presetSubtype="0" fill="hold" nodeType="withEffect">
+                                  <p:stCondLst>
+                                    <p:cond delay="0"/>
+                                  </p:stCondLst>
+                                  <p:childTnLst>
+                                    <p:set>
+                                      <p:cBhvr>
+                                        <p:cTn id="50" dur="1" fill="hold">
+                                          <p:stCondLst>
+                                            <p:cond delay="0"/>
+                                          </p:stCondLst>
+                                        </p:cTn>
+                                        <p:tgtEl>
+                                          <p:spTgt spid="13">
+                                            <p:txEl>
+                                              <p:pRg st="1" end="1"/>
+                                            </p:txEl>
+                                          </p:spTgt>
+                                        </p:tgtEl>
+                                        <p:attrNameLst>
+                                          <p:attrName>style.visibility</p:attrName>
+                                        </p:attrNameLst>
+                                      </p:cBhvr>
+                                      <p:to>
+                                        <p:strVal val="visible"/>
+                                      </p:to>
+                                    </p:set>
+                                    <p:animEffect transition="in" filter="fade">
+                                      <p:cBhvr>
+                                        <p:cTn id="51" dur="500"/>
+                                        <p:tgtEl>
+                                          <p:spTgt spid="13">
+                                            <p:txEl>
+                                              <p:pRg st="1" end="1"/>
+                                            </p:txEl>
+                                          </p:spTgt>
+                                        </p:tgtEl>
+                                      </p:cBhvr>
+                                    </p:animEffect>
+                                  </p:childTnLst>
+                                </p:cTn>
+                              </p:par>
+                              <p:par>
+                                <p:cTn id="52" presetID="10" presetClass="entr" presetSubtype="0" fill="hold" nodeType="withEffect">
+                                  <p:stCondLst>
+                                    <p:cond delay="0"/>
+                                  </p:stCondLst>
+                                  <p:childTnLst>
+                                    <p:set>
+                                      <p:cBhvr>
+                                        <p:cTn id="53" dur="1" fill="hold">
+                                          <p:stCondLst>
+                                            <p:cond delay="0"/>
+                                          </p:stCondLst>
+                                        </p:cTn>
+                                        <p:tgtEl>
+                                          <p:spTgt spid="13">
+                                            <p:txEl>
+                                              <p:pRg st="2" end="2"/>
+                                            </p:txEl>
+                                          </p:spTgt>
+                                        </p:tgtEl>
+                                        <p:attrNameLst>
+                                          <p:attrName>style.visibility</p:attrName>
+                                        </p:attrNameLst>
+                                      </p:cBhvr>
+                                      <p:to>
+                                        <p:strVal val="visible"/>
+                                      </p:to>
+                                    </p:set>
+                                    <p:animEffect transition="in" filter="fade">
+                                      <p:cBhvr>
+                                        <p:cTn id="54" dur="500"/>
+                                        <p:tgtEl>
+                                          <p:spTgt spid="13">
+                                            <p:txEl>
+                                              <p:pRg st="2" end="2"/>
+                                            </p:txEl>
+                                          </p:spTgt>
+                                        </p:tgtEl>
+                                      </p:cBhvr>
+                                    </p:animEffect>
+                                  </p:childTnLst>
+                                </p:cTn>
+                              </p:par>
+                              <p:par>
+                                <p:cTn id="55" presetID="10" presetClass="entr" presetSubtype="0" fill="hold" nodeType="withEffect">
+                                  <p:stCondLst>
+                                    <p:cond delay="0"/>
+                                  </p:stCondLst>
+                                  <p:childTnLst>
+                                    <p:set>
+                                      <p:cBhvr>
+                                        <p:cTn id="56" dur="1" fill="hold">
+                                          <p:stCondLst>
+                                            <p:cond delay="0"/>
+                                          </p:stCondLst>
+                                        </p:cTn>
+                                        <p:tgtEl>
+                                          <p:spTgt spid="13">
+                                            <p:txEl>
+                                              <p:pRg st="3" end="3"/>
+                                            </p:txEl>
+                                          </p:spTgt>
+                                        </p:tgtEl>
+                                        <p:attrNameLst>
+                                          <p:attrName>style.visibility</p:attrName>
+                                        </p:attrNameLst>
+                                      </p:cBhvr>
+                                      <p:to>
+                                        <p:strVal val="visible"/>
+                                      </p:to>
+                                    </p:set>
+                                    <p:animEffect transition="in" filter="fade">
+                                      <p:cBhvr>
+                                        <p:cTn id="57" dur="500"/>
+                                        <p:tgtEl>
+                                          <p:spTgt spid="13">
+                                            <p:txEl>
+                                              <p:pRg st="3" end="3"/>
+                                            </p:txEl>
+                                          </p:spTgt>
+                                        </p:tgtEl>
+                                      </p:cBhvr>
+                                    </p:animEffect>
+                                  </p:childTnLst>
+                                </p:cTn>
+                              </p:par>
+                            </p:childTnLst>
+                          </p:cTn>
+                        </p:par>
+                      </p:childTnLst>
+                    </p:cTn>
+                  </p:par>
+                  <p:par>
+                    <p:cTn id="58" fill="hold">
+                      <p:stCondLst>
+                        <p:cond delay="indefinite"/>
+                      </p:stCondLst>
+                      <p:childTnLst>
+                        <p:par>
+                          <p:cTn id="59" fill="hold">
+                            <p:stCondLst>
+                              <p:cond delay="0"/>
+                            </p:stCondLst>
+                            <p:childTnLst>
+                              <p:par>
+                                <p:cTn id="60" presetID="10" presetClass="entr" presetSubtype="0" fill="hold" grpId="0" nodeType="clickEffect">
+                                  <p:stCondLst>
+                                    <p:cond delay="0"/>
+                                  </p:stCondLst>
+                                  <p:childTnLst>
+                                    <p:set>
+                                      <p:cBhvr>
+                                        <p:cTn id="61" dur="1" fill="hold">
+                                          <p:stCondLst>
+                                            <p:cond delay="0"/>
+                                          </p:stCondLst>
+                                        </p:cTn>
+                                        <p:tgtEl>
+                                          <p:spTgt spid="22"/>
+                                        </p:tgtEl>
+                                        <p:attrNameLst>
+                                          <p:attrName>style.visibility</p:attrName>
+                                        </p:attrNameLst>
+                                      </p:cBhvr>
+                                      <p:to>
+                                        <p:strVal val="visible"/>
+                                      </p:to>
+                                    </p:set>
+                                    <p:animEffect transition="in" filter="fade">
+                                      <p:cBhvr>
+                                        <p:cTn id="62" dur="500"/>
+                                        <p:tgtEl>
+                                          <p:spTgt spid="22"/>
+                                        </p:tgtEl>
+                                      </p:cBhvr>
+                                    </p:animEffect>
+                                  </p:childTnLst>
+                                </p:cTn>
+                              </p:par>
+                            </p:childTnLst>
+                          </p:cTn>
+                        </p:par>
+                      </p:childTnLst>
+                    </p:cTn>
+                  </p:par>
+                </p:childTnLst>
+              </p:cTn>
+              <p:prevCondLst>
+                <p:cond evt="onPrev" delay="0">
+                  <p:tgtEl>
+                    <p:sldTgt/>
+                  </p:tgtEl>
+                </p:cond>
+              </p:prevCondLst>
+              <p:nextCondLst>
+                <p:cond evt="onNext" delay="0">
+                  <p:tgtEl>
+                    <p:sldTgt/>
+                  </p:tgtEl>
+                </p:cond>
+              </p:nextCondLst>
+            </p:seq>
+          </p:childTnLst>
+        </p:cTn>
+      </p:par>
+    </p:tnLst>
+    <p:bldLst>
+      <p:bldP spid="2" grpId="0"/>
+      <p:bldP spid="22" grpId="0" animBg="1"/>
+    </p:bldLst>
+  </p:timing>
+</p:sld>
+</file>
+
+<file path=ppt/slides/slide5.xml><?xml version="1.0" encoding="utf-8"?>
+<p:sld xmlns:a="http://schemas.openxmlformats.org/drawingml/2006/main" xmlns:r="http://schemas.openxmlformats.org/officeDocument/2006/relationships" xmlns:p="http://schemas.openxmlformats.org/presentationml/2006/main">
+  <p:cSld>
+    <p:spTree>
+      <p:nvGrpSpPr>
+        <p:cNvPr id="1" name=""/>
+        <p:cNvGrpSpPr/>
+        <p:nvPr/>
+      </p:nvGrpSpPr>
+      <p:grpSpPr>
+        <a:xfrm>
+          <a:off x="0" y="0"/>
+          <a:ext cx="0" cy="0"/>
+          <a:chOff x="0" y="0"/>
+          <a:chExt cx="0" cy="0"/>
+        </a:xfrm>
+      </p:grpSpPr>
+      <p:sp>
+        <p:nvSpPr>
+          <p:cNvPr id="2" name="Title 1"/>
+          <p:cNvSpPr>
+            <a:spLocks noGrp="1"/>
+          </p:cNvSpPr>
+          <p:nvPr>
+            <p:ph type="title"/>
+          </p:nvPr>
+        </p:nvSpPr>
+        <p:spPr>
+          <a:xfrm>
+            <a:off x="2193047" y="581025"/>
+            <a:ext cx="8911687" cy="1280890"/>
+          </a:xfrm>
+        </p:spPr>
+        <p:txBody>
+          <a:bodyPr>
+            <a:normAutofit/>
+          </a:bodyPr>
+          <a:lstStyle/>
+          <a:p>
+            <a:pPr algn="ctr"/>
+            <a:r>
+              <a:rPr lang="en-US" sz="4000" dirty="0" smtClean="0"/>
+              <a:t> Prime Number</a:t>
+            </a:r>
+            <a:endParaRPr lang="en-US" sz="4000" dirty="0"/>
+          </a:p>
+        </p:txBody>
+      </p:sp>
+      <p:sp>
+        <p:nvSpPr>
+          <p:cNvPr id="3" name="Text Placeholder 2"/>
+          <p:cNvSpPr>
+            <a:spLocks noGrp="1"/>
+          </p:cNvSpPr>
+          <p:nvPr>
+            <p:ph type="body" idx="1"/>
+          </p:nvPr>
+        </p:nvSpPr>
+        <p:spPr/>
+        <p:txBody>
+          <a:bodyPr/>
+          <a:lstStyle/>
+          <a:p>
+            <a:r>
+              <a:rPr lang="en-US" dirty="0" smtClean="0"/>
+              <a:t>Prime Number</a:t>
+            </a:r>
+            <a:endParaRPr lang="en-US" dirty="0"/>
+          </a:p>
+        </p:txBody>
+      </p:sp>
+      <p:sp>
+        <p:nvSpPr>
+          <p:cNvPr id="4" name="Content Placeholder 3"/>
+          <p:cNvSpPr>
+            <a:spLocks noGrp="1"/>
+          </p:cNvSpPr>
+          <p:nvPr>
+            <p:ph sz="half" idx="2"/>
+          </p:nvPr>
+        </p:nvSpPr>
+        <p:spPr>
+          <a:xfrm>
+            <a:off x="2589212" y="2548966"/>
+            <a:ext cx="4342893" cy="3889934"/>
+          </a:xfrm>
+        </p:spPr>
+        <p:txBody>
+          <a:bodyPr>
+            <a:normAutofit/>
+          </a:bodyPr>
+          <a:lstStyle/>
+          <a:p>
+            <a:pPr marL="0" indent="0">
+              <a:buNone/>
+            </a:pPr>
+            <a:r>
+              <a:rPr lang="en-US" sz="4800" b="1" dirty="0" smtClean="0"/>
+              <a:t>				</a:t>
+            </a:r>
+          </a:p>
+          <a:p>
+            <a:pPr marL="0" indent="0">
+              <a:buNone/>
+            </a:pPr>
+            <a:r>
+              <a:rPr lang="en-US" sz="4800" b="1" dirty="0"/>
+              <a:t>	</a:t>
+            </a:r>
+            <a:r>
+              <a:rPr lang="en-US" sz="4800" b="1" dirty="0" smtClean="0"/>
+              <a:t>			</a:t>
+            </a:r>
+            <a:r>
+              <a:rPr lang="en-US" sz="3200" b="1" dirty="0" smtClean="0"/>
+              <a:t>3</a:t>
+            </a:r>
+          </a:p>
+          <a:p>
+            <a:pPr marL="0" indent="0">
+              <a:buNone/>
+            </a:pPr>
+            <a:r>
+              <a:rPr lang="en-US" sz="3200" b="1" dirty="0"/>
+              <a:t>	</a:t>
+            </a:r>
+            <a:endParaRPr lang="en-US" sz="3200" b="1" dirty="0" smtClean="0"/>
+          </a:p>
+          <a:p>
+            <a:pPr marL="0" indent="0">
+              <a:buNone/>
+            </a:pPr>
+            <a:r>
+              <a:rPr lang="en-US" sz="3200" b="1" dirty="0"/>
+              <a:t>		</a:t>
+            </a:r>
+            <a:r>
+              <a:rPr lang="en-US" sz="3200" b="1" dirty="0" smtClean="0"/>
+              <a:t>1				3</a:t>
+            </a:r>
+          </a:p>
+        </p:txBody>
+      </p:sp>
+      <p:sp>
+        <p:nvSpPr>
+          <p:cNvPr id="5" name="Text Placeholder 4"/>
+          <p:cNvSpPr>
+            <a:spLocks noGrp="1"/>
+          </p:cNvSpPr>
+          <p:nvPr>
+            <p:ph type="body" sz="quarter" idx="3"/>
+          </p:nvPr>
+        </p:nvSpPr>
+        <p:spPr/>
+        <p:txBody>
+          <a:bodyPr/>
+          <a:lstStyle/>
+          <a:p>
+            <a:r>
+              <a:rPr lang="en-US" dirty="0" smtClean="0"/>
+              <a:t>None Prime Number</a:t>
+            </a:r>
+            <a:endParaRPr lang="en-US" dirty="0"/>
+          </a:p>
+        </p:txBody>
+      </p:sp>
+      <p:cxnSp>
+        <p:nvCxnSpPr>
+          <p:cNvPr id="10" name="Straight Arrow Connector 9"/>
+          <p:cNvCxnSpPr/>
+          <p:nvPr/>
+        </p:nvCxnSpPr>
+        <p:spPr>
+          <a:xfrm>
+            <a:off x="4676775" y="3981450"/>
+            <a:ext cx="771525" cy="1019175"/>
+          </a:xfrm>
+          <a:prstGeom prst="straightConnector1">
+            <a:avLst/>
+          </a:prstGeom>
+          <a:ln>
+            <a:tailEnd type="arrow"/>
+          </a:ln>
+        </p:spPr>
+        <p:style>
+          <a:lnRef idx="1">
+            <a:schemeClr val="accent1"/>
+          </a:lnRef>
+          <a:fillRef idx="0">
+            <a:schemeClr val="accent1"/>
+          </a:fillRef>
+          <a:effectRef idx="0">
+            <a:schemeClr val="accent1"/>
+          </a:effectRef>
+          <a:fontRef idx="minor">
+            <a:schemeClr val="tx1"/>
+          </a:fontRef>
+        </p:style>
+      </p:cxnSp>
+      <p:cxnSp>
+        <p:nvCxnSpPr>
+          <p:cNvPr id="12" name="Straight Arrow Connector 11"/>
+          <p:cNvCxnSpPr/>
+          <p:nvPr/>
+        </p:nvCxnSpPr>
+        <p:spPr>
+          <a:xfrm flipH="1">
+            <a:off x="3743325" y="3981450"/>
+            <a:ext cx="828675" cy="1019175"/>
+          </a:xfrm>
+          <a:prstGeom prst="straightConnector1">
+            <a:avLst/>
+          </a:prstGeom>
+          <a:ln>
+            <a:tailEnd type="arrow"/>
+          </a:ln>
+        </p:spPr>
+        <p:style>
+          <a:lnRef idx="1">
+            <a:schemeClr val="accent1"/>
+          </a:lnRef>
+          <a:fillRef idx="0">
+            <a:schemeClr val="accent1"/>
+          </a:fillRef>
+          <a:effectRef idx="0">
+            <a:schemeClr val="accent1"/>
+          </a:effectRef>
+          <a:fontRef idx="minor">
+            <a:schemeClr val="tx1"/>
+          </a:fontRef>
+        </p:style>
+      </p:cxnSp>
+      <p:sp>
+        <p:nvSpPr>
+          <p:cNvPr id="13" name="Content Placeholder 3"/>
+          <p:cNvSpPr>
+            <a:spLocks noGrp="1"/>
+          </p:cNvSpPr>
+          <p:nvPr>
+            <p:ph sz="half" idx="2"/>
+          </p:nvPr>
+        </p:nvSpPr>
+        <p:spPr>
+          <a:xfrm>
+            <a:off x="7351712" y="2546070"/>
+            <a:ext cx="4342893" cy="3889934"/>
+          </a:xfrm>
+        </p:spPr>
+        <p:txBody>
+          <a:bodyPr>
+            <a:normAutofit/>
+          </a:bodyPr>
+          <a:lstStyle/>
+          <a:p>
+            <a:pPr marL="0" indent="0">
+              <a:buNone/>
+            </a:pPr>
+            <a:r>
+              <a:rPr lang="en-US" sz="4800" b="1" dirty="0" smtClean="0"/>
+              <a:t>				</a:t>
+            </a:r>
+          </a:p>
+          <a:p>
+            <a:pPr marL="0" indent="0">
+              <a:buNone/>
+            </a:pPr>
+            <a:r>
+              <a:rPr lang="en-US" sz="4800" b="1" dirty="0"/>
+              <a:t>	</a:t>
+            </a:r>
+            <a:r>
+              <a:rPr lang="en-US" sz="4800" b="1" dirty="0" smtClean="0"/>
+              <a:t>			</a:t>
+            </a:r>
+            <a:r>
+              <a:rPr lang="en-US" sz="3200" b="1" dirty="0"/>
+              <a:t>8</a:t>
+            </a:r>
+            <a:endParaRPr lang="en-US" sz="3200" b="1" dirty="0" smtClean="0"/>
+          </a:p>
+          <a:p>
+            <a:pPr marL="0" indent="0">
+              <a:buNone/>
+            </a:pPr>
+            <a:r>
+              <a:rPr lang="en-US" sz="3200" b="1" dirty="0"/>
+              <a:t>	</a:t>
+            </a:r>
+            <a:endParaRPr lang="en-US" sz="3200" b="1" dirty="0" smtClean="0"/>
+          </a:p>
+          <a:p>
+            <a:pPr marL="0" indent="0">
+              <a:buNone/>
+            </a:pPr>
+            <a:r>
+              <a:rPr lang="en-US" sz="3200" b="1" dirty="0"/>
+              <a:t>	</a:t>
+            </a:r>
+            <a:r>
+              <a:rPr lang="en-US" sz="3200" b="1" dirty="0" smtClean="0"/>
+              <a:t>    4	  1   2   3</a:t>
+            </a:r>
+          </a:p>
+        </p:txBody>
+      </p:sp>
+      <p:cxnSp>
+        <p:nvCxnSpPr>
+          <p:cNvPr id="15" name="Straight Arrow Connector 14"/>
+          <p:cNvCxnSpPr/>
+          <p:nvPr/>
+        </p:nvCxnSpPr>
+        <p:spPr>
+          <a:xfrm>
+            <a:off x="9429750" y="3981450"/>
+            <a:ext cx="800100" cy="1019175"/>
+          </a:xfrm>
+          <a:prstGeom prst="straightConnector1">
+            <a:avLst/>
+          </a:prstGeom>
+          <a:ln>
+            <a:tailEnd type="arrow"/>
+          </a:ln>
+        </p:spPr>
+        <p:style>
+          <a:lnRef idx="1">
+            <a:schemeClr val="accent1"/>
+          </a:lnRef>
+          <a:fillRef idx="0">
+            <a:schemeClr val="accent1"/>
+          </a:fillRef>
+          <a:effectRef idx="0">
+            <a:schemeClr val="accent1"/>
+          </a:effectRef>
+          <a:fontRef idx="minor">
+            <a:schemeClr val="tx1"/>
+          </a:fontRef>
+        </p:style>
+      </p:cxnSp>
+      <p:cxnSp>
+        <p:nvCxnSpPr>
+          <p:cNvPr id="17" name="Straight Arrow Connector 16"/>
+          <p:cNvCxnSpPr/>
+          <p:nvPr/>
+        </p:nvCxnSpPr>
+        <p:spPr>
+          <a:xfrm>
+            <a:off x="9429750" y="3981450"/>
+            <a:ext cx="266700" cy="1019175"/>
+          </a:xfrm>
+          <a:prstGeom prst="straightConnector1">
+            <a:avLst/>
+          </a:prstGeom>
+          <a:ln>
+            <a:tailEnd type="arrow"/>
+          </a:ln>
+        </p:spPr>
+        <p:style>
+          <a:lnRef idx="1">
+            <a:schemeClr val="accent1"/>
+          </a:lnRef>
+          <a:fillRef idx="0">
+            <a:schemeClr val="accent1"/>
+          </a:fillRef>
+          <a:effectRef idx="0">
+            <a:schemeClr val="accent1"/>
+          </a:effectRef>
+          <a:fontRef idx="minor">
+            <a:schemeClr val="tx1"/>
+          </a:fontRef>
+        </p:style>
+      </p:cxnSp>
+      <p:cxnSp>
+        <p:nvCxnSpPr>
+          <p:cNvPr id="19" name="Straight Arrow Connector 18"/>
+          <p:cNvCxnSpPr/>
+          <p:nvPr/>
+        </p:nvCxnSpPr>
+        <p:spPr>
+          <a:xfrm flipH="1">
+            <a:off x="9144000" y="3981450"/>
+            <a:ext cx="190500" cy="1019175"/>
+          </a:xfrm>
+          <a:prstGeom prst="straightConnector1">
+            <a:avLst/>
+          </a:prstGeom>
+          <a:ln>
+            <a:tailEnd type="arrow"/>
+          </a:ln>
+        </p:spPr>
+        <p:style>
+          <a:lnRef idx="1">
+            <a:schemeClr val="accent1"/>
+          </a:lnRef>
+          <a:fillRef idx="0">
+            <a:schemeClr val="accent1"/>
+          </a:fillRef>
+          <a:effectRef idx="0">
+            <a:schemeClr val="accent1"/>
+          </a:effectRef>
+          <a:fontRef idx="minor">
+            <a:schemeClr val="tx1"/>
+          </a:fontRef>
+        </p:style>
+      </p:cxnSp>
+      <p:cxnSp>
+        <p:nvCxnSpPr>
+          <p:cNvPr id="21" name="Straight Arrow Connector 20"/>
+          <p:cNvCxnSpPr/>
+          <p:nvPr/>
+        </p:nvCxnSpPr>
+        <p:spPr>
+          <a:xfrm flipH="1">
+            <a:off x="8553450" y="3981450"/>
+            <a:ext cx="781050" cy="1019175"/>
+          </a:xfrm>
+          <a:prstGeom prst="straightConnector1">
+            <a:avLst/>
+          </a:prstGeom>
+          <a:ln>
+            <a:tailEnd type="arrow"/>
+          </a:ln>
+        </p:spPr>
+        <p:style>
+          <a:lnRef idx="1">
+            <a:schemeClr val="accent1"/>
+          </a:lnRef>
+          <a:fillRef idx="0">
+            <a:schemeClr val="accent1"/>
+          </a:fillRef>
+          <a:effectRef idx="0">
+            <a:schemeClr val="accent1"/>
+          </a:effectRef>
+          <a:fontRef idx="minor">
+            <a:schemeClr val="tx1"/>
+          </a:fontRef>
+        </p:style>
+      </p:cxnSp>
+      <p:sp>
+        <p:nvSpPr>
+          <p:cNvPr id="22" name="Rectangle 21"/>
+          <p:cNvSpPr/>
+          <p:nvPr/>
+        </p:nvSpPr>
+        <p:spPr>
+          <a:xfrm>
+            <a:off x="6648891" y="1933575"/>
+            <a:ext cx="45719" cy="3924300"/>
+          </a:xfrm>
+          <a:prstGeom prst="rect">
+            <a:avLst/>
+          </a:prstGeom>
+        </p:spPr>
+        <p:style>
+          <a:lnRef idx="2">
+            <a:schemeClr val="accent1">
+              <a:shade val="50000"/>
+            </a:schemeClr>
+          </a:lnRef>
+          <a:fillRef idx="1">
+            <a:schemeClr val="accent1"/>
+          </a:fillRef>
+          <a:effectRef idx="0">
+            <a:schemeClr val="accent1"/>
+          </a:effectRef>
+          <a:fontRef idx="minor">
+            <a:schemeClr val="lt1"/>
+          </a:fontRef>
+        </p:style>
+        <p:txBody>
+          <a:bodyPr rtlCol="0" anchor="ctr"/>
+          <a:lstStyle/>
+          <a:p>
+            <a:pPr algn="ctr"/>
+            <a:endParaRPr lang="en-US"/>
+          </a:p>
+        </p:txBody>
+      </p:sp>
+    </p:spTree>
+    <p:extLst>
+      <p:ext uri="{BB962C8B-B14F-4D97-AF65-F5344CB8AC3E}">
+        <p14:creationId xmlns:p14="http://schemas.microsoft.com/office/powerpoint/2010/main" val="2375971173"/>
+      </p:ext>
+    </p:extLst>
+  </p:cSld>
+  <p:clrMapOvr>
+    <a:masterClrMapping/>
+  </p:clrMapOvr>
+  <p:timing>
+    <p:tnLst>
+      <p:par>
+        <p:cTn id="1" dur="indefinite" restart="never" nodeType="tmRoot">
+          <p:childTnLst>
+            <p:seq concurrent="1" nextAc="seek">
+              <p:cTn id="2" dur="indefinite" nodeType="mainSeq">
+                <p:childTnLst>
+                  <p:par>
+                    <p:cTn id="3" fill="hold">
+                      <p:stCondLst>
+                        <p:cond delay="indefinite"/>
+                      </p:stCondLst>
+                      <p:childTnLst>
+                        <p:par>
+                          <p:cTn id="4" fill="hold">
+                            <p:stCondLst>
+                              <p:cond delay="0"/>
+                            </p:stCondLst>
+                            <p:childTnLst>
+                              <p:par>
+                                <p:cTn id="5" presetID="53" presetClass="entr" presetSubtype="16" fill="hold" grpId="0" nodeType="clickEffect">
+                                  <p:stCondLst>
+                                    <p:cond delay="0"/>
+                                  </p:stCondLst>
+                                  <p:childTnLst>
+                                    <p:set>
+                                      <p:cBhvr>
+                                        <p:cTn id="6" dur="1" fill="hold">
+                                          <p:stCondLst>
+                                            <p:cond delay="0"/>
+                                          </p:stCondLst>
+                                        </p:cTn>
+                                        <p:tgtEl>
+                                          <p:spTgt spid="2"/>
+                                        </p:tgtEl>
+                                        <p:attrNameLst>
+                                          <p:attrName>style.visibility</p:attrName>
+                                        </p:attrNameLst>
+                                      </p:cBhvr>
+                                      <p:to>
+                                        <p:strVal val="visible"/>
+                                      </p:to>
+                                    </p:set>
+                                    <p:anim calcmode="lin" valueType="num">
+                                      <p:cBhvr>
+                                        <p:cTn id="7" dur="500" fill="hold"/>
+                                        <p:tgtEl>
+                                          <p:spTgt spid="2"/>
+                                        </p:tgtEl>
+                                        <p:attrNameLst>
+                                          <p:attrName>ppt_w</p:attrName>
+                                        </p:attrNameLst>
+                                      </p:cBhvr>
+                                      <p:tavLst>
+                                        <p:tav tm="0">
+                                          <p:val>
+                                            <p:fltVal val="0"/>
+                                          </p:val>
+                                        </p:tav>
+                                        <p:tav tm="100000">
+                                          <p:val>
+                                            <p:strVal val="#ppt_w"/>
+                                          </p:val>
+                                        </p:tav>
+                                      </p:tavLst>
+                                    </p:anim>
+                                    <p:anim calcmode="lin" valueType="num">
+                                      <p:cBhvr>
+                                        <p:cTn id="8" dur="500" fill="hold"/>
+                                        <p:tgtEl>
+                                          <p:spTgt spid="2"/>
+                                        </p:tgtEl>
+                                        <p:attrNameLst>
+                                          <p:attrName>ppt_h</p:attrName>
+                                        </p:attrNameLst>
+                                      </p:cBhvr>
+                                      <p:tavLst>
+                                        <p:tav tm="0">
+                                          <p:val>
+                                            <p:fltVal val="0"/>
+                                          </p:val>
+                                        </p:tav>
+                                        <p:tav tm="100000">
+                                          <p:val>
+                                            <p:strVal val="#ppt_h"/>
+                                          </p:val>
+                                        </p:tav>
+                                      </p:tavLst>
+                                    </p:anim>
+                                    <p:animEffect transition="in" filter="fade">
+                                      <p:cBhvr>
+                                        <p:cTn id="9" dur="500"/>
+                                        <p:tgtEl>
+                                          <p:spTgt spid="2"/>
+                                        </p:tgtEl>
+                                      </p:cBhvr>
+                                    </p:animEffect>
+                                  </p:childTnLst>
+                                </p:cTn>
+                              </p:par>
+                            </p:childTnLst>
+                          </p:cTn>
+                        </p:par>
+                      </p:childTnLst>
+                    </p:cTn>
+                  </p:par>
+                  <p:par>
+                    <p:cTn id="10" fill="hold">
+                      <p:stCondLst>
+                        <p:cond delay="indefinite"/>
+                      </p:stCondLst>
+                      <p:childTnLst>
+                        <p:par>
+                          <p:cTn id="11" fill="hold">
+                            <p:stCondLst>
+                              <p:cond delay="0"/>
+                            </p:stCondLst>
+                            <p:childTnLst>
+                              <p:par>
+                                <p:cTn id="12" presetID="10" presetClass="entr" presetSubtype="0" fill="hold" nodeType="clickEffect">
+                                  <p:stCondLst>
+                                    <p:cond delay="0"/>
+                                  </p:stCondLst>
+                                  <p:childTnLst>
+                                    <p:set>
+                                      <p:cBhvr>
+                                        <p:cTn id="13" dur="1" fill="hold">
+                                          <p:stCondLst>
+                                            <p:cond delay="0"/>
+                                          </p:stCondLst>
+                                        </p:cTn>
+                                        <p:tgtEl>
+                                          <p:spTgt spid="3">
+                                            <p:txEl>
+                                              <p:pRg st="0" end="0"/>
+                                            </p:txEl>
+                                          </p:spTgt>
+                                        </p:tgtEl>
+                                        <p:attrNameLst>
+                                          <p:attrName>style.visibility</p:attrName>
+                                        </p:attrNameLst>
+                                      </p:cBhvr>
+                                      <p:to>
+                                        <p:strVal val="visible"/>
+                                      </p:to>
+                                    </p:set>
+                                    <p:animEffect transition="in" filter="fade">
+                                      <p:cBhvr>
+                                        <p:cTn id="14" dur="500"/>
+                                        <p:tgtEl>
+                                          <p:spTgt spid="3">
+                                            <p:txEl>
+                                              <p:pRg st="0" end="0"/>
+                                            </p:txEl>
+                                          </p:spTgt>
+                                        </p:tgtEl>
+                                      </p:cBhvr>
+                                    </p:animEffect>
+                                  </p:childTnLst>
+                                </p:cTn>
+                              </p:par>
+                            </p:childTnLst>
+                          </p:cTn>
+                        </p:par>
+                      </p:childTnLst>
+                    </p:cTn>
+                  </p:par>
+                  <p:par>
+                    <p:cTn id="15" fill="hold">
+                      <p:stCondLst>
+                        <p:cond delay="indefinite"/>
+                      </p:stCondLst>
+                      <p:childTnLst>
+                        <p:par>
+                          <p:cTn id="16" fill="hold">
+                            <p:stCondLst>
+                              <p:cond delay="0"/>
+                            </p:stCondLst>
+                            <p:childTnLst>
+                              <p:par>
+                                <p:cTn id="17" presetID="10" presetClass="entr" presetSubtype="0" fill="hold" nodeType="clickEffect">
+                                  <p:stCondLst>
+                                    <p:cond delay="0"/>
+                                  </p:stCondLst>
+                                  <p:childTnLst>
+                                    <p:set>
+                                      <p:cBhvr>
+                                        <p:cTn id="18" dur="1" fill="hold">
+                                          <p:stCondLst>
+                                            <p:cond delay="0"/>
+                                          </p:stCondLst>
+                                        </p:cTn>
+                                        <p:tgtEl>
+                                          <p:spTgt spid="4">
+                                            <p:txEl>
+                                              <p:pRg st="1" end="1"/>
+                                            </p:txEl>
+                                          </p:spTgt>
+                                        </p:tgtEl>
+                                        <p:attrNameLst>
+                                          <p:attrName>style.visibility</p:attrName>
+                                        </p:attrNameLst>
+                                      </p:cBhvr>
+                                      <p:to>
+                                        <p:strVal val="visible"/>
+                                      </p:to>
+                                    </p:set>
+                                    <p:animEffect transition="in" filter="fade">
+                                      <p:cBhvr>
+                                        <p:cTn id="19" dur="500"/>
+                                        <p:tgtEl>
+                                          <p:spTgt spid="4">
+                                            <p:txEl>
+                                              <p:pRg st="1" end="1"/>
+                                            </p:txEl>
+                                          </p:spTgt>
+                                        </p:tgtEl>
+                                      </p:cBhvr>
+                                    </p:animEffect>
+                                  </p:childTnLst>
+                                </p:cTn>
+                              </p:par>
+                            </p:childTnLst>
+                          </p:cTn>
+                        </p:par>
+                      </p:childTnLst>
+                    </p:cTn>
+                  </p:par>
+                  <p:par>
+                    <p:cTn id="20" fill="hold">
+                      <p:stCondLst>
+                        <p:cond delay="indefinite"/>
+                      </p:stCondLst>
+                      <p:childTnLst>
+                        <p:par>
+                          <p:cTn id="21" fill="hold">
+                            <p:stCondLst>
+                              <p:cond delay="0"/>
+                            </p:stCondLst>
+                            <p:childTnLst>
+                              <p:par>
+                                <p:cTn id="22" presetID="10" presetClass="entr" presetSubtype="0" fill="hold" nodeType="clickEffect">
+                                  <p:stCondLst>
+                                    <p:cond delay="0"/>
+                                  </p:stCondLst>
+                                  <p:childTnLst>
+                                    <p:set>
+                                      <p:cBhvr>
+                                        <p:cTn id="23" dur="1" fill="hold">
+                                          <p:stCondLst>
+                                            <p:cond delay="0"/>
+                                          </p:stCondLst>
+                                        </p:cTn>
+                                        <p:tgtEl>
+                                          <p:spTgt spid="12"/>
+                                        </p:tgtEl>
+                                        <p:attrNameLst>
+                                          <p:attrName>style.visibility</p:attrName>
+                                        </p:attrNameLst>
+                                      </p:cBhvr>
+                                      <p:to>
+                                        <p:strVal val="visible"/>
+                                      </p:to>
+                                    </p:set>
+                                    <p:animEffect transition="in" filter="fade">
+                                      <p:cBhvr>
+                                        <p:cTn id="24" dur="500"/>
+                                        <p:tgtEl>
+                                          <p:spTgt spid="12"/>
+                                        </p:tgtEl>
+                                      </p:cBhvr>
+                                    </p:animEffect>
+                                  </p:childTnLst>
+                                </p:cTn>
+                              </p:par>
+                              <p:par>
+                                <p:cTn id="25" presetID="10" presetClass="entr" presetSubtype="0" fill="hold" nodeType="withEffect">
+                                  <p:stCondLst>
+                                    <p:cond delay="0"/>
+                                  </p:stCondLst>
+                                  <p:childTnLst>
+                                    <p:set>
+                                      <p:cBhvr>
+                                        <p:cTn id="26" dur="1" fill="hold">
+                                          <p:stCondLst>
+                                            <p:cond delay="0"/>
+                                          </p:stCondLst>
+                                        </p:cTn>
+                                        <p:tgtEl>
+                                          <p:spTgt spid="10"/>
+                                        </p:tgtEl>
+                                        <p:attrNameLst>
+                                          <p:attrName>style.visibility</p:attrName>
+                                        </p:attrNameLst>
+                                      </p:cBhvr>
+                                      <p:to>
+                                        <p:strVal val="visible"/>
+                                      </p:to>
+                                    </p:set>
+                                    <p:animEffect transition="in" filter="fade">
+                                      <p:cBhvr>
+                                        <p:cTn id="27" dur="500"/>
+                                        <p:tgtEl>
+                                          <p:spTgt spid="10"/>
+                                        </p:tgtEl>
+                                      </p:cBhvr>
+                                    </p:animEffect>
+                                  </p:childTnLst>
+                                </p:cTn>
+                              </p:par>
+                            </p:childTnLst>
+                          </p:cTn>
+                        </p:par>
+                      </p:childTnLst>
+                    </p:cTn>
+                  </p:par>
+                  <p:par>
+                    <p:cTn id="28" fill="hold">
+                      <p:stCondLst>
+                        <p:cond delay="indefinite"/>
+                      </p:stCondLst>
+                      <p:childTnLst>
+                        <p:par>
+                          <p:cTn id="29" fill="hold">
+                            <p:stCondLst>
+                              <p:cond delay="0"/>
+                            </p:stCondLst>
+                            <p:childTnLst>
+                              <p:par>
+                                <p:cTn id="30" presetID="10" presetClass="entr" presetSubtype="0" fill="hold" nodeType="clickEffect">
+                                  <p:stCondLst>
+                                    <p:cond delay="0"/>
+                                  </p:stCondLst>
+                                  <p:childTnLst>
+                                    <p:set>
+                                      <p:cBhvr>
+                                        <p:cTn id="31" dur="1" fill="hold">
+                                          <p:stCondLst>
+                                            <p:cond delay="0"/>
+                                          </p:stCondLst>
+                                        </p:cTn>
+                                        <p:tgtEl>
+                                          <p:spTgt spid="4">
+                                            <p:txEl>
+                                              <p:pRg st="3" end="3"/>
+                                            </p:txEl>
+                                          </p:spTgt>
+                                        </p:tgtEl>
+                                        <p:attrNameLst>
+                                          <p:attrName>style.visibility</p:attrName>
+                                        </p:attrNameLst>
+                                      </p:cBhvr>
+                                      <p:to>
+                                        <p:strVal val="visible"/>
+                                      </p:to>
+                                    </p:set>
+                                    <p:animEffect transition="in" filter="fade">
+                                      <p:cBhvr>
+                                        <p:cTn id="32" dur="500"/>
+                                        <p:tgtEl>
+                                          <p:spTgt spid="4">
+                                            <p:txEl>
+                                              <p:pRg st="3" end="3"/>
+                                            </p:txEl>
+                                          </p:spTgt>
+                                        </p:tgtEl>
+                                      </p:cBhvr>
+                                    </p:animEffect>
+                                  </p:childTnLst>
+                                </p:cTn>
+                              </p:par>
+                            </p:childTnLst>
+                          </p:cTn>
+                        </p:par>
+                      </p:childTnLst>
+                    </p:cTn>
+                  </p:par>
+                  <p:par>
+                    <p:cTn id="33" fill="hold">
+                      <p:stCondLst>
+                        <p:cond delay="indefinite"/>
+                      </p:stCondLst>
+                      <p:childTnLst>
+                        <p:par>
+                          <p:cTn id="34" fill="hold">
+                            <p:stCondLst>
+                              <p:cond delay="0"/>
+                            </p:stCondLst>
+                            <p:childTnLst>
+                              <p:par>
+                                <p:cTn id="35" presetID="10" presetClass="entr" presetSubtype="0" fill="hold" grpId="0" nodeType="clickEffect">
+                                  <p:stCondLst>
+                                    <p:cond delay="0"/>
+                                  </p:stCondLst>
+                                  <p:childTnLst>
+                                    <p:set>
+                                      <p:cBhvr>
+                                        <p:cTn id="36" dur="1" fill="hold">
+                                          <p:stCondLst>
+                                            <p:cond delay="0"/>
+                                          </p:stCondLst>
+                                        </p:cTn>
+                                        <p:tgtEl>
+                                          <p:spTgt spid="22"/>
+                                        </p:tgtEl>
+                                        <p:attrNameLst>
+                                          <p:attrName>style.visibility</p:attrName>
+                                        </p:attrNameLst>
+                                      </p:cBhvr>
+                                      <p:to>
+                                        <p:strVal val="visible"/>
+                                      </p:to>
+                                    </p:set>
+                                    <p:animEffect transition="in" filter="fade">
+                                      <p:cBhvr>
+                                        <p:cTn id="37" dur="500"/>
+                                        <p:tgtEl>
+                                          <p:spTgt spid="22"/>
+                                        </p:tgtEl>
+                                      </p:cBhvr>
+                                    </p:animEffect>
+                                  </p:childTnLst>
+                                </p:cTn>
+                              </p:par>
+                            </p:childTnLst>
+                          </p:cTn>
+                        </p:par>
+                      </p:childTnLst>
+                    </p:cTn>
+                  </p:par>
+                  <p:par>
+                    <p:cTn id="38" fill="hold">
+                      <p:stCondLst>
+                        <p:cond delay="indefinite"/>
+                      </p:stCondLst>
+                      <p:childTnLst>
+                        <p:par>
+                          <p:cTn id="39" fill="hold">
+                            <p:stCondLst>
+                              <p:cond delay="0"/>
+                            </p:stCondLst>
+                            <p:childTnLst>
+                              <p:par>
+                                <p:cTn id="40" presetID="10" presetClass="entr" presetSubtype="0" fill="hold" grpId="0" nodeType="clickEffect">
+                                  <p:stCondLst>
+                                    <p:cond delay="0"/>
+                                  </p:stCondLst>
+                                  <p:childTnLst>
+                                    <p:set>
+                                      <p:cBhvr>
+                                        <p:cTn id="41" dur="1" fill="hold">
+                                          <p:stCondLst>
+                                            <p:cond delay="0"/>
+                                          </p:stCondLst>
+                                        </p:cTn>
+                                        <p:tgtEl>
+                                          <p:spTgt spid="5">
+                                            <p:txEl>
+                                              <p:pRg st="0" end="0"/>
+                                            </p:txEl>
+                                          </p:spTgt>
+                                        </p:tgtEl>
+                                        <p:attrNameLst>
+                                          <p:attrName>style.visibility</p:attrName>
+                                        </p:attrNameLst>
+                                      </p:cBhvr>
+                                      <p:to>
+                                        <p:strVal val="visible"/>
+                                      </p:to>
+                                    </p:set>
+                                    <p:animEffect transition="in" filter="fade">
+                                      <p:cBhvr>
+                                        <p:cTn id="42" dur="500"/>
+                                        <p:tgtEl>
+                                          <p:spTgt spid="5">
+                                            <p:txEl>
+                                              <p:pRg st="0" end="0"/>
+                                            </p:txEl>
+                                          </p:spTgt>
+                                        </p:tgtEl>
+                                      </p:cBhvr>
+                                    </p:animEffect>
+                                  </p:childTnLst>
+                                </p:cTn>
+                              </p:par>
+                            </p:childTnLst>
+                          </p:cTn>
+                        </p:par>
+                      </p:childTnLst>
+                    </p:cTn>
+                  </p:par>
+                  <p:par>
+                    <p:cTn id="43" fill="hold">
+                      <p:stCondLst>
+                        <p:cond delay="indefinite"/>
+                      </p:stCondLst>
+                      <p:childTnLst>
+                        <p:par>
+                          <p:cTn id="44" fill="hold">
+                            <p:stCondLst>
+                              <p:cond delay="0"/>
+                            </p:stCondLst>
+                            <p:childTnLst>
+                              <p:par>
+                                <p:cTn id="45" presetID="10" presetClass="entr" presetSubtype="0" fill="hold" nodeType="clickEffect">
+                                  <p:stCondLst>
+                                    <p:cond delay="0"/>
+                                  </p:stCondLst>
+                                  <p:childTnLst>
+                                    <p:set>
+                                      <p:cBhvr>
+                                        <p:cTn id="46" dur="1" fill="hold">
+                                          <p:stCondLst>
+                                            <p:cond delay="0"/>
+                                          </p:stCondLst>
+                                        </p:cTn>
+                                        <p:tgtEl>
+                                          <p:spTgt spid="13">
+                                            <p:txEl>
+                                              <p:pRg st="1" end="1"/>
+                                            </p:txEl>
+                                          </p:spTgt>
+                                        </p:tgtEl>
+                                        <p:attrNameLst>
+                                          <p:attrName>style.visibility</p:attrName>
+                                        </p:attrNameLst>
+                                      </p:cBhvr>
+                                      <p:to>
+                                        <p:strVal val="visible"/>
+                                      </p:to>
+                                    </p:set>
+                                    <p:animEffect transition="in" filter="fade">
+                                      <p:cBhvr>
+                                        <p:cTn id="47" dur="500"/>
+                                        <p:tgtEl>
+                                          <p:spTgt spid="13">
+                                            <p:txEl>
+                                              <p:pRg st="1" end="1"/>
+                                            </p:txEl>
+                                          </p:spTgt>
+                                        </p:tgtEl>
+                                      </p:cBhvr>
+                                    </p:animEffect>
+                                  </p:childTnLst>
+                                </p:cTn>
+                              </p:par>
+                            </p:childTnLst>
+                          </p:cTn>
+                        </p:par>
+                      </p:childTnLst>
+                    </p:cTn>
+                  </p:par>
+                  <p:par>
+                    <p:cTn id="48" fill="hold">
+                      <p:stCondLst>
+                        <p:cond delay="indefinite"/>
+                      </p:stCondLst>
+                      <p:childTnLst>
+                        <p:par>
+                          <p:cTn id="49" fill="hold">
+                            <p:stCondLst>
+                              <p:cond delay="0"/>
+                            </p:stCondLst>
+                            <p:childTnLst>
+                              <p:par>
+                                <p:cTn id="50" presetID="10" presetClass="entr" presetSubtype="0" fill="hold" nodeType="clickEffect">
+                                  <p:stCondLst>
+                                    <p:cond delay="0"/>
+                                  </p:stCondLst>
+                                  <p:childTnLst>
+                                    <p:set>
+                                      <p:cBhvr>
+                                        <p:cTn id="51" dur="1" fill="hold">
+                                          <p:stCondLst>
+                                            <p:cond delay="0"/>
+                                          </p:stCondLst>
+                                        </p:cTn>
+                                        <p:tgtEl>
+                                          <p:spTgt spid="15"/>
+                                        </p:tgtEl>
+                                        <p:attrNameLst>
+                                          <p:attrName>style.visibility</p:attrName>
+                                        </p:attrNameLst>
+                                      </p:cBhvr>
+                                      <p:to>
+                                        <p:strVal val="visible"/>
+                                      </p:to>
+                                    </p:set>
+                                    <p:animEffect transition="in" filter="fade">
+                                      <p:cBhvr>
+                                        <p:cTn id="52" dur="500"/>
+                                        <p:tgtEl>
+                                          <p:spTgt spid="15"/>
+                                        </p:tgtEl>
+                                      </p:cBhvr>
+                                    </p:animEffect>
+                                  </p:childTnLst>
+                                </p:cTn>
+                              </p:par>
+                              <p:par>
+                                <p:cTn id="53" presetID="10" presetClass="entr" presetSubtype="0" fill="hold" nodeType="withEffect">
+                                  <p:stCondLst>
+                                    <p:cond delay="0"/>
+                                  </p:stCondLst>
+                                  <p:childTnLst>
+                                    <p:set>
+                                      <p:cBhvr>
+                                        <p:cTn id="54" dur="1" fill="hold">
+                                          <p:stCondLst>
+                                            <p:cond delay="0"/>
+                                          </p:stCondLst>
+                                        </p:cTn>
+                                        <p:tgtEl>
+                                          <p:spTgt spid="17"/>
+                                        </p:tgtEl>
+                                        <p:attrNameLst>
+                                          <p:attrName>style.visibility</p:attrName>
+                                        </p:attrNameLst>
+                                      </p:cBhvr>
+                                      <p:to>
+                                        <p:strVal val="visible"/>
+                                      </p:to>
+                                    </p:set>
+                                    <p:animEffect transition="in" filter="fade">
+                                      <p:cBhvr>
+                                        <p:cTn id="55" dur="500"/>
+                                        <p:tgtEl>
+                                          <p:spTgt spid="17"/>
+                                        </p:tgtEl>
+                                      </p:cBhvr>
+                                    </p:animEffect>
+                                  </p:childTnLst>
+                                </p:cTn>
+                              </p:par>
+                              <p:par>
+                                <p:cTn id="56" presetID="10" presetClass="entr" presetSubtype="0" fill="hold" nodeType="withEffect">
+                                  <p:stCondLst>
+                                    <p:cond delay="0"/>
+                                  </p:stCondLst>
+                                  <p:childTnLst>
+                                    <p:set>
+                                      <p:cBhvr>
+                                        <p:cTn id="57" dur="1" fill="hold">
+                                          <p:stCondLst>
+                                            <p:cond delay="0"/>
+                                          </p:stCondLst>
+                                        </p:cTn>
+                                        <p:tgtEl>
+                                          <p:spTgt spid="19"/>
+                                        </p:tgtEl>
+                                        <p:attrNameLst>
+                                          <p:attrName>style.visibility</p:attrName>
+                                        </p:attrNameLst>
+                                      </p:cBhvr>
+                                      <p:to>
+                                        <p:strVal val="visible"/>
+                                      </p:to>
+                                    </p:set>
+                                    <p:animEffect transition="in" filter="fade">
+                                      <p:cBhvr>
+                                        <p:cTn id="58" dur="500"/>
+                                        <p:tgtEl>
+                                          <p:spTgt spid="19"/>
+                                        </p:tgtEl>
+                                      </p:cBhvr>
+                                    </p:animEffect>
+                                  </p:childTnLst>
+                                </p:cTn>
+                              </p:par>
+                              <p:par>
+                                <p:cTn id="59" presetID="10" presetClass="entr" presetSubtype="0" fill="hold" nodeType="withEffect">
+                                  <p:stCondLst>
+                                    <p:cond delay="0"/>
+                                  </p:stCondLst>
+                                  <p:childTnLst>
+                                    <p:set>
+                                      <p:cBhvr>
+                                        <p:cTn id="60" dur="1" fill="hold">
+                                          <p:stCondLst>
+                                            <p:cond delay="0"/>
+                                          </p:stCondLst>
+                                        </p:cTn>
+                                        <p:tgtEl>
+                                          <p:spTgt spid="21"/>
+                                        </p:tgtEl>
+                                        <p:attrNameLst>
+                                          <p:attrName>style.visibility</p:attrName>
+                                        </p:attrNameLst>
+                                      </p:cBhvr>
+                                      <p:to>
+                                        <p:strVal val="visible"/>
+                                      </p:to>
+                                    </p:set>
+                                    <p:animEffect transition="in" filter="fade">
+                                      <p:cBhvr>
+                                        <p:cTn id="61" dur="500"/>
+                                        <p:tgtEl>
+                                          <p:spTgt spid="21"/>
+                                        </p:tgtEl>
+                                      </p:cBhvr>
+                                    </p:animEffect>
+                                  </p:childTnLst>
+                                </p:cTn>
+                              </p:par>
+                            </p:childTnLst>
+                          </p:cTn>
+                        </p:par>
+                      </p:childTnLst>
+                    </p:cTn>
+                  </p:par>
+                  <p:par>
+                    <p:cTn id="62" fill="hold">
+                      <p:stCondLst>
+                        <p:cond delay="indefinite"/>
+                      </p:stCondLst>
+                      <p:childTnLst>
+                        <p:par>
+                          <p:cTn id="63" fill="hold">
+                            <p:stCondLst>
+                              <p:cond delay="0"/>
+                            </p:stCondLst>
+                            <p:childTnLst>
+                              <p:par>
+                                <p:cTn id="64" presetID="10" presetClass="entr" presetSubtype="0" fill="hold" nodeType="clickEffect">
+                                  <p:stCondLst>
+                                    <p:cond delay="0"/>
+                                  </p:stCondLst>
+                                  <p:childTnLst>
+                                    <p:set>
+                                      <p:cBhvr>
+                                        <p:cTn id="65" dur="1" fill="hold">
+                                          <p:stCondLst>
+                                            <p:cond delay="0"/>
+                                          </p:stCondLst>
+                                        </p:cTn>
+                                        <p:tgtEl>
+                                          <p:spTgt spid="13">
+                                            <p:txEl>
+                                              <p:pRg st="3" end="3"/>
+                                            </p:txEl>
+                                          </p:spTgt>
+                                        </p:tgtEl>
+                                        <p:attrNameLst>
+                                          <p:attrName>style.visibility</p:attrName>
+                                        </p:attrNameLst>
+                                      </p:cBhvr>
+                                      <p:to>
+                                        <p:strVal val="visible"/>
+                                      </p:to>
+                                    </p:set>
+                                    <p:animEffect transition="in" filter="fade">
+                                      <p:cBhvr>
+                                        <p:cTn id="66" dur="500"/>
+                                        <p:tgtEl>
+                                          <p:spTgt spid="13">
+                                            <p:txEl>
+                                              <p:pRg st="3" end="3"/>
+                                            </p:txEl>
+                                          </p:spTgt>
+                                        </p:tgtEl>
+                                      </p:cBhvr>
+                                    </p:animEffect>
+                                  </p:childTnLst>
+                                </p:cTn>
+                              </p:par>
+                            </p:childTnLst>
+                          </p:cTn>
+                        </p:par>
+                      </p:childTnLst>
+                    </p:cTn>
+                  </p:par>
+                </p:childTnLst>
+              </p:cTn>
+              <p:prevCondLst>
+                <p:cond evt="onPrev" delay="0">
+                  <p:tgtEl>
+                    <p:sldTgt/>
+                  </p:tgtEl>
+                </p:cond>
+              </p:prevCondLst>
+              <p:nextCondLst>
+                <p:cond evt="onNext" delay="0">
+                  <p:tgtEl>
+                    <p:sldTgt/>
+                  </p:tgtEl>
+                </p:cond>
+              </p:nextCondLst>
+            </p:seq>
+          </p:childTnLst>
+        </p:cTn>
+      </p:par>
+    </p:tnLst>
+    <p:bldLst>
+      <p:bldP spid="2" grpId="0"/>
+      <p:bldP spid="5" grpId="0" build="p"/>
+      <p:bldP spid="22" grpId="0" animBg="1"/>
+    </p:bldLst>
+  </p:timing>
+</p:sld>
+</file>
+
+<file path=ppt/slides/slide6.xml><?xml version="1.0" encoding="utf-8"?>
+<p:sld xmlns:a="http://schemas.openxmlformats.org/drawingml/2006/main" xmlns:r="http://schemas.openxmlformats.org/officeDocument/2006/relationships" xmlns:p="http://schemas.openxmlformats.org/presentationml/2006/main">
+  <p:cSld>
+    <p:spTree>
+      <p:nvGrpSpPr>
+        <p:cNvPr id="1" name=""/>
+        <p:cNvGrpSpPr/>
+        <p:nvPr/>
+      </p:nvGrpSpPr>
+      <p:grpSpPr>
+        <a:xfrm>
+          <a:off x="0" y="0"/>
+          <a:ext cx="0" cy="0"/>
+          <a:chOff x="0" y="0"/>
+          <a:chExt cx="0" cy="0"/>
+        </a:xfrm>
+      </p:grpSpPr>
+      <p:sp>
+        <p:nvSpPr>
+          <p:cNvPr id="2" name="Title 1"/>
+          <p:cNvSpPr>
+            <a:spLocks noGrp="1"/>
+          </p:cNvSpPr>
+          <p:nvPr>
+            <p:ph type="title"/>
+          </p:nvPr>
+        </p:nvSpPr>
+        <p:spPr>
+          <a:xfrm>
+            <a:off x="145000" y="595535"/>
+            <a:ext cx="8911687" cy="1280890"/>
+          </a:xfrm>
+        </p:spPr>
+        <p:txBody>
+          <a:bodyPr/>
+          <a:lstStyle/>
+          <a:p>
+            <a:pPr algn="ctr"/>
+            <a:r>
+              <a:rPr lang="en-US" dirty="0" smtClean="0">
+                <a:latin typeface="+mn-lt"/>
+              </a:rPr>
+              <a:t>Algorithm</a:t>
+            </a:r>
+            <a:endParaRPr lang="en-US" dirty="0">
+              <a:latin typeface="+mn-lt"/>
+            </a:endParaRPr>
+          </a:p>
+        </p:txBody>
+      </p:sp>
+      <p:sp>
+        <p:nvSpPr>
+          <p:cNvPr id="3" name="Content Placeholder 2"/>
+          <p:cNvSpPr>
+            <a:spLocks noGrp="1"/>
+          </p:cNvSpPr>
+          <p:nvPr>
+            <p:ph idx="1"/>
+          </p:nvPr>
+        </p:nvSpPr>
+        <p:spPr>
+          <a:xfrm>
+            <a:off x="2735263" y="2066925"/>
+            <a:ext cx="9075737" cy="4457700"/>
+          </a:xfrm>
+        </p:spPr>
+        <p:txBody>
+          <a:bodyPr>
+            <a:normAutofit lnSpcReduction="10000"/>
+          </a:bodyPr>
+          <a:lstStyle/>
+          <a:p>
+            <a:r>
+              <a:rPr lang="en-US" dirty="0" smtClean="0"/>
+              <a:t>Step_1) Start</a:t>
+            </a:r>
+          </a:p>
+          <a:p>
+            <a:r>
+              <a:rPr lang="en-US" dirty="0" smtClean="0"/>
+              <a:t>Step_2) Input Number</a:t>
+            </a:r>
+          </a:p>
+          <a:p>
+            <a:r>
+              <a:rPr lang="en-US" dirty="0" smtClean="0"/>
+              <a:t>Step_3) set, i = 2 and count = 0</a:t>
+            </a:r>
+          </a:p>
+          <a:p>
+            <a:r>
+              <a:rPr lang="en-US" dirty="0" smtClean="0"/>
+              <a:t>Step_4) </a:t>
+            </a:r>
+            <a:r>
+              <a:rPr lang="en-US" dirty="0" smtClean="0">
+                <a:cs typeface="Arial" panose="020B0604020202020204" pitchFamily="34" charset="0"/>
+              </a:rPr>
+              <a:t>Is i &lt; number</a:t>
+            </a:r>
+            <a:endParaRPr lang="en-US" dirty="0">
+              <a:cs typeface="Arial" panose="020B0604020202020204" pitchFamily="34" charset="0"/>
+            </a:endParaRPr>
+          </a:p>
+          <a:p>
+            <a:pPr marL="0" indent="0">
+              <a:buNone/>
+            </a:pPr>
+            <a:r>
+              <a:rPr lang="en-US" dirty="0">
+                <a:cs typeface="Arial" panose="020B0604020202020204" pitchFamily="34" charset="0"/>
+              </a:rPr>
+              <a:t>          </a:t>
+            </a:r>
+            <a:r>
+              <a:rPr lang="en-US" dirty="0" smtClean="0">
+                <a:cs typeface="Arial" panose="020B0604020202020204" pitchFamily="34" charset="0"/>
+              </a:rPr>
+              <a:t>i) Yes, go </a:t>
+            </a:r>
+            <a:r>
+              <a:rPr lang="en-US" dirty="0">
+                <a:cs typeface="Arial" panose="020B0604020202020204" pitchFamily="34" charset="0"/>
+              </a:rPr>
+              <a:t>to step 5</a:t>
+            </a:r>
+          </a:p>
+          <a:p>
+            <a:pPr marL="0" indent="0">
+              <a:buNone/>
+            </a:pPr>
+            <a:r>
+              <a:rPr lang="en-US" dirty="0">
+                <a:cs typeface="Arial" panose="020B0604020202020204" pitchFamily="34" charset="0"/>
+              </a:rPr>
+              <a:t>          </a:t>
+            </a:r>
+            <a:r>
+              <a:rPr lang="en-US" dirty="0" smtClean="0">
+                <a:cs typeface="Arial" panose="020B0604020202020204" pitchFamily="34" charset="0"/>
+              </a:rPr>
+              <a:t>ii) No, go </a:t>
+            </a:r>
+            <a:r>
+              <a:rPr lang="en-US" dirty="0">
+                <a:cs typeface="Arial" panose="020B0604020202020204" pitchFamily="34" charset="0"/>
+              </a:rPr>
+              <a:t>to step 4</a:t>
+            </a:r>
+          </a:p>
+          <a:p>
+            <a:r>
+              <a:rPr lang="en-US" dirty="0" smtClean="0"/>
+              <a:t>Step_5) </a:t>
+            </a:r>
+            <a:r>
+              <a:rPr lang="en-US" dirty="0" smtClean="0">
+                <a:cs typeface="Arial" panose="020B0604020202020204" pitchFamily="34" charset="0"/>
+              </a:rPr>
+              <a:t>Is number mod </a:t>
+            </a:r>
+            <a:r>
+              <a:rPr lang="en-US" dirty="0">
+                <a:cs typeface="Arial" panose="020B0604020202020204" pitchFamily="34" charset="0"/>
+              </a:rPr>
+              <a:t>i</a:t>
+            </a:r>
+            <a:r>
+              <a:rPr lang="en-US" dirty="0" smtClean="0">
+                <a:cs typeface="Arial" panose="020B0604020202020204" pitchFamily="34" charset="0"/>
+              </a:rPr>
+              <a:t> is 0</a:t>
+            </a:r>
+            <a:endParaRPr lang="en-US" dirty="0">
+              <a:cs typeface="Arial" panose="020B0604020202020204" pitchFamily="34" charset="0"/>
+            </a:endParaRPr>
+          </a:p>
+          <a:p>
+            <a:pPr marL="0" indent="0">
+              <a:buNone/>
+            </a:pPr>
+            <a:r>
+              <a:rPr lang="en-US" dirty="0">
+                <a:cs typeface="Arial" panose="020B0604020202020204" pitchFamily="34" charset="0"/>
+              </a:rPr>
+              <a:t>          i</a:t>
+            </a:r>
+            <a:r>
+              <a:rPr lang="en-US" dirty="0" smtClean="0">
+                <a:cs typeface="Arial" panose="020B0604020202020204" pitchFamily="34" charset="0"/>
+              </a:rPr>
+              <a:t>) Yes, count</a:t>
+            </a:r>
+            <a:r>
+              <a:rPr lang="en-US" dirty="0">
+                <a:cs typeface="Arial" panose="020B0604020202020204" pitchFamily="34" charset="0"/>
+              </a:rPr>
+              <a:t>++,go to step 5</a:t>
+            </a:r>
+          </a:p>
+          <a:p>
+            <a:pPr marL="0" indent="0">
+              <a:buNone/>
+            </a:pPr>
+            <a:r>
+              <a:rPr lang="en-US" dirty="0">
+                <a:cs typeface="Arial" panose="020B0604020202020204" pitchFamily="34" charset="0"/>
+              </a:rPr>
+              <a:t>          ii</a:t>
+            </a:r>
+            <a:r>
+              <a:rPr lang="en-US" dirty="0" smtClean="0">
+                <a:cs typeface="Arial" panose="020B0604020202020204" pitchFamily="34" charset="0"/>
+              </a:rPr>
+              <a:t>) No, go </a:t>
+            </a:r>
+            <a:r>
+              <a:rPr lang="en-US" dirty="0">
+                <a:cs typeface="Arial" panose="020B0604020202020204" pitchFamily="34" charset="0"/>
+              </a:rPr>
+              <a:t>to step 4</a:t>
+            </a:r>
+          </a:p>
+          <a:p>
+            <a:r>
+              <a:rPr lang="en-US" dirty="0" smtClean="0"/>
+              <a:t>Step_6) </a:t>
+            </a:r>
+            <a:r>
+              <a:rPr lang="en-US" dirty="0" smtClean="0">
+                <a:cs typeface="Arial" panose="020B0604020202020204" pitchFamily="34" charset="0"/>
+              </a:rPr>
+              <a:t>Is </a:t>
+            </a:r>
+            <a:r>
+              <a:rPr lang="en-US" dirty="0">
+                <a:cs typeface="Arial" panose="020B0604020202020204" pitchFamily="34" charset="0"/>
+              </a:rPr>
+              <a:t>(count==0)</a:t>
+            </a:r>
+          </a:p>
+          <a:p>
+            <a:pPr marL="0" indent="0">
+              <a:buNone/>
+            </a:pPr>
+            <a:r>
+              <a:rPr lang="en-US" dirty="0">
+                <a:cs typeface="Arial" panose="020B0604020202020204" pitchFamily="34" charset="0"/>
+              </a:rPr>
+              <a:t>          i</a:t>
+            </a:r>
+            <a:r>
+              <a:rPr lang="en-US" dirty="0" smtClean="0">
+                <a:cs typeface="Arial" panose="020B0604020202020204" pitchFamily="34" charset="0"/>
+              </a:rPr>
+              <a:t>) Yes, print </a:t>
+            </a:r>
+            <a:r>
+              <a:rPr lang="en-US" dirty="0">
+                <a:cs typeface="Arial" panose="020B0604020202020204" pitchFamily="34" charset="0"/>
+              </a:rPr>
+              <a:t>the number is prime</a:t>
+            </a:r>
+          </a:p>
+          <a:p>
+            <a:pPr marL="0" indent="0">
+              <a:buNone/>
+            </a:pPr>
+            <a:r>
+              <a:rPr lang="en-US" dirty="0">
+                <a:cs typeface="Arial" panose="020B0604020202020204" pitchFamily="34" charset="0"/>
+              </a:rPr>
+              <a:t>          </a:t>
+            </a:r>
+            <a:r>
+              <a:rPr lang="en-US" dirty="0" smtClean="0">
+                <a:cs typeface="Arial" panose="020B0604020202020204" pitchFamily="34" charset="0"/>
+              </a:rPr>
+              <a:t>ii) No, print </a:t>
+            </a:r>
+            <a:r>
+              <a:rPr lang="en-US" dirty="0">
+                <a:cs typeface="Arial" panose="020B0604020202020204" pitchFamily="34" charset="0"/>
+              </a:rPr>
+              <a:t>the number is not prime </a:t>
+            </a:r>
+          </a:p>
+          <a:p>
+            <a:pPr marL="0" indent="0">
+              <a:buNone/>
+            </a:pPr>
+            <a:endParaRPr lang="en-US" dirty="0"/>
+          </a:p>
+        </p:txBody>
+      </p:sp>
+      <p:sp>
+        <p:nvSpPr>
+          <p:cNvPr id="4" name="Rectangle 3"/>
+          <p:cNvSpPr/>
+          <p:nvPr/>
+        </p:nvSpPr>
+        <p:spPr>
+          <a:xfrm>
+            <a:off x="8624375" y="2066925"/>
+            <a:ext cx="45719" cy="3924300"/>
+          </a:xfrm>
+          <a:prstGeom prst="rect">
+            <a:avLst/>
+          </a:prstGeom>
+        </p:spPr>
+        <p:style>
+          <a:lnRef idx="2">
+            <a:schemeClr val="accent1">
+              <a:shade val="50000"/>
+            </a:schemeClr>
+          </a:lnRef>
+          <a:fillRef idx="1">
+            <a:schemeClr val="accent1"/>
+          </a:fillRef>
+          <a:effectRef idx="0">
+            <a:schemeClr val="accent1"/>
+          </a:effectRef>
+          <a:fontRef idx="minor">
+            <a:schemeClr val="lt1"/>
+          </a:fontRef>
+        </p:style>
+        <p:txBody>
+          <a:bodyPr rtlCol="0" anchor="ctr"/>
+          <a:lstStyle/>
+          <a:p>
+            <a:pPr algn="ctr"/>
+            <a:endParaRPr lang="en-US"/>
+          </a:p>
+        </p:txBody>
+      </p:sp>
+    </p:spTree>
+    <p:extLst>
+      <p:ext uri="{BB962C8B-B14F-4D97-AF65-F5344CB8AC3E}">
+        <p14:creationId xmlns:p14="http://schemas.microsoft.com/office/powerpoint/2010/main" val="3313239169"/>
+      </p:ext>
+    </p:extLst>
+  </p:cSld>
+  <p:clrMapOvr>
+    <a:masterClrMapping/>
+  </p:clrMapOvr>
+  <p:timing>
+    <p:tnLst>
+      <p:par>
+        <p:cTn id="1" dur="indefinite" restart="never" nodeType="tmRoot">
+          <p:childTnLst>
+            <p:seq concurrent="1" nextAc="seek">
+              <p:cTn id="2" dur="indefinite" nodeType="mainSeq">
+                <p:childTnLst>
+                  <p:par>
+                    <p:cTn id="3" fill="hold">
+                      <p:stCondLst>
+                        <p:cond delay="indefinite"/>
+                      </p:stCondLst>
+                      <p:childTnLst>
+                        <p:par>
+                          <p:cTn id="4" fill="hold">
+                            <p:stCondLst>
+                              <p:cond delay="0"/>
+                            </p:stCondLst>
+                            <p:childTnLst>
+                              <p:par>
+                                <p:cTn id="5" presetID="10" presetClass="entr" presetSubtype="0" fill="hold" grpId="0" nodeType="clickEffect">
+                                  <p:stCondLst>
+                                    <p:cond delay="0"/>
+                                  </p:stCondLst>
+                                  <p:childTnLst>
+                                    <p:set>
+                                      <p:cBhvr>
+                                        <p:cTn id="6" dur="1" fill="hold">
+                                          <p:stCondLst>
+                                            <p:cond delay="0"/>
+                                          </p:stCondLst>
+                                        </p:cTn>
+                                        <p:tgtEl>
+                                          <p:spTgt spid="2"/>
+                                        </p:tgtEl>
+                                        <p:attrNameLst>
+                                          <p:attrName>style.visibility</p:attrName>
+                                        </p:attrNameLst>
+                                      </p:cBhvr>
+                                      <p:to>
+                                        <p:strVal val="visible"/>
+                                      </p:to>
+                                    </p:set>
+                                    <p:animEffect transition="in" filter="fade">
+                                      <p:cBhvr>
+                                        <p:cTn id="7" dur="500"/>
+                                        <p:tgtEl>
+                                          <p:spTgt spid="2"/>
+                                        </p:tgtEl>
+                                      </p:cBhvr>
+                                    </p:animEffect>
+                                  </p:childTnLst>
+                                </p:cTn>
+                              </p:par>
+                            </p:childTnLst>
+                          </p:cTn>
+                        </p:par>
+                      </p:childTnLst>
+                    </p:cTn>
+                  </p:par>
+                  <p:par>
+                    <p:cTn id="8" fill="hold">
+                      <p:stCondLst>
+                        <p:cond delay="indefinite"/>
+                      </p:stCondLst>
+                      <p:childTnLst>
+                        <p:par>
+                          <p:cTn id="9" fill="hold">
+                            <p:stCondLst>
+                              <p:cond delay="0"/>
+                            </p:stCondLst>
+                            <p:childTnLst>
+                              <p:par>
+                                <p:cTn id="10" presetID="10" presetClass="entr" presetSubtype="0" fill="hold" nodeType="clickEffect">
+                                  <p:stCondLst>
+                                    <p:cond delay="0"/>
+                                  </p:stCondLst>
+                                  <p:childTnLst>
+                                    <p:set>
+                                      <p:cBhvr>
+                                        <p:cTn id="11" dur="1" fill="hold">
+                                          <p:stCondLst>
+                                            <p:cond delay="0"/>
+                                          </p:stCondLst>
+                                        </p:cTn>
+                                        <p:tgtEl>
+                                          <p:spTgt spid="3">
+                                            <p:txEl>
+                                              <p:pRg st="0" end="0"/>
+                                            </p:txEl>
+                                          </p:spTgt>
+                                        </p:tgtEl>
+                                        <p:attrNameLst>
+                                          <p:attrName>style.visibility</p:attrName>
+                                        </p:attrNameLst>
+                                      </p:cBhvr>
+                                      <p:to>
+                                        <p:strVal val="visible"/>
+                                      </p:to>
+                                    </p:set>
+                                    <p:animEffect transition="in" filter="fade">
+                                      <p:cBhvr>
+                                        <p:cTn id="12" dur="500"/>
+                                        <p:tgtEl>
+                                          <p:spTgt spid="3">
+                                            <p:txEl>
+                                              <p:pRg st="0" end="0"/>
+                                            </p:txEl>
+                                          </p:spTgt>
+                                        </p:tgtEl>
+                                      </p:cBhvr>
+                                    </p:animEffect>
+                                  </p:childTnLst>
+                                </p:cTn>
+                              </p:par>
+                            </p:childTnLst>
+                          </p:cTn>
+                        </p:par>
+                      </p:childTnLst>
+                    </p:cTn>
+                  </p:par>
+                  <p:par>
+                    <p:cTn id="13" fill="hold">
+                      <p:stCondLst>
+                        <p:cond delay="indefinite"/>
+                      </p:stCondLst>
+                      <p:childTnLst>
+                        <p:par>
+                          <p:cTn id="14" fill="hold">
+                            <p:stCondLst>
+                              <p:cond delay="0"/>
+                            </p:stCondLst>
+                            <p:childTnLst>
+                              <p:par>
+                                <p:cTn id="15" presetID="10" presetClass="entr" presetSubtype="0" fill="hold" nodeType="clickEffect">
+                                  <p:stCondLst>
+                                    <p:cond delay="0"/>
+                                  </p:stCondLst>
+                                  <p:childTnLst>
+                                    <p:set>
+                                      <p:cBhvr>
+                                        <p:cTn id="16" dur="1" fill="hold">
+                                          <p:stCondLst>
+                                            <p:cond delay="0"/>
+                                          </p:stCondLst>
+                                        </p:cTn>
+                                        <p:tgtEl>
+                                          <p:spTgt spid="3">
+                                            <p:txEl>
+                                              <p:pRg st="1" end="1"/>
+                                            </p:txEl>
+                                          </p:spTgt>
+                                        </p:tgtEl>
+                                        <p:attrNameLst>
+                                          <p:attrName>style.visibility</p:attrName>
+                                        </p:attrNameLst>
+                                      </p:cBhvr>
+                                      <p:to>
+                                        <p:strVal val="visible"/>
+                                      </p:to>
+                                    </p:set>
+                                    <p:animEffect transition="in" filter="fade">
+                                      <p:cBhvr>
+                                        <p:cTn id="17" dur="500"/>
+                                        <p:tgtEl>
+                                          <p:spTgt spid="3">
+                                            <p:txEl>
+                                              <p:pRg st="1" end="1"/>
+                                            </p:txEl>
+                                          </p:spTgt>
+                                        </p:tgtEl>
+                                      </p:cBhvr>
+                                    </p:animEffect>
+                                  </p:childTnLst>
+                                </p:cTn>
+                              </p:par>
+                            </p:childTnLst>
+                          </p:cTn>
+                        </p:par>
+                      </p:childTnLst>
+                    </p:cTn>
+                  </p:par>
+                  <p:par>
+                    <p:cTn id="18" fill="hold">
+                      <p:stCondLst>
+                        <p:cond delay="indefinite"/>
+                      </p:stCondLst>
+                      <p:childTnLst>
+                        <p:par>
+                          <p:cTn id="19" fill="hold">
+                            <p:stCondLst>
+                              <p:cond delay="0"/>
+                            </p:stCondLst>
+                            <p:childTnLst>
+                              <p:par>
+                                <p:cTn id="20" presetID="10" presetClass="entr" presetSubtype="0" fill="hold" nodeType="clickEffect">
+                                  <p:stCondLst>
+                                    <p:cond delay="0"/>
+                                  </p:stCondLst>
+                                  <p:childTnLst>
+                                    <p:set>
+                                      <p:cBhvr>
+                                        <p:cTn id="21" dur="1" fill="hold">
+                                          <p:stCondLst>
+                                            <p:cond delay="0"/>
+                                          </p:stCondLst>
+                                        </p:cTn>
+                                        <p:tgtEl>
+                                          <p:spTgt spid="3">
+                                            <p:txEl>
+                                              <p:pRg st="2" end="2"/>
+                                            </p:txEl>
+                                          </p:spTgt>
+                                        </p:tgtEl>
+                                        <p:attrNameLst>
+                                          <p:attrName>style.visibility</p:attrName>
+                                        </p:attrNameLst>
+                                      </p:cBhvr>
+                                      <p:to>
+                                        <p:strVal val="visible"/>
+                                      </p:to>
+                                    </p:set>
+                                    <p:animEffect transition="in" filter="fade">
+                                      <p:cBhvr>
+                                        <p:cTn id="22" dur="500"/>
+                                        <p:tgtEl>
+                                          <p:spTgt spid="3">
+                                            <p:txEl>
+                                              <p:pRg st="2" end="2"/>
+                                            </p:txEl>
+                                          </p:spTgt>
+                                        </p:tgtEl>
+                                      </p:cBhvr>
+                                    </p:animEffect>
+                                  </p:childTnLst>
+                                </p:cTn>
+                              </p:par>
+                            </p:childTnLst>
+                          </p:cTn>
+                        </p:par>
+                      </p:childTnLst>
+                    </p:cTn>
+                  </p:par>
+                  <p:par>
+                    <p:cTn id="23" fill="hold">
+                      <p:stCondLst>
+                        <p:cond delay="indefinite"/>
+                      </p:stCondLst>
+                      <p:childTnLst>
+                        <p:par>
+                          <p:cTn id="24" fill="hold">
+                            <p:stCondLst>
+                              <p:cond delay="0"/>
+                            </p:stCondLst>
+                            <p:childTnLst>
+                              <p:par>
+                                <p:cTn id="25" presetID="10" presetClass="entr" presetSubtype="0" fill="hold" nodeType="clickEffect">
+                                  <p:stCondLst>
+                                    <p:cond delay="0"/>
+                                  </p:stCondLst>
+                                  <p:childTnLst>
+                                    <p:set>
+                                      <p:cBhvr>
+                                        <p:cTn id="26" dur="1" fill="hold">
+                                          <p:stCondLst>
+                                            <p:cond delay="0"/>
+                                          </p:stCondLst>
+                                        </p:cTn>
+                                        <p:tgtEl>
+                                          <p:spTgt spid="3">
+                                            <p:txEl>
+                                              <p:pRg st="3" end="3"/>
+                                            </p:txEl>
+                                          </p:spTgt>
+                                        </p:tgtEl>
+                                        <p:attrNameLst>
+                                          <p:attrName>style.visibility</p:attrName>
+                                        </p:attrNameLst>
+                                      </p:cBhvr>
+                                      <p:to>
+                                        <p:strVal val="visible"/>
+                                      </p:to>
+                                    </p:set>
+                                    <p:animEffect transition="in" filter="fade">
+                                      <p:cBhvr>
+                                        <p:cTn id="27" dur="500"/>
+                                        <p:tgtEl>
+                                          <p:spTgt spid="3">
+                                            <p:txEl>
+                                              <p:pRg st="3" end="3"/>
+                                            </p:txEl>
+                                          </p:spTgt>
+                                        </p:tgtEl>
+                                      </p:cBhvr>
+                                    </p:animEffect>
+                                  </p:childTnLst>
+                                </p:cTn>
+                              </p:par>
+                            </p:childTnLst>
+                          </p:cTn>
+                        </p:par>
+                      </p:childTnLst>
+                    </p:cTn>
+                  </p:par>
+                  <p:par>
+                    <p:cTn id="28" fill="hold">
+                      <p:stCondLst>
+                        <p:cond delay="indefinite"/>
+                      </p:stCondLst>
+                      <p:childTnLst>
+                        <p:par>
+                          <p:cTn id="29" fill="hold">
+                            <p:stCondLst>
+                              <p:cond delay="0"/>
+                            </p:stCondLst>
+                            <p:childTnLst>
+                              <p:par>
+                                <p:cTn id="30" presetID="10" presetClass="entr" presetSubtype="0" fill="hold" nodeType="clickEffect">
+                                  <p:stCondLst>
+                                    <p:cond delay="0"/>
+                                  </p:stCondLst>
+                                  <p:childTnLst>
+                                    <p:set>
+                                      <p:cBhvr>
+                                        <p:cTn id="31" dur="1" fill="hold">
+                                          <p:stCondLst>
+                                            <p:cond delay="0"/>
+                                          </p:stCondLst>
+                                        </p:cTn>
+                                        <p:tgtEl>
+                                          <p:spTgt spid="3">
+                                            <p:txEl>
+                                              <p:pRg st="4" end="4"/>
+                                            </p:txEl>
+                                          </p:spTgt>
+                                        </p:tgtEl>
+                                        <p:attrNameLst>
+                                          <p:attrName>style.visibility</p:attrName>
+                                        </p:attrNameLst>
+                                      </p:cBhvr>
+                                      <p:to>
+                                        <p:strVal val="visible"/>
+                                      </p:to>
+                                    </p:set>
+                                    <p:animEffect transition="in" filter="fade">
+                                      <p:cBhvr>
+                                        <p:cTn id="32" dur="500"/>
+                                        <p:tgtEl>
+                                          <p:spTgt spid="3">
+                                            <p:txEl>
+                                              <p:pRg st="4" end="4"/>
+                                            </p:txEl>
+                                          </p:spTgt>
+                                        </p:tgtEl>
+                                      </p:cBhvr>
+                                    </p:animEffect>
+                                  </p:childTnLst>
+                                </p:cTn>
+                              </p:par>
+                            </p:childTnLst>
+                          </p:cTn>
+                        </p:par>
+                      </p:childTnLst>
+                    </p:cTn>
+                  </p:par>
+                  <p:par>
+                    <p:cTn id="33" fill="hold">
+                      <p:stCondLst>
+                        <p:cond delay="indefinite"/>
+                      </p:stCondLst>
+                      <p:childTnLst>
+                        <p:par>
+                          <p:cTn id="34" fill="hold">
+                            <p:stCondLst>
+                              <p:cond delay="0"/>
+                            </p:stCondLst>
+                            <p:childTnLst>
+                              <p:par>
+                                <p:cTn id="35" presetID="10" presetClass="entr" presetSubtype="0" fill="hold" nodeType="clickEffect">
+                                  <p:stCondLst>
+                                    <p:cond delay="0"/>
+                                  </p:stCondLst>
+                                  <p:childTnLst>
+                                    <p:set>
+                                      <p:cBhvr>
+                                        <p:cTn id="36" dur="1" fill="hold">
+                                          <p:stCondLst>
+                                            <p:cond delay="0"/>
+                                          </p:stCondLst>
+                                        </p:cTn>
+                                        <p:tgtEl>
+                                          <p:spTgt spid="3">
+                                            <p:txEl>
+                                              <p:pRg st="5" end="5"/>
+                                            </p:txEl>
+                                          </p:spTgt>
+                                        </p:tgtEl>
+                                        <p:attrNameLst>
+                                          <p:attrName>style.visibility</p:attrName>
+                                        </p:attrNameLst>
+                                      </p:cBhvr>
+                                      <p:to>
+                                        <p:strVal val="visible"/>
+                                      </p:to>
+                                    </p:set>
+                                    <p:animEffect transition="in" filter="fade">
+                                      <p:cBhvr>
+                                        <p:cTn id="37" dur="500"/>
+                                        <p:tgtEl>
+                                          <p:spTgt spid="3">
+                                            <p:txEl>
+                                              <p:pRg st="5" end="5"/>
+                                            </p:txEl>
+                                          </p:spTgt>
+                                        </p:tgtEl>
+                                      </p:cBhvr>
+                                    </p:animEffect>
+                                  </p:childTnLst>
+                                </p:cTn>
+                              </p:par>
+                            </p:childTnLst>
+                          </p:cTn>
+                        </p:par>
+                      </p:childTnLst>
+                    </p:cTn>
+                  </p:par>
+                  <p:par>
+                    <p:cTn id="38" fill="hold">
+                      <p:stCondLst>
+                        <p:cond delay="indefinite"/>
+                      </p:stCondLst>
+                      <p:childTnLst>
+                        <p:par>
+                          <p:cTn id="39" fill="hold">
+                            <p:stCondLst>
+                              <p:cond delay="0"/>
+                            </p:stCondLst>
+                            <p:childTnLst>
+                              <p:par>
+                                <p:cTn id="40" presetID="10" presetClass="entr" presetSubtype="0" fill="hold" nodeType="clickEffect">
+                                  <p:stCondLst>
+                                    <p:cond delay="0"/>
+                                  </p:stCondLst>
+                                  <p:childTnLst>
+                                    <p:set>
+                                      <p:cBhvr>
+                                        <p:cTn id="41" dur="1" fill="hold">
+                                          <p:stCondLst>
+                                            <p:cond delay="0"/>
+                                          </p:stCondLst>
+                                        </p:cTn>
+                                        <p:tgtEl>
+                                          <p:spTgt spid="3">
+                                            <p:txEl>
+                                              <p:pRg st="6" end="6"/>
+                                            </p:txEl>
+                                          </p:spTgt>
+                                        </p:tgtEl>
+                                        <p:attrNameLst>
+                                          <p:attrName>style.visibility</p:attrName>
+                                        </p:attrNameLst>
+                                      </p:cBhvr>
+                                      <p:to>
+                                        <p:strVal val="visible"/>
+                                      </p:to>
+                                    </p:set>
+                                    <p:animEffect transition="in" filter="fade">
+                                      <p:cBhvr>
+                                        <p:cTn id="42" dur="500"/>
+                                        <p:tgtEl>
+                                          <p:spTgt spid="3">
+                                            <p:txEl>
+                                              <p:pRg st="6" end="6"/>
+                                            </p:txEl>
+                                          </p:spTgt>
+                                        </p:tgtEl>
+                                      </p:cBhvr>
+                                    </p:animEffect>
+                                  </p:childTnLst>
+                                </p:cTn>
+                              </p:par>
+                            </p:childTnLst>
+                          </p:cTn>
+                        </p:par>
+                      </p:childTnLst>
+                    </p:cTn>
+                  </p:par>
+                  <p:par>
+                    <p:cTn id="43" fill="hold">
+                      <p:stCondLst>
+                        <p:cond delay="indefinite"/>
+                      </p:stCondLst>
+                      <p:childTnLst>
+                        <p:par>
+                          <p:cTn id="44" fill="hold">
+                            <p:stCondLst>
+                              <p:cond delay="0"/>
+                            </p:stCondLst>
+                            <p:childTnLst>
+                              <p:par>
+                                <p:cTn id="45" presetID="10" presetClass="entr" presetSubtype="0" fill="hold" nodeType="clickEffect">
+                                  <p:stCondLst>
+                                    <p:cond delay="0"/>
+                                  </p:stCondLst>
+                                  <p:childTnLst>
+                                    <p:set>
+                                      <p:cBhvr>
+                                        <p:cTn id="46" dur="1" fill="hold">
+                                          <p:stCondLst>
+                                            <p:cond delay="0"/>
+                                          </p:stCondLst>
+                                        </p:cTn>
+                                        <p:tgtEl>
+                                          <p:spTgt spid="3">
+                                            <p:txEl>
+                                              <p:pRg st="7" end="7"/>
+                                            </p:txEl>
+                                          </p:spTgt>
+                                        </p:tgtEl>
+                                        <p:attrNameLst>
+                                          <p:attrName>style.visibility</p:attrName>
+                                        </p:attrNameLst>
+                                      </p:cBhvr>
+                                      <p:to>
+                                        <p:strVal val="visible"/>
+                                      </p:to>
+                                    </p:set>
+                                    <p:animEffect transition="in" filter="fade">
+                                      <p:cBhvr>
+                                        <p:cTn id="47" dur="500"/>
+                                        <p:tgtEl>
+                                          <p:spTgt spid="3">
+                                            <p:txEl>
+                                              <p:pRg st="7" end="7"/>
+                                            </p:txEl>
+                                          </p:spTgt>
+                                        </p:tgtEl>
+                                      </p:cBhvr>
+                                    </p:animEffect>
+                                  </p:childTnLst>
+                                </p:cTn>
+                              </p:par>
+                            </p:childTnLst>
+                          </p:cTn>
+                        </p:par>
+                      </p:childTnLst>
+                    </p:cTn>
+                  </p:par>
+                  <p:par>
+                    <p:cTn id="48" fill="hold">
+                      <p:stCondLst>
+                        <p:cond delay="indefinite"/>
+                      </p:stCondLst>
+                      <p:childTnLst>
+                        <p:par>
+                          <p:cTn id="49" fill="hold">
+                            <p:stCondLst>
+                              <p:cond delay="0"/>
+                            </p:stCondLst>
+                            <p:childTnLst>
+                              <p:par>
+                                <p:cTn id="50" presetID="10" presetClass="entr" presetSubtype="0" fill="hold" nodeType="clickEffect">
+                                  <p:stCondLst>
+                                    <p:cond delay="0"/>
+                                  </p:stCondLst>
+                                  <p:childTnLst>
+                                    <p:set>
+                                      <p:cBhvr>
+                                        <p:cTn id="51" dur="1" fill="hold">
+                                          <p:stCondLst>
+                                            <p:cond delay="0"/>
+                                          </p:stCondLst>
+                                        </p:cTn>
+                                        <p:tgtEl>
+                                          <p:spTgt spid="3">
+                                            <p:txEl>
+                                              <p:pRg st="8" end="8"/>
+                                            </p:txEl>
+                                          </p:spTgt>
+                                        </p:tgtEl>
+                                        <p:attrNameLst>
+                                          <p:attrName>style.visibility</p:attrName>
+                                        </p:attrNameLst>
+                                      </p:cBhvr>
+                                      <p:to>
+                                        <p:strVal val="visible"/>
+                                      </p:to>
+                                    </p:set>
+                                    <p:animEffect transition="in" filter="fade">
+                                      <p:cBhvr>
+                                        <p:cTn id="52" dur="500"/>
+                                        <p:tgtEl>
+                                          <p:spTgt spid="3">
+                                            <p:txEl>
+                                              <p:pRg st="8" end="8"/>
+                                            </p:txEl>
+                                          </p:spTgt>
+                                        </p:tgtEl>
+                                      </p:cBhvr>
+                                    </p:animEffect>
+                                  </p:childTnLst>
+                                </p:cTn>
+                              </p:par>
+                            </p:childTnLst>
+                          </p:cTn>
+                        </p:par>
+                      </p:childTnLst>
+                    </p:cTn>
+                  </p:par>
+                  <p:par>
+                    <p:cTn id="53" fill="hold">
+                      <p:stCondLst>
+                        <p:cond delay="indefinite"/>
+                      </p:stCondLst>
+                      <p:childTnLst>
+                        <p:par>
+                          <p:cTn id="54" fill="hold">
+                            <p:stCondLst>
+                              <p:cond delay="0"/>
+                            </p:stCondLst>
+                            <p:childTnLst>
+                              <p:par>
+                                <p:cTn id="55" presetID="10" presetClass="entr" presetSubtype="0" fill="hold" nodeType="clickEffect">
+                                  <p:stCondLst>
+                                    <p:cond delay="0"/>
+                                  </p:stCondLst>
+                                  <p:childTnLst>
+                                    <p:set>
+                                      <p:cBhvr>
+                                        <p:cTn id="56" dur="1" fill="hold">
+                                          <p:stCondLst>
+                                            <p:cond delay="0"/>
+                                          </p:stCondLst>
+                                        </p:cTn>
+                                        <p:tgtEl>
+                                          <p:spTgt spid="3">
+                                            <p:txEl>
+                                              <p:pRg st="9" end="9"/>
+                                            </p:txEl>
+                                          </p:spTgt>
+                                        </p:tgtEl>
+                                        <p:attrNameLst>
+                                          <p:attrName>style.visibility</p:attrName>
+                                        </p:attrNameLst>
+                                      </p:cBhvr>
+                                      <p:to>
+                                        <p:strVal val="visible"/>
+                                      </p:to>
+                                    </p:set>
+                                    <p:animEffect transition="in" filter="fade">
+                                      <p:cBhvr>
+                                        <p:cTn id="57" dur="500"/>
+                                        <p:tgtEl>
+                                          <p:spTgt spid="3">
+                                            <p:txEl>
+                                              <p:pRg st="9" end="9"/>
+                                            </p:txEl>
+                                          </p:spTgt>
+                                        </p:tgtEl>
+                                      </p:cBhvr>
+                                    </p:animEffect>
+                                  </p:childTnLst>
+                                </p:cTn>
+                              </p:par>
+                            </p:childTnLst>
+                          </p:cTn>
+                        </p:par>
+                      </p:childTnLst>
+                    </p:cTn>
+                  </p:par>
+                  <p:par>
+                    <p:cTn id="58" fill="hold">
+                      <p:stCondLst>
+                        <p:cond delay="indefinite"/>
+                      </p:stCondLst>
+                      <p:childTnLst>
+                        <p:par>
+                          <p:cTn id="59" fill="hold">
+                            <p:stCondLst>
+                              <p:cond delay="0"/>
+                            </p:stCondLst>
+                            <p:childTnLst>
+                              <p:par>
+                                <p:cTn id="60" presetID="10" presetClass="entr" presetSubtype="0" fill="hold" nodeType="clickEffect">
+                                  <p:stCondLst>
+                                    <p:cond delay="0"/>
+                                  </p:stCondLst>
+                                  <p:childTnLst>
+                                    <p:set>
+                                      <p:cBhvr>
+                                        <p:cTn id="61" dur="1" fill="hold">
+                                          <p:stCondLst>
+                                            <p:cond delay="0"/>
+                                          </p:stCondLst>
+                                        </p:cTn>
+                                        <p:tgtEl>
+                                          <p:spTgt spid="3">
+                                            <p:txEl>
+                                              <p:pRg st="10" end="10"/>
+                                            </p:txEl>
+                                          </p:spTgt>
+                                        </p:tgtEl>
+                                        <p:attrNameLst>
+                                          <p:attrName>style.visibility</p:attrName>
+                                        </p:attrNameLst>
+                                      </p:cBhvr>
+                                      <p:to>
+                                        <p:strVal val="visible"/>
+                                      </p:to>
+                                    </p:set>
+                                    <p:animEffect transition="in" filter="fade">
+                                      <p:cBhvr>
+                                        <p:cTn id="62" dur="500"/>
+                                        <p:tgtEl>
+                                          <p:spTgt spid="3">
+                                            <p:txEl>
+                                              <p:pRg st="10" end="10"/>
+                                            </p:txEl>
+                                          </p:spTgt>
+                                        </p:tgtEl>
+                                      </p:cBhvr>
+                                    </p:animEffect>
+                                  </p:childTnLst>
+                                </p:cTn>
+                              </p:par>
+                            </p:childTnLst>
+                          </p:cTn>
+                        </p:par>
+                      </p:childTnLst>
+                    </p:cTn>
+                  </p:par>
+                  <p:par>
+                    <p:cTn id="63" fill="hold">
+                      <p:stCondLst>
+                        <p:cond delay="indefinite"/>
+                      </p:stCondLst>
+                      <p:childTnLst>
+                        <p:par>
+                          <p:cTn id="64" fill="hold">
+                            <p:stCondLst>
+                              <p:cond delay="0"/>
+                            </p:stCondLst>
+                            <p:childTnLst>
+                              <p:par>
+                                <p:cTn id="65" presetID="10" presetClass="entr" presetSubtype="0" fill="hold" nodeType="clickEffect">
+                                  <p:stCondLst>
+                                    <p:cond delay="0"/>
+                                  </p:stCondLst>
+                                  <p:childTnLst>
+                                    <p:set>
+                                      <p:cBhvr>
+                                        <p:cTn id="66" dur="1" fill="hold">
+                                          <p:stCondLst>
+                                            <p:cond delay="0"/>
+                                          </p:stCondLst>
+                                        </p:cTn>
+                                        <p:tgtEl>
+                                          <p:spTgt spid="3">
+                                            <p:txEl>
+                                              <p:pRg st="11" end="11"/>
+                                            </p:txEl>
+                                          </p:spTgt>
+                                        </p:tgtEl>
+                                        <p:attrNameLst>
+                                          <p:attrName>style.visibility</p:attrName>
+                                        </p:attrNameLst>
+                                      </p:cBhvr>
+                                      <p:to>
+                                        <p:strVal val="visible"/>
+                                      </p:to>
+                                    </p:set>
+                                    <p:animEffect transition="in" filter="fade">
+                                      <p:cBhvr>
+                                        <p:cTn id="67" dur="500"/>
+                                        <p:tgtEl>
+                                          <p:spTgt spid="3">
+                                            <p:txEl>
+                                              <p:pRg st="11" end="11"/>
+                                            </p:txEl>
+                                          </p:spTgt>
+                                        </p:tgtEl>
+                                      </p:cBhvr>
+                                    </p:animEffect>
+                                  </p:childTnLst>
+                                </p:cTn>
+                              </p:par>
+                            </p:childTnLst>
+                          </p:cTn>
+                        </p:par>
+                      </p:childTnLst>
+                    </p:cTn>
+                  </p:par>
+                </p:childTnLst>
+              </p:cTn>
+              <p:prevCondLst>
+                <p:cond evt="onPrev" delay="0">
+                  <p:tgtEl>
+                    <p:sldTgt/>
+                  </p:tgtEl>
+                </p:cond>
+              </p:prevCondLst>
+              <p:nextCondLst>
+                <p:cond evt="onNext" delay="0">
+                  <p:tgtEl>
+                    <p:sldTgt/>
+                  </p:tgtEl>
+                </p:cond>
+              </p:nextCondLst>
+            </p:seq>
+          </p:childTnLst>
+        </p:cTn>
+      </p:par>
+    </p:tnLst>
+    <p:bldLst>
+      <p:bldP spid="2" grpId="0"/>
+    </p:bldLst>
+  </p:timing>
+</p:sld>
+</file>
+
+<file path=ppt/slides/slide7.xml><?xml version="1.0" encoding="utf-8"?>
+<p:sld xmlns:a="http://schemas.openxmlformats.org/drawingml/2006/main" xmlns:r="http://schemas.openxmlformats.org/officeDocument/2006/relationships" xmlns:p="http://schemas.openxmlformats.org/presentationml/2006/main">
+  <p:cSld>
+    <p:spTree>
+      <p:nvGrpSpPr>
+        <p:cNvPr id="1" name=""/>
+        <p:cNvGrpSpPr/>
+        <p:nvPr/>
+      </p:nvGrpSpPr>
+      <p:grpSpPr>
+        <a:xfrm>
+          <a:off x="0" y="0"/>
+          <a:ext cx="0" cy="0"/>
+          <a:chOff x="0" y="0"/>
+          <a:chExt cx="0" cy="0"/>
+        </a:xfrm>
+      </p:grpSpPr>
+      <p:sp>
+        <p:nvSpPr>
+          <p:cNvPr id="2" name="Rectangle 1"/>
+          <p:cNvSpPr/>
+          <p:nvPr/>
+        </p:nvSpPr>
+        <p:spPr>
+          <a:xfrm>
+            <a:off x="2990850" y="774196"/>
+            <a:ext cx="6096000" cy="5909310"/>
+          </a:xfrm>
+          <a:prstGeom prst="rect">
+            <a:avLst/>
+          </a:prstGeom>
+        </p:spPr>
+        <p:txBody>
+          <a:bodyPr wrap="square">
+            <a:spAutoFit/>
+          </a:bodyPr>
+          <a:lstStyle/>
+          <a:p>
+            <a:r>
+              <a:rPr lang="en-US" dirty="0" smtClean="0">
+                <a:solidFill>
+                  <a:schemeClr val="tx2"/>
+                </a:solidFill>
+                <a:latin typeface="Arial" panose="020B0604020202020204" pitchFamily="34" charset="0"/>
+                <a:cs typeface="Arial" panose="020B0604020202020204" pitchFamily="34" charset="0"/>
+              </a:rPr>
+              <a:t>#</a:t>
+            </a:r>
+            <a:r>
+              <a:rPr lang="en-US" dirty="0">
+                <a:solidFill>
+                  <a:schemeClr val="tx2"/>
+                </a:solidFill>
+                <a:latin typeface="Arial" panose="020B0604020202020204" pitchFamily="34" charset="0"/>
+                <a:cs typeface="Arial" panose="020B0604020202020204" pitchFamily="34" charset="0"/>
+              </a:rPr>
+              <a:t>include&lt;</a:t>
+            </a:r>
+            <a:r>
+              <a:rPr lang="en-US" dirty="0" err="1">
+                <a:solidFill>
+                  <a:schemeClr val="tx2"/>
+                </a:solidFill>
+                <a:latin typeface="Arial" panose="020B0604020202020204" pitchFamily="34" charset="0"/>
+                <a:cs typeface="Arial" panose="020B0604020202020204" pitchFamily="34" charset="0"/>
+              </a:rPr>
+              <a:t>stdio.h</a:t>
+            </a:r>
+            <a:r>
+              <a:rPr lang="en-US" dirty="0">
+                <a:solidFill>
+                  <a:schemeClr val="tx2"/>
+                </a:solidFill>
+                <a:latin typeface="Arial" panose="020B0604020202020204" pitchFamily="34" charset="0"/>
+                <a:cs typeface="Arial" panose="020B0604020202020204" pitchFamily="34" charset="0"/>
+              </a:rPr>
+              <a:t>&gt;</a:t>
+            </a:r>
+          </a:p>
+          <a:p>
+            <a:r>
+              <a:rPr lang="en-US" dirty="0">
+                <a:solidFill>
+                  <a:schemeClr val="tx2"/>
+                </a:solidFill>
+                <a:latin typeface="Arial" panose="020B0604020202020204" pitchFamily="34" charset="0"/>
+                <a:cs typeface="Arial" panose="020B0604020202020204" pitchFamily="34" charset="0"/>
+              </a:rPr>
+              <a:t>void main()</a:t>
+            </a:r>
+          </a:p>
+          <a:p>
+            <a:r>
+              <a:rPr lang="en-US" dirty="0">
+                <a:solidFill>
+                  <a:schemeClr val="tx2"/>
+                </a:solidFill>
+                <a:latin typeface="Arial" panose="020B0604020202020204" pitchFamily="34" charset="0"/>
+                <a:cs typeface="Arial" panose="020B0604020202020204" pitchFamily="34" charset="0"/>
+              </a:rPr>
+              <a:t>{</a:t>
+            </a:r>
+          </a:p>
+          <a:p>
+            <a:r>
+              <a:rPr lang="en-US" dirty="0">
+                <a:solidFill>
+                  <a:schemeClr val="tx2"/>
+                </a:solidFill>
+                <a:latin typeface="Arial" panose="020B0604020202020204" pitchFamily="34" charset="0"/>
+                <a:cs typeface="Arial" panose="020B0604020202020204" pitchFamily="34" charset="0"/>
+              </a:rPr>
+              <a:t>    int i,n,count;</a:t>
+            </a:r>
+          </a:p>
+          <a:p>
+            <a:r>
+              <a:rPr lang="en-US" dirty="0">
+                <a:solidFill>
+                  <a:schemeClr val="tx2"/>
+                </a:solidFill>
+                <a:latin typeface="Arial" panose="020B0604020202020204" pitchFamily="34" charset="0"/>
+                <a:cs typeface="Arial" panose="020B0604020202020204" pitchFamily="34" charset="0"/>
+              </a:rPr>
+              <a:t>    count=0;</a:t>
+            </a:r>
+          </a:p>
+          <a:p>
+            <a:r>
+              <a:rPr lang="en-US" dirty="0">
+                <a:solidFill>
+                  <a:schemeClr val="tx2"/>
+                </a:solidFill>
+                <a:latin typeface="Arial" panose="020B0604020202020204" pitchFamily="34" charset="0"/>
+                <a:cs typeface="Arial" panose="020B0604020202020204" pitchFamily="34" charset="0"/>
+              </a:rPr>
+              <a:t>    printf("Enter any number= ");</a:t>
+            </a:r>
+          </a:p>
+          <a:p>
+            <a:r>
+              <a:rPr lang="en-US" dirty="0">
+                <a:solidFill>
+                  <a:schemeClr val="tx2"/>
+                </a:solidFill>
+                <a:latin typeface="Arial" panose="020B0604020202020204" pitchFamily="34" charset="0"/>
+                <a:cs typeface="Arial" panose="020B0604020202020204" pitchFamily="34" charset="0"/>
+              </a:rPr>
+              <a:t>    scanf("%d",&amp;n);</a:t>
+            </a:r>
+          </a:p>
+          <a:p>
+            <a:endParaRPr lang="en-US" dirty="0">
+              <a:solidFill>
+                <a:schemeClr val="tx2"/>
+              </a:solidFill>
+              <a:latin typeface="Arial" panose="020B0604020202020204" pitchFamily="34" charset="0"/>
+              <a:cs typeface="Arial" panose="020B0604020202020204" pitchFamily="34" charset="0"/>
+            </a:endParaRPr>
+          </a:p>
+          <a:p>
+            <a:r>
+              <a:rPr lang="en-US" dirty="0">
+                <a:solidFill>
+                  <a:schemeClr val="tx2"/>
+                </a:solidFill>
+                <a:latin typeface="Arial" panose="020B0604020202020204" pitchFamily="34" charset="0"/>
+                <a:cs typeface="Arial" panose="020B0604020202020204" pitchFamily="34" charset="0"/>
+              </a:rPr>
+              <a:t>    </a:t>
+            </a:r>
+            <a:r>
+              <a:rPr lang="en-US" dirty="0" smtClean="0">
+                <a:solidFill>
+                  <a:schemeClr val="tx2"/>
+                </a:solidFill>
+                <a:latin typeface="Arial" panose="020B0604020202020204" pitchFamily="34" charset="0"/>
+                <a:cs typeface="Arial" panose="020B0604020202020204" pitchFamily="34" charset="0"/>
+              </a:rPr>
+              <a:t>for(i=2; i &lt;n ; i</a:t>
+            </a:r>
+            <a:r>
+              <a:rPr lang="en-US" dirty="0">
+                <a:solidFill>
+                  <a:schemeClr val="tx2"/>
+                </a:solidFill>
+                <a:latin typeface="Arial" panose="020B0604020202020204" pitchFamily="34" charset="0"/>
+                <a:cs typeface="Arial" panose="020B0604020202020204" pitchFamily="34" charset="0"/>
+              </a:rPr>
+              <a:t>++);</a:t>
+            </a:r>
+          </a:p>
+          <a:p>
+            <a:r>
+              <a:rPr lang="en-US" dirty="0">
+                <a:solidFill>
+                  <a:schemeClr val="tx2"/>
+                </a:solidFill>
+                <a:latin typeface="Arial" panose="020B0604020202020204" pitchFamily="34" charset="0"/>
+                <a:cs typeface="Arial" panose="020B0604020202020204" pitchFamily="34" charset="0"/>
+              </a:rPr>
+              <a:t>     {</a:t>
+            </a:r>
+          </a:p>
+          <a:p>
+            <a:r>
+              <a:rPr lang="en-US" dirty="0">
+                <a:solidFill>
+                  <a:schemeClr val="tx2"/>
+                </a:solidFill>
+                <a:latin typeface="Arial" panose="020B0604020202020204" pitchFamily="34" charset="0"/>
+                <a:cs typeface="Arial" panose="020B0604020202020204" pitchFamily="34" charset="0"/>
+              </a:rPr>
+              <a:t>        </a:t>
+            </a:r>
+            <a:r>
+              <a:rPr lang="en-US" dirty="0" smtClean="0">
+                <a:solidFill>
+                  <a:schemeClr val="tx2"/>
+                </a:solidFill>
+                <a:latin typeface="Arial" panose="020B0604020202020204" pitchFamily="34" charset="0"/>
+                <a:cs typeface="Arial" panose="020B0604020202020204" pitchFamily="34" charset="0"/>
+              </a:rPr>
+              <a:t>if(n % i</a:t>
+            </a:r>
+            <a:r>
+              <a:rPr lang="en-US" dirty="0">
+                <a:solidFill>
+                  <a:schemeClr val="tx2"/>
+                </a:solidFill>
+                <a:latin typeface="Arial" panose="020B0604020202020204" pitchFamily="34" charset="0"/>
+                <a:cs typeface="Arial" panose="020B0604020202020204" pitchFamily="34" charset="0"/>
+              </a:rPr>
+              <a:t>==0)</a:t>
+            </a:r>
+          </a:p>
+          <a:p>
+            <a:r>
+              <a:rPr lang="en-US" dirty="0">
+                <a:solidFill>
+                  <a:schemeClr val="tx2"/>
+                </a:solidFill>
+                <a:latin typeface="Arial" panose="020B0604020202020204" pitchFamily="34" charset="0"/>
+                <a:cs typeface="Arial" panose="020B0604020202020204" pitchFamily="34" charset="0"/>
+              </a:rPr>
+              <a:t>        {</a:t>
+            </a:r>
+          </a:p>
+          <a:p>
+            <a:r>
+              <a:rPr lang="en-US" dirty="0">
+                <a:solidFill>
+                  <a:schemeClr val="tx2"/>
+                </a:solidFill>
+                <a:latin typeface="Arial" panose="020B0604020202020204" pitchFamily="34" charset="0"/>
+                <a:cs typeface="Arial" panose="020B0604020202020204" pitchFamily="34" charset="0"/>
+              </a:rPr>
+              <a:t>            count++;</a:t>
+            </a:r>
+          </a:p>
+          <a:p>
+            <a:r>
+              <a:rPr lang="en-US" dirty="0">
+                <a:solidFill>
+                  <a:schemeClr val="tx2"/>
+                </a:solidFill>
+                <a:latin typeface="Arial" panose="020B0604020202020204" pitchFamily="34" charset="0"/>
+                <a:cs typeface="Arial" panose="020B0604020202020204" pitchFamily="34" charset="0"/>
+              </a:rPr>
+              <a:t>            break;</a:t>
+            </a:r>
+          </a:p>
+          <a:p>
+            <a:r>
+              <a:rPr lang="en-US" dirty="0">
+                <a:solidFill>
+                  <a:schemeClr val="tx2"/>
+                </a:solidFill>
+                <a:latin typeface="Arial" panose="020B0604020202020204" pitchFamily="34" charset="0"/>
+                <a:cs typeface="Arial" panose="020B0604020202020204" pitchFamily="34" charset="0"/>
+              </a:rPr>
+              <a:t>        }</a:t>
+            </a:r>
+          </a:p>
+          <a:p>
+            <a:r>
+              <a:rPr lang="en-US" dirty="0">
+                <a:solidFill>
+                  <a:schemeClr val="tx2"/>
+                </a:solidFill>
+                <a:latin typeface="Arial" panose="020B0604020202020204" pitchFamily="34" charset="0"/>
+                <a:cs typeface="Arial" panose="020B0604020202020204" pitchFamily="34" charset="0"/>
+              </a:rPr>
+              <a:t>     }</a:t>
+            </a:r>
+          </a:p>
+          <a:p>
+            <a:r>
+              <a:rPr lang="en-US" dirty="0">
+                <a:solidFill>
+                  <a:schemeClr val="tx2"/>
+                </a:solidFill>
+                <a:latin typeface="Arial" panose="020B0604020202020204" pitchFamily="34" charset="0"/>
+                <a:cs typeface="Arial" panose="020B0604020202020204" pitchFamily="34" charset="0"/>
+              </a:rPr>
+              <a:t>    if(count==0)</a:t>
+            </a:r>
+          </a:p>
+          <a:p>
+            <a:r>
+              <a:rPr lang="en-US" dirty="0">
+                <a:solidFill>
+                  <a:schemeClr val="tx2"/>
+                </a:solidFill>
+                <a:latin typeface="Arial" panose="020B0604020202020204" pitchFamily="34" charset="0"/>
+                <a:cs typeface="Arial" panose="020B0604020202020204" pitchFamily="34" charset="0"/>
+              </a:rPr>
+              <a:t>        printf("%d is a Prime Number");</a:t>
+            </a:r>
+          </a:p>
+          <a:p>
+            <a:r>
+              <a:rPr lang="en-US" dirty="0">
+                <a:solidFill>
+                  <a:schemeClr val="tx2"/>
+                </a:solidFill>
+                <a:latin typeface="Arial" panose="020B0604020202020204" pitchFamily="34" charset="0"/>
+                <a:cs typeface="Arial" panose="020B0604020202020204" pitchFamily="34" charset="0"/>
+              </a:rPr>
+              <a:t>    else</a:t>
+            </a:r>
+          </a:p>
+          <a:p>
+            <a:r>
+              <a:rPr lang="en-US" dirty="0">
+                <a:solidFill>
+                  <a:schemeClr val="tx2"/>
+                </a:solidFill>
+                <a:latin typeface="Arial" panose="020B0604020202020204" pitchFamily="34" charset="0"/>
+                <a:cs typeface="Arial" panose="020B0604020202020204" pitchFamily="34" charset="0"/>
+              </a:rPr>
+              <a:t>        printf("%d is Not a Prime Number");</a:t>
+            </a:r>
+          </a:p>
+          <a:p>
+            <a:r>
+              <a:rPr lang="en-US" dirty="0">
+                <a:solidFill>
+                  <a:schemeClr val="tx2"/>
+                </a:solidFill>
+                <a:latin typeface="Arial" panose="020B0604020202020204" pitchFamily="34" charset="0"/>
+                <a:cs typeface="Arial" panose="020B0604020202020204" pitchFamily="34" charset="0"/>
+              </a:rPr>
+              <a:t>}</a:t>
+            </a:r>
+            <a:endParaRPr lang="en-US" dirty="0">
+              <a:solidFill>
+                <a:schemeClr val="tx2"/>
+              </a:solidFill>
+              <a:latin typeface="Arial" panose="020B0604020202020204" pitchFamily="34" charset="0"/>
+              <a:cs typeface="Arial" panose="020B0604020202020204" pitchFamily="34" charset="0"/>
+            </a:endParaRPr>
+          </a:p>
+        </p:txBody>
+      </p:sp>
+      <p:sp>
+        <p:nvSpPr>
+          <p:cNvPr id="5" name="Rectangle 4"/>
+          <p:cNvSpPr/>
+          <p:nvPr/>
+        </p:nvSpPr>
+        <p:spPr>
+          <a:xfrm>
+            <a:off x="8624375" y="1055077"/>
+            <a:ext cx="45719" cy="4936148"/>
+          </a:xfrm>
+          <a:prstGeom prst="rect">
+            <a:avLst/>
+          </a:prstGeom>
+        </p:spPr>
+        <p:style>
+          <a:lnRef idx="2">
+            <a:schemeClr val="accent1">
+              <a:shade val="50000"/>
+            </a:schemeClr>
+          </a:lnRef>
+          <a:fillRef idx="1">
+            <a:schemeClr val="accent1"/>
+          </a:fillRef>
+          <a:effectRef idx="0">
+            <a:schemeClr val="accent1"/>
+          </a:effectRef>
+          <a:fontRef idx="minor">
+            <a:schemeClr val="lt1"/>
+          </a:fontRef>
+        </p:style>
+        <p:txBody>
+          <a:bodyPr rtlCol="0" anchor="ctr"/>
+          <a:lstStyle/>
+          <a:p>
+            <a:pPr algn="ctr"/>
+            <a:endParaRPr lang="en-US"/>
+          </a:p>
+        </p:txBody>
+      </p:sp>
+      <p:sp>
+        <p:nvSpPr>
+          <p:cNvPr id="6" name="Title 1"/>
+          <p:cNvSpPr txBox="1">
+            <a:spLocks/>
+          </p:cNvSpPr>
+          <p:nvPr/>
+        </p:nvSpPr>
+        <p:spPr>
+          <a:xfrm>
+            <a:off x="1207892" y="0"/>
+            <a:ext cx="8911687" cy="1280890"/>
+          </a:xfrm>
+          <a:prstGeom prst="rect">
+            <a:avLst/>
+          </a:prstGeom>
+        </p:spPr>
+        <p:txBody>
+          <a:bodyPr/>
+          <a:lstStyle>
+            <a:lvl1pPr algn="l" defTabSz="457200" rtl="0" eaLnBrk="1" latinLnBrk="0" hangingPunct="1">
+              <a:spcBef>
+                <a:spcPct val="0"/>
+              </a:spcBef>
+              <a:buNone/>
+              <a:defRPr sz="3600" kern="1200">
+                <a:solidFill>
+                  <a:schemeClr val="tx1">
+                    <a:lumMod val="85000"/>
+                    <a:lumOff val="15000"/>
+                  </a:schemeClr>
+                </a:solidFill>
+                <a:latin typeface="+mj-lt"/>
+                <a:ea typeface="+mj-ea"/>
+                <a:cs typeface="+mj-cs"/>
+              </a:defRPr>
+            </a:lvl1pPr>
+            <a:lvl2pPr eaLnBrk="1" hangingPunct="1">
+              <a:defRPr>
+                <a:solidFill>
+                  <a:schemeClr val="tx2"/>
+                </a:solidFill>
+              </a:defRPr>
+            </a:lvl2pPr>
+            <a:lvl3pPr eaLnBrk="1" hangingPunct="1">
+              <a:defRPr>
+                <a:solidFill>
+                  <a:schemeClr val="tx2"/>
+                </a:solidFill>
+              </a:defRPr>
+            </a:lvl3pPr>
+            <a:lvl4pPr eaLnBrk="1" hangingPunct="1">
+              <a:defRPr>
+                <a:solidFill>
+                  <a:schemeClr val="tx2"/>
+                </a:solidFill>
+              </a:defRPr>
+            </a:lvl4pPr>
+            <a:lvl5pPr eaLnBrk="1" hangingPunct="1">
+              <a:defRPr>
+                <a:solidFill>
+                  <a:schemeClr val="tx2"/>
+                </a:solidFill>
+              </a:defRPr>
+            </a:lvl5pPr>
+            <a:lvl6pPr eaLnBrk="1" hangingPunct="1">
+              <a:defRPr>
+                <a:solidFill>
+                  <a:schemeClr val="tx2"/>
+                </a:solidFill>
+              </a:defRPr>
+            </a:lvl6pPr>
+            <a:lvl7pPr eaLnBrk="1" hangingPunct="1">
+              <a:defRPr>
+                <a:solidFill>
+                  <a:schemeClr val="tx2"/>
+                </a:solidFill>
+              </a:defRPr>
+            </a:lvl7pPr>
+            <a:lvl8pPr eaLnBrk="1" hangingPunct="1">
+              <a:defRPr>
+                <a:solidFill>
+                  <a:schemeClr val="tx2"/>
+                </a:solidFill>
+              </a:defRPr>
+            </a:lvl8pPr>
+            <a:lvl9pPr eaLnBrk="1" hangingPunct="1">
+              <a:defRPr>
+                <a:solidFill>
+                  <a:schemeClr val="tx2"/>
+                </a:solidFill>
+              </a:defRPr>
+            </a:lvl9pPr>
+          </a:lstStyle>
+          <a:p>
+            <a:pPr algn="ctr"/>
+            <a:r>
+              <a:rPr lang="en-US" dirty="0" smtClean="0">
+                <a:latin typeface="+mn-lt"/>
+              </a:rPr>
+              <a:t>Code</a:t>
+            </a:r>
+            <a:endParaRPr lang="en-US" dirty="0">
+              <a:latin typeface="+mn-lt"/>
+            </a:endParaRPr>
+          </a:p>
+        </p:txBody>
+      </p:sp>
+    </p:spTree>
+    <p:extLst>
+      <p:ext uri="{BB962C8B-B14F-4D97-AF65-F5344CB8AC3E}">
+        <p14:creationId xmlns:p14="http://schemas.microsoft.com/office/powerpoint/2010/main" val="3321462390"/>
+      </p:ext>
+    </p:extLst>
+  </p:cSld>
+  <p:clrMapOvr>
+    <a:masterClrMapping/>
+  </p:clrMapOvr>
+  <p:timing>
+    <p:tnLst>
+      <p:par>
+        <p:cTn id="1" dur="indefinite" restart="never" nodeType="tmRoot">
+          <p:childTnLst>
+            <p:seq concurrent="1" nextAc="seek">
+              <p:cTn id="2" dur="indefinite" nodeType="mainSeq">
+                <p:childTnLst>
+                  <p:par>
+                    <p:cTn id="3" fill="hold">
+                      <p:stCondLst>
+                        <p:cond delay="indefinite"/>
+                      </p:stCondLst>
+                      <p:childTnLst>
+                        <p:par>
+                          <p:cTn id="4" fill="hold">
+                            <p:stCondLst>
+                              <p:cond delay="0"/>
+                            </p:stCondLst>
+                            <p:childTnLst>
+                              <p:par>
+                                <p:cTn id="5" presetID="10" presetClass="entr" presetSubtype="0" fill="hold" grpId="0" nodeType="clickEffect">
+                                  <p:stCondLst>
+                                    <p:cond delay="0"/>
+                                  </p:stCondLst>
+                                  <p:childTnLst>
+                                    <p:set>
+                                      <p:cBhvr>
+                                        <p:cTn id="6" dur="1" fill="hold">
+                                          <p:stCondLst>
+                                            <p:cond delay="0"/>
+                                          </p:stCondLst>
+                                        </p:cTn>
+                                        <p:tgtEl>
+                                          <p:spTgt spid="6"/>
+                                        </p:tgtEl>
+                                        <p:attrNameLst>
+                                          <p:attrName>style.visibility</p:attrName>
+                                        </p:attrNameLst>
+                                      </p:cBhvr>
+                                      <p:to>
+                                        <p:strVal val="visible"/>
+                                      </p:to>
+                                    </p:set>
+                                    <p:animEffect transition="in" filter="fade">
+                                      <p:cBhvr>
+                                        <p:cTn id="7" dur="500"/>
+                                        <p:tgtEl>
+                                          <p:spTgt spid="6"/>
+                                        </p:tgtEl>
+                                      </p:cBhvr>
+                                    </p:animEffect>
+                                  </p:childTnLst>
+                                </p:cTn>
+                              </p:par>
+                            </p:childTnLst>
+                          </p:cTn>
+                        </p:par>
+                      </p:childTnLst>
+                    </p:cTn>
+                  </p:par>
+                  <p:par>
+                    <p:cTn id="8" fill="hold">
+                      <p:stCondLst>
+                        <p:cond delay="indefinite"/>
+                      </p:stCondLst>
+                      <p:childTnLst>
+                        <p:par>
+                          <p:cTn id="9" fill="hold">
+                            <p:stCondLst>
+                              <p:cond delay="0"/>
+                            </p:stCondLst>
+                            <p:childTnLst>
+                              <p:par>
+                                <p:cTn id="10" presetID="10" presetClass="entr" presetSubtype="0" fill="hold" grpId="0" nodeType="clickEffect">
+                                  <p:stCondLst>
+                                    <p:cond delay="0"/>
+                                  </p:stCondLst>
+                                  <p:childTnLst>
+                                    <p:set>
+                                      <p:cBhvr>
+                                        <p:cTn id="11" dur="1" fill="hold">
+                                          <p:stCondLst>
+                                            <p:cond delay="0"/>
+                                          </p:stCondLst>
+                                        </p:cTn>
+                                        <p:tgtEl>
+                                          <p:spTgt spid="5"/>
+                                        </p:tgtEl>
+                                        <p:attrNameLst>
+                                          <p:attrName>style.visibility</p:attrName>
+                                        </p:attrNameLst>
+                                      </p:cBhvr>
+                                      <p:to>
+                                        <p:strVal val="visible"/>
+                                      </p:to>
+                                    </p:set>
+                                    <p:animEffect transition="in" filter="fade">
+                                      <p:cBhvr>
+                                        <p:cTn id="12" dur="500"/>
+                                        <p:tgtEl>
+                                          <p:spTgt spid="5"/>
+                                        </p:tgtEl>
+                                      </p:cBhvr>
+                                    </p:animEffect>
+                                  </p:childTnLst>
+                                </p:cTn>
+                              </p:par>
+                            </p:childTnLst>
+                          </p:cTn>
+                        </p:par>
+                      </p:childTnLst>
+                    </p:cTn>
+                  </p:par>
+                  <p:par>
+                    <p:cTn id="13" fill="hold">
+                      <p:stCondLst>
+                        <p:cond delay="indefinite"/>
+                      </p:stCondLst>
+                      <p:childTnLst>
+                        <p:par>
+                          <p:cTn id="14" fill="hold">
+                            <p:stCondLst>
+                              <p:cond delay="0"/>
+                            </p:stCondLst>
+                            <p:childTnLst>
+                              <p:par>
+                                <p:cTn id="15" presetID="10" presetClass="entr" presetSubtype="0" fill="hold" grpId="0" nodeType="clickEffect">
+                                  <p:stCondLst>
+                                    <p:cond delay="0"/>
+                                  </p:stCondLst>
+                                  <p:childTnLst>
+                                    <p:set>
+                                      <p:cBhvr>
+                                        <p:cTn id="16" dur="1" fill="hold">
+                                          <p:stCondLst>
+                                            <p:cond delay="0"/>
+                                          </p:stCondLst>
+                                        </p:cTn>
+                                        <p:tgtEl>
+                                          <p:spTgt spid="2"/>
+                                        </p:tgtEl>
+                                        <p:attrNameLst>
+                                          <p:attrName>style.visibility</p:attrName>
+                                        </p:attrNameLst>
+                                      </p:cBhvr>
+                                      <p:to>
+                                        <p:strVal val="visible"/>
+                                      </p:to>
+                                    </p:set>
+                                    <p:animEffect transition="in" filter="fade">
+                                      <p:cBhvr>
+                                        <p:cTn id="17" dur="500"/>
+                                        <p:tgtEl>
+                                          <p:spTgt spid="2"/>
+                                        </p:tgtEl>
+                                      </p:cBhvr>
+                                    </p:animEffect>
+                                  </p:childTnLst>
+                                </p:cTn>
+                              </p:par>
+                            </p:childTnLst>
+                          </p:cTn>
+                        </p:par>
+                      </p:childTnLst>
+                    </p:cTn>
+                  </p:par>
+                </p:childTnLst>
+              </p:cTn>
+              <p:prevCondLst>
+                <p:cond evt="onPrev" delay="0">
+                  <p:tgtEl>
+                    <p:sldTgt/>
+                  </p:tgtEl>
+                </p:cond>
+              </p:prevCondLst>
+              <p:nextCondLst>
+                <p:cond evt="onNext" delay="0">
+                  <p:tgtEl>
+                    <p:sldTgt/>
+                  </p:tgtEl>
+                </p:cond>
+              </p:nextCondLst>
+            </p:seq>
+          </p:childTnLst>
+        </p:cTn>
+      </p:par>
+    </p:tnLst>
+    <p:bldLst>
+      <p:bldP spid="2" grpId="0"/>
+      <p:bldP spid="5" grpId="0" animBg="1"/>
+      <p:bldP spid="6" grpId="0"/>
+    </p:bldLst>
+  </p:timing>
+</p:sld>
+</file>
+
+<file path=ppt/slides/slide8.xml><?xml version="1.0" encoding="utf-8"?>
+<p:sld xmlns:a="http://schemas.openxmlformats.org/drawingml/2006/main" xmlns:r="http://schemas.openxmlformats.org/officeDocument/2006/relationships" xmlns:p="http://schemas.openxmlformats.org/presentationml/2006/main">
+  <p:cSld>
+    <p:spTree>
+      <p:nvGrpSpPr>
+        <p:cNvPr id="1" name=""/>
+        <p:cNvGrpSpPr/>
+        <p:nvPr/>
+      </p:nvGrpSpPr>
+      <p:grpSpPr>
+        <a:xfrm>
+          <a:off x="0" y="0"/>
+          <a:ext cx="0" cy="0"/>
+          <a:chOff x="0" y="0"/>
+          <a:chExt cx="0" cy="0"/>
+        </a:xfrm>
+      </p:grpSpPr>
+      <p:sp>
+        <p:nvSpPr>
+          <p:cNvPr id="2" name="Title 1"/>
+          <p:cNvSpPr>
+            <a:spLocks noGrp="1"/>
+          </p:cNvSpPr>
+          <p:nvPr>
+            <p:ph type="title"/>
+          </p:nvPr>
+        </p:nvSpPr>
+        <p:spPr>
+          <a:xfrm>
+            <a:off x="1754456" y="290735"/>
+            <a:ext cx="8911687" cy="823690"/>
+          </a:xfrm>
+        </p:spPr>
+        <p:txBody>
+          <a:bodyPr/>
+          <a:lstStyle/>
+          <a:p>
+            <a:pPr algn="ctr"/>
+            <a:r>
+              <a:rPr lang="en-US" dirty="0" smtClean="0"/>
+              <a:t>FlowChart</a:t>
+            </a:r>
+            <a:endParaRPr lang="en-US" dirty="0"/>
+          </a:p>
+        </p:txBody>
+      </p:sp>
+      <p:sp>
+        <p:nvSpPr>
+          <p:cNvPr id="11" name="Oval 10"/>
+          <p:cNvSpPr/>
+          <p:nvPr/>
+        </p:nvSpPr>
+        <p:spPr>
+          <a:xfrm>
+            <a:off x="5404341" y="961843"/>
+            <a:ext cx="1524000" cy="685800"/>
+          </a:xfrm>
+          <a:prstGeom prst="ellipse">
+            <a:avLst/>
+          </a:prstGeom>
+          <a:ln>
+            <a:solidFill>
+              <a:schemeClr val="tx1"/>
+            </a:solidFill>
+          </a:ln>
+        </p:spPr>
+        <p:style>
+          <a:lnRef idx="2">
+            <a:schemeClr val="accent3">
+              <a:shade val="50000"/>
+            </a:schemeClr>
+          </a:lnRef>
+          <a:fillRef idx="1">
+            <a:schemeClr val="accent3"/>
+          </a:fillRef>
+          <a:effectRef idx="0">
+            <a:schemeClr val="accent3"/>
+          </a:effectRef>
+          <a:fontRef idx="minor">
+            <a:schemeClr val="lt1"/>
+          </a:fontRef>
+        </p:style>
+        <p:txBody>
+          <a:bodyPr rtlCol="0" anchor="ctr"/>
+          <a:lstStyle/>
+          <a:p>
+            <a:pPr algn="ctr"/>
+            <a:r>
+              <a:rPr lang="en-US" sz="2000" dirty="0" smtClean="0">
+                <a:latin typeface="Arial" panose="020B0604020202020204" pitchFamily="34" charset="0"/>
+                <a:cs typeface="Arial" panose="020B0604020202020204" pitchFamily="34" charset="0"/>
+              </a:rPr>
+              <a:t>Start</a:t>
+            </a:r>
+            <a:endParaRPr lang="en-US" sz="2000" dirty="0">
+              <a:latin typeface="Arial" panose="020B0604020202020204" pitchFamily="34" charset="0"/>
+              <a:cs typeface="Arial" panose="020B0604020202020204" pitchFamily="34" charset="0"/>
+            </a:endParaRPr>
+          </a:p>
+        </p:txBody>
+      </p:sp>
+      <p:sp>
+        <p:nvSpPr>
+          <p:cNvPr id="12" name="Parallelogram 11"/>
+          <p:cNvSpPr/>
+          <p:nvPr/>
+        </p:nvSpPr>
+        <p:spPr>
+          <a:xfrm>
+            <a:off x="4927604" y="2093146"/>
+            <a:ext cx="2362200" cy="381000"/>
+          </a:xfrm>
+          <a:prstGeom prst="parallelogram">
+            <a:avLst/>
+          </a:prstGeom>
+          <a:ln>
+            <a:solidFill>
+              <a:schemeClr val="tx1"/>
+            </a:solidFill>
+          </a:ln>
+        </p:spPr>
+        <p:style>
+          <a:lnRef idx="2">
+            <a:schemeClr val="accent3">
+              <a:shade val="50000"/>
+            </a:schemeClr>
+          </a:lnRef>
+          <a:fillRef idx="1">
+            <a:schemeClr val="accent3"/>
+          </a:fillRef>
+          <a:effectRef idx="0">
+            <a:schemeClr val="accent3"/>
+          </a:effectRef>
+          <a:fontRef idx="minor">
+            <a:schemeClr val="lt1"/>
+          </a:fontRef>
+        </p:style>
+        <p:txBody>
+          <a:bodyPr rtlCol="0" anchor="ctr"/>
+          <a:lstStyle/>
+          <a:p>
+            <a:pPr algn="ctr"/>
+            <a:r>
+              <a:rPr lang="en-US" sz="2000" dirty="0" smtClean="0">
+                <a:latin typeface="Arial" panose="020B0604020202020204" pitchFamily="34" charset="0"/>
+                <a:cs typeface="Arial" panose="020B0604020202020204" pitchFamily="34" charset="0"/>
+              </a:rPr>
+              <a:t>Int num</a:t>
+            </a:r>
+            <a:endParaRPr lang="en-US" sz="2000" dirty="0">
+              <a:latin typeface="Arial" panose="020B0604020202020204" pitchFamily="34" charset="0"/>
+              <a:cs typeface="Arial" panose="020B0604020202020204" pitchFamily="34" charset="0"/>
+            </a:endParaRPr>
+          </a:p>
+        </p:txBody>
+      </p:sp>
+      <p:sp>
+        <p:nvSpPr>
+          <p:cNvPr id="13" name="Rectangle 12"/>
+          <p:cNvSpPr/>
+          <p:nvPr/>
+        </p:nvSpPr>
+        <p:spPr>
+          <a:xfrm>
+            <a:off x="5156204" y="2757688"/>
+            <a:ext cx="1905000" cy="407831"/>
+          </a:xfrm>
+          <a:prstGeom prst="rect">
+            <a:avLst/>
+          </a:prstGeom>
+          <a:ln>
+            <a:solidFill>
+              <a:schemeClr val="tx1"/>
+            </a:solidFill>
+          </a:ln>
+        </p:spPr>
+        <p:style>
+          <a:lnRef idx="2">
+            <a:schemeClr val="accent3">
+              <a:shade val="50000"/>
+            </a:schemeClr>
+          </a:lnRef>
+          <a:fillRef idx="1">
+            <a:schemeClr val="accent3"/>
+          </a:fillRef>
+          <a:effectRef idx="0">
+            <a:schemeClr val="accent3"/>
+          </a:effectRef>
+          <a:fontRef idx="minor">
+            <a:schemeClr val="lt1"/>
+          </a:fontRef>
+        </p:style>
+        <p:txBody>
+          <a:bodyPr rtlCol="0" anchor="ctr"/>
+          <a:lstStyle/>
+          <a:p>
+            <a:pPr algn="ctr"/>
+            <a:r>
+              <a:rPr lang="en-US" sz="2000" dirty="0" smtClean="0">
+                <a:latin typeface="Arial" panose="020B0604020202020204" pitchFamily="34" charset="0"/>
+                <a:cs typeface="Arial" panose="020B0604020202020204" pitchFamily="34" charset="0"/>
+              </a:rPr>
+              <a:t>i=2;count=0</a:t>
+            </a:r>
+            <a:endParaRPr lang="en-US" sz="2000" dirty="0">
+              <a:latin typeface="Arial" panose="020B0604020202020204" pitchFamily="34" charset="0"/>
+              <a:cs typeface="Arial" panose="020B0604020202020204" pitchFamily="34" charset="0"/>
+            </a:endParaRPr>
+          </a:p>
+        </p:txBody>
+      </p:sp>
+      <p:sp>
+        <p:nvSpPr>
+          <p:cNvPr id="14" name="Flowchart: Decision 13"/>
+          <p:cNvSpPr/>
+          <p:nvPr/>
+        </p:nvSpPr>
+        <p:spPr>
+          <a:xfrm>
+            <a:off x="5067491" y="3448306"/>
+            <a:ext cx="2057400" cy="1066800"/>
+          </a:xfrm>
+          <a:prstGeom prst="flowChartDecision">
+            <a:avLst/>
+          </a:prstGeom>
+          <a:ln>
+            <a:solidFill>
+              <a:schemeClr val="tx1"/>
+            </a:solidFill>
+          </a:ln>
+        </p:spPr>
+        <p:style>
+          <a:lnRef idx="2">
+            <a:schemeClr val="accent3">
+              <a:shade val="50000"/>
+            </a:schemeClr>
+          </a:lnRef>
+          <a:fillRef idx="1">
+            <a:schemeClr val="accent3"/>
+          </a:fillRef>
+          <a:effectRef idx="0">
+            <a:schemeClr val="accent3"/>
+          </a:effectRef>
+          <a:fontRef idx="minor">
+            <a:schemeClr val="lt1"/>
+          </a:fontRef>
+        </p:style>
+        <p:txBody>
+          <a:bodyPr rtlCol="0" anchor="ctr"/>
+          <a:lstStyle/>
+          <a:p>
+            <a:pPr algn="ctr"/>
+            <a:r>
+              <a:rPr lang="en-US" sz="2000" dirty="0" smtClean="0">
+                <a:latin typeface="Arial" panose="020B0604020202020204" pitchFamily="34" charset="0"/>
+                <a:cs typeface="Arial" panose="020B0604020202020204" pitchFamily="34" charset="0"/>
+              </a:rPr>
+              <a:t>i &lt; num</a:t>
+            </a:r>
+            <a:endParaRPr lang="en-US" sz="2000" dirty="0">
+              <a:latin typeface="Arial" panose="020B0604020202020204" pitchFamily="34" charset="0"/>
+              <a:cs typeface="Arial" panose="020B0604020202020204" pitchFamily="34" charset="0"/>
+            </a:endParaRPr>
+          </a:p>
+        </p:txBody>
+      </p:sp>
+      <p:cxnSp>
+        <p:nvCxnSpPr>
+          <p:cNvPr id="17" name="Elbow Connector 16"/>
+          <p:cNvCxnSpPr>
+            <a:endCxn id="14" idx="1"/>
+          </p:cNvCxnSpPr>
+          <p:nvPr/>
+        </p:nvCxnSpPr>
+        <p:spPr>
+          <a:xfrm flipV="1">
+            <a:off x="3044241" y="3981706"/>
+            <a:ext cx="2023250" cy="1377782"/>
+          </a:xfrm>
+          <a:prstGeom prst="bentConnector3">
+            <a:avLst>
+              <a:gd name="adj1" fmla="val 50000"/>
+            </a:avLst>
+          </a:prstGeom>
+          <a:ln>
+            <a:tailEnd type="triangle"/>
+          </a:ln>
+        </p:spPr>
+        <p:style>
+          <a:lnRef idx="3">
+            <a:schemeClr val="dk1"/>
+          </a:lnRef>
+          <a:fillRef idx="0">
+            <a:schemeClr val="dk1"/>
+          </a:fillRef>
+          <a:effectRef idx="2">
+            <a:schemeClr val="dk1"/>
+          </a:effectRef>
+          <a:fontRef idx="minor">
+            <a:schemeClr val="tx1"/>
+          </a:fontRef>
+        </p:style>
+      </p:cxnSp>
+      <p:sp>
+        <p:nvSpPr>
+          <p:cNvPr id="18" name="Flowchart: Decision 17"/>
+          <p:cNvSpPr/>
+          <p:nvPr/>
+        </p:nvSpPr>
+        <p:spPr>
+          <a:xfrm>
+            <a:off x="5311226" y="4814283"/>
+            <a:ext cx="1938829" cy="1190223"/>
+          </a:xfrm>
+          <a:prstGeom prst="flowChartDecision">
+            <a:avLst/>
+          </a:prstGeom>
+          <a:ln>
+            <a:solidFill>
+              <a:schemeClr val="tx1"/>
+            </a:solidFill>
+          </a:ln>
+        </p:spPr>
+        <p:style>
+          <a:lnRef idx="2">
+            <a:schemeClr val="accent3">
+              <a:shade val="50000"/>
+            </a:schemeClr>
+          </a:lnRef>
+          <a:fillRef idx="1">
+            <a:schemeClr val="accent3"/>
+          </a:fillRef>
+          <a:effectRef idx="0">
+            <a:schemeClr val="accent3"/>
+          </a:effectRef>
+          <a:fontRef idx="minor">
+            <a:schemeClr val="lt1"/>
+          </a:fontRef>
+        </p:style>
+        <p:txBody>
+          <a:bodyPr rtlCol="0" anchor="ctr"/>
+          <a:lstStyle/>
+          <a:p>
+            <a:pPr algn="ctr"/>
+            <a:r>
+              <a:rPr lang="en-US" sz="2000" dirty="0">
+                <a:latin typeface="Arial" panose="020B0604020202020204" pitchFamily="34" charset="0"/>
+                <a:cs typeface="Arial" panose="020B0604020202020204" pitchFamily="34" charset="0"/>
+              </a:rPr>
+              <a:t>n</a:t>
+            </a:r>
+            <a:r>
+              <a:rPr lang="en-US" sz="2000" dirty="0" smtClean="0">
+                <a:latin typeface="Arial" panose="020B0604020202020204" pitchFamily="34" charset="0"/>
+                <a:cs typeface="Arial" panose="020B0604020202020204" pitchFamily="34" charset="0"/>
+              </a:rPr>
+              <a:t>um%2==0</a:t>
+            </a:r>
+            <a:endParaRPr lang="en-US" sz="2000" dirty="0">
+              <a:latin typeface="Arial" panose="020B0604020202020204" pitchFamily="34" charset="0"/>
+              <a:cs typeface="Arial" panose="020B0604020202020204" pitchFamily="34" charset="0"/>
+            </a:endParaRPr>
+          </a:p>
+        </p:txBody>
+      </p:sp>
+      <p:cxnSp>
+        <p:nvCxnSpPr>
+          <p:cNvPr id="21" name="Straight Arrow Connector 20"/>
+          <p:cNvCxnSpPr/>
+          <p:nvPr/>
+        </p:nvCxnSpPr>
+        <p:spPr>
+          <a:xfrm flipH="1" flipV="1">
+            <a:off x="3541712" y="5425222"/>
+            <a:ext cx="1769514" cy="1"/>
+          </a:xfrm>
+          <a:prstGeom prst="straightConnector1">
+            <a:avLst/>
+          </a:prstGeom>
+          <a:ln>
+            <a:tailEnd type="triangle"/>
+          </a:ln>
+        </p:spPr>
+        <p:style>
+          <a:lnRef idx="2">
+            <a:schemeClr val="dk1"/>
+          </a:lnRef>
+          <a:fillRef idx="0">
+            <a:schemeClr val="dk1"/>
+          </a:fillRef>
+          <a:effectRef idx="1">
+            <a:schemeClr val="dk1"/>
+          </a:effectRef>
+          <a:fontRef idx="minor">
+            <a:schemeClr val="tx1"/>
+          </a:fontRef>
+        </p:style>
+      </p:cxnSp>
+      <p:sp>
+        <p:nvSpPr>
+          <p:cNvPr id="22" name="Rectangle 21"/>
+          <p:cNvSpPr/>
+          <p:nvPr/>
+        </p:nvSpPr>
+        <p:spPr>
+          <a:xfrm>
+            <a:off x="2627312" y="5261287"/>
+            <a:ext cx="914400" cy="296214"/>
+          </a:xfrm>
+          <a:prstGeom prst="rect">
+            <a:avLst/>
+          </a:prstGeom>
+          <a:ln>
+            <a:solidFill>
+              <a:schemeClr val="tx1"/>
+            </a:solidFill>
+          </a:ln>
+        </p:spPr>
+        <p:style>
+          <a:lnRef idx="2">
+            <a:schemeClr val="accent3">
+              <a:shade val="50000"/>
+            </a:schemeClr>
+          </a:lnRef>
+          <a:fillRef idx="1">
+            <a:schemeClr val="accent3"/>
+          </a:fillRef>
+          <a:effectRef idx="0">
+            <a:schemeClr val="accent3"/>
+          </a:effectRef>
+          <a:fontRef idx="minor">
+            <a:schemeClr val="lt1"/>
+          </a:fontRef>
+        </p:style>
+        <p:txBody>
+          <a:bodyPr rtlCol="0" anchor="ctr"/>
+          <a:lstStyle/>
+          <a:p>
+            <a:pPr algn="ctr"/>
+            <a:r>
+              <a:rPr lang="en-US" sz="2000" dirty="0" smtClean="0">
+                <a:latin typeface="Arial" panose="020B0604020202020204" pitchFamily="34" charset="0"/>
+                <a:cs typeface="Arial" panose="020B0604020202020204" pitchFamily="34" charset="0"/>
+              </a:rPr>
+              <a:t>i++</a:t>
+            </a:r>
+            <a:endParaRPr lang="en-US" sz="2000" dirty="0">
+              <a:latin typeface="Arial" panose="020B0604020202020204" pitchFamily="34" charset="0"/>
+              <a:cs typeface="Arial" panose="020B0604020202020204" pitchFamily="34" charset="0"/>
+            </a:endParaRPr>
+          </a:p>
+        </p:txBody>
+      </p:sp>
+      <p:sp>
+        <p:nvSpPr>
+          <p:cNvPr id="23" name="Rectangle 22"/>
+          <p:cNvSpPr/>
+          <p:nvPr/>
+        </p:nvSpPr>
+        <p:spPr>
+          <a:xfrm>
+            <a:off x="6352756" y="5926960"/>
+            <a:ext cx="914400" cy="284411"/>
+          </a:xfrm>
+          <a:prstGeom prst="rect">
+            <a:avLst/>
+          </a:prstGeom>
+          <a:noFill/>
+          <a:ln>
+            <a:noFill/>
+          </a:ln>
+        </p:spPr>
+        <p:style>
+          <a:lnRef idx="1">
+            <a:schemeClr val="accent3"/>
+          </a:lnRef>
+          <a:fillRef idx="2">
+            <a:schemeClr val="accent3"/>
+          </a:fillRef>
+          <a:effectRef idx="1">
+            <a:schemeClr val="accent3"/>
+          </a:effectRef>
+          <a:fontRef idx="minor">
+            <a:schemeClr val="dk1"/>
+          </a:fontRef>
+        </p:style>
+        <p:txBody>
+          <a:bodyPr rtlCol="0" anchor="ctr"/>
+          <a:lstStyle/>
+          <a:p>
+            <a:pPr algn="ctr"/>
+            <a:r>
+              <a:rPr lang="en-US" sz="2000" dirty="0" smtClean="0">
+                <a:latin typeface="Arial" panose="020B0604020202020204" pitchFamily="34" charset="0"/>
+                <a:cs typeface="Arial" panose="020B0604020202020204" pitchFamily="34" charset="0"/>
+              </a:rPr>
+              <a:t>Yes</a:t>
+            </a:r>
+            <a:endParaRPr lang="en-US" sz="2000" dirty="0">
+              <a:latin typeface="Arial" panose="020B0604020202020204" pitchFamily="34" charset="0"/>
+              <a:cs typeface="Arial" panose="020B0604020202020204" pitchFamily="34" charset="0"/>
+            </a:endParaRPr>
+          </a:p>
+        </p:txBody>
+      </p:sp>
+      <p:sp>
+        <p:nvSpPr>
+          <p:cNvPr id="24" name="Down Arrow 23"/>
+          <p:cNvSpPr/>
+          <p:nvPr/>
+        </p:nvSpPr>
+        <p:spPr>
+          <a:xfrm>
+            <a:off x="6185680" y="5967747"/>
+            <a:ext cx="228600" cy="304800"/>
+          </a:xfrm>
+          <a:prstGeom prst="downArrow">
+            <a:avLst/>
+          </a:prstGeom>
+          <a:ln>
+            <a:solidFill>
+              <a:schemeClr val="tx1"/>
+            </a:solidFill>
+          </a:ln>
+        </p:spPr>
+        <p:style>
+          <a:lnRef idx="2">
+            <a:schemeClr val="accent3">
+              <a:shade val="50000"/>
+            </a:schemeClr>
+          </a:lnRef>
+          <a:fillRef idx="1">
+            <a:schemeClr val="accent3"/>
+          </a:fillRef>
+          <a:effectRef idx="0">
+            <a:schemeClr val="accent3"/>
+          </a:effectRef>
+          <a:fontRef idx="minor">
+            <a:schemeClr val="lt1"/>
+          </a:fontRef>
+        </p:style>
+        <p:txBody>
+          <a:bodyPr rtlCol="0" anchor="ctr"/>
+          <a:lstStyle/>
+          <a:p>
+            <a:pPr algn="ctr"/>
+            <a:endParaRPr lang="en-US" sz="2400" dirty="0">
+              <a:latin typeface="Arial" panose="020B0604020202020204" pitchFamily="34" charset="0"/>
+              <a:cs typeface="Arial" panose="020B0604020202020204" pitchFamily="34" charset="0"/>
+            </a:endParaRPr>
+          </a:p>
+        </p:txBody>
+      </p:sp>
+      <p:sp>
+        <p:nvSpPr>
+          <p:cNvPr id="25" name="Rectangle 24"/>
+          <p:cNvSpPr/>
+          <p:nvPr/>
+        </p:nvSpPr>
+        <p:spPr>
+          <a:xfrm>
+            <a:off x="4049654" y="5159869"/>
+            <a:ext cx="914400" cy="298625"/>
+          </a:xfrm>
+          <a:prstGeom prst="rect">
+            <a:avLst/>
+          </a:prstGeom>
+          <a:noFill/>
+          <a:ln>
+            <a:noFill/>
+          </a:ln>
+        </p:spPr>
+        <p:style>
+          <a:lnRef idx="1">
+            <a:schemeClr val="accent3"/>
+          </a:lnRef>
+          <a:fillRef idx="2">
+            <a:schemeClr val="accent3"/>
+          </a:fillRef>
+          <a:effectRef idx="1">
+            <a:schemeClr val="accent3"/>
+          </a:effectRef>
+          <a:fontRef idx="minor">
+            <a:schemeClr val="dk1"/>
+          </a:fontRef>
+        </p:style>
+        <p:txBody>
+          <a:bodyPr rtlCol="0" anchor="ctr"/>
+          <a:lstStyle/>
+          <a:p>
+            <a:pPr algn="ctr"/>
+            <a:r>
+              <a:rPr lang="en-US" sz="2000" dirty="0">
+                <a:latin typeface="Arial" panose="020B0604020202020204" pitchFamily="34" charset="0"/>
+                <a:cs typeface="Arial" panose="020B0604020202020204" pitchFamily="34" charset="0"/>
+              </a:rPr>
+              <a:t>N</a:t>
+            </a:r>
+            <a:r>
+              <a:rPr lang="en-US" sz="2000" dirty="0" smtClean="0">
+                <a:latin typeface="Arial" panose="020B0604020202020204" pitchFamily="34" charset="0"/>
+                <a:cs typeface="Arial" panose="020B0604020202020204" pitchFamily="34" charset="0"/>
+              </a:rPr>
+              <a:t>o</a:t>
+            </a:r>
+            <a:endParaRPr lang="en-US" sz="2000" dirty="0">
+              <a:latin typeface="Arial" panose="020B0604020202020204" pitchFamily="34" charset="0"/>
+              <a:cs typeface="Arial" panose="020B0604020202020204" pitchFamily="34" charset="0"/>
+            </a:endParaRPr>
+          </a:p>
+        </p:txBody>
+      </p:sp>
+      <p:cxnSp>
+        <p:nvCxnSpPr>
+          <p:cNvPr id="26" name="Elbow Connector 25"/>
+          <p:cNvCxnSpPr/>
+          <p:nvPr/>
+        </p:nvCxnSpPr>
+        <p:spPr>
+          <a:xfrm>
+            <a:off x="7291827" y="3976083"/>
+            <a:ext cx="1964885" cy="1183786"/>
+          </a:xfrm>
+          <a:prstGeom prst="bentConnector3">
+            <a:avLst>
+              <a:gd name="adj1" fmla="val 100470"/>
+            </a:avLst>
+          </a:prstGeom>
+          <a:ln/>
+        </p:spPr>
+        <p:style>
+          <a:lnRef idx="2">
+            <a:schemeClr val="dk1"/>
+          </a:lnRef>
+          <a:fillRef idx="0">
+            <a:schemeClr val="dk1"/>
+          </a:fillRef>
+          <a:effectRef idx="1">
+            <a:schemeClr val="dk1"/>
+          </a:effectRef>
+          <a:fontRef idx="minor">
+            <a:schemeClr val="tx1"/>
+          </a:fontRef>
+        </p:style>
+      </p:cxnSp>
+      <p:sp>
+        <p:nvSpPr>
+          <p:cNvPr id="27" name="Flowchart: Decision 26"/>
+          <p:cNvSpPr/>
+          <p:nvPr/>
+        </p:nvSpPr>
+        <p:spPr>
+          <a:xfrm>
+            <a:off x="8290327" y="4838698"/>
+            <a:ext cx="1938829" cy="1190223"/>
+          </a:xfrm>
+          <a:prstGeom prst="flowChartDecision">
+            <a:avLst/>
+          </a:prstGeom>
+          <a:ln>
+            <a:solidFill>
+              <a:schemeClr val="tx1"/>
+            </a:solidFill>
+          </a:ln>
+        </p:spPr>
+        <p:style>
+          <a:lnRef idx="2">
+            <a:schemeClr val="accent3">
+              <a:shade val="50000"/>
+            </a:schemeClr>
+          </a:lnRef>
+          <a:fillRef idx="1">
+            <a:schemeClr val="accent3"/>
+          </a:fillRef>
+          <a:effectRef idx="0">
+            <a:schemeClr val="accent3"/>
+          </a:effectRef>
+          <a:fontRef idx="minor">
+            <a:schemeClr val="lt1"/>
+          </a:fontRef>
+        </p:style>
+        <p:txBody>
+          <a:bodyPr rtlCol="0" anchor="ctr"/>
+          <a:lstStyle/>
+          <a:p>
+            <a:pPr algn="ctr"/>
+            <a:r>
+              <a:rPr lang="en-US" sz="2000" dirty="0" smtClean="0">
+                <a:latin typeface="Arial" panose="020B0604020202020204" pitchFamily="34" charset="0"/>
+                <a:cs typeface="Arial" panose="020B0604020202020204" pitchFamily="34" charset="0"/>
+              </a:rPr>
+              <a:t>Count==0</a:t>
+            </a:r>
+            <a:endParaRPr lang="en-US" sz="2000" dirty="0">
+              <a:latin typeface="Arial" panose="020B0604020202020204" pitchFamily="34" charset="0"/>
+              <a:cs typeface="Arial" panose="020B0604020202020204" pitchFamily="34" charset="0"/>
+            </a:endParaRPr>
+          </a:p>
+        </p:txBody>
+      </p:sp>
+      <p:sp>
+        <p:nvSpPr>
+          <p:cNvPr id="28" name="Rectangle 27"/>
+          <p:cNvSpPr/>
+          <p:nvPr/>
+        </p:nvSpPr>
+        <p:spPr>
+          <a:xfrm>
+            <a:off x="5362156" y="6273620"/>
+            <a:ext cx="1905000" cy="407831"/>
+          </a:xfrm>
+          <a:prstGeom prst="rect">
+            <a:avLst/>
+          </a:prstGeom>
+          <a:ln>
+            <a:solidFill>
+              <a:schemeClr val="tx1"/>
+            </a:solidFill>
+          </a:ln>
+        </p:spPr>
+        <p:style>
+          <a:lnRef idx="2">
+            <a:schemeClr val="accent3">
+              <a:shade val="50000"/>
+            </a:schemeClr>
+          </a:lnRef>
+          <a:fillRef idx="1">
+            <a:schemeClr val="accent3"/>
+          </a:fillRef>
+          <a:effectRef idx="0">
+            <a:schemeClr val="accent3"/>
+          </a:effectRef>
+          <a:fontRef idx="minor">
+            <a:schemeClr val="lt1"/>
+          </a:fontRef>
+        </p:style>
+        <p:txBody>
+          <a:bodyPr rtlCol="0" anchor="ctr"/>
+          <a:lstStyle/>
+          <a:p>
+            <a:pPr algn="ctr"/>
+            <a:r>
+              <a:rPr lang="en-US" sz="2000" dirty="0" smtClean="0">
+                <a:latin typeface="Arial" panose="020B0604020202020204" pitchFamily="34" charset="0"/>
+                <a:cs typeface="Arial" panose="020B0604020202020204" pitchFamily="34" charset="0"/>
+              </a:rPr>
+              <a:t>count++</a:t>
+            </a:r>
+            <a:endParaRPr lang="en-US" sz="2000" dirty="0">
+              <a:latin typeface="Arial" panose="020B0604020202020204" pitchFamily="34" charset="0"/>
+              <a:cs typeface="Arial" panose="020B0604020202020204" pitchFamily="34" charset="0"/>
+            </a:endParaRPr>
+          </a:p>
+        </p:txBody>
+      </p:sp>
+      <p:sp>
+        <p:nvSpPr>
+          <p:cNvPr id="29" name="Parallelogram 28"/>
+          <p:cNvSpPr/>
+          <p:nvPr/>
+        </p:nvSpPr>
+        <p:spPr>
+          <a:xfrm>
+            <a:off x="10704512" y="6028921"/>
+            <a:ext cx="1347788" cy="634825"/>
+          </a:xfrm>
+          <a:prstGeom prst="parallelogram">
+            <a:avLst/>
+          </a:prstGeom>
+          <a:ln>
+            <a:solidFill>
+              <a:schemeClr val="tx1"/>
+            </a:solidFill>
+          </a:ln>
+        </p:spPr>
+        <p:style>
+          <a:lnRef idx="2">
+            <a:schemeClr val="accent3">
+              <a:shade val="50000"/>
+            </a:schemeClr>
+          </a:lnRef>
+          <a:fillRef idx="1">
+            <a:schemeClr val="accent3"/>
+          </a:fillRef>
+          <a:effectRef idx="0">
+            <a:schemeClr val="accent3"/>
+          </a:effectRef>
+          <a:fontRef idx="minor">
+            <a:schemeClr val="lt1"/>
+          </a:fontRef>
+        </p:style>
+        <p:txBody>
+          <a:bodyPr rtlCol="0" anchor="ctr"/>
+          <a:lstStyle/>
+          <a:p>
+            <a:pPr algn="ctr"/>
+            <a:r>
+              <a:rPr lang="en-US" sz="2000" dirty="0" smtClean="0">
+                <a:latin typeface="Arial" panose="020B0604020202020204" pitchFamily="34" charset="0"/>
+                <a:cs typeface="Arial" panose="020B0604020202020204" pitchFamily="34" charset="0"/>
+              </a:rPr>
+              <a:t>Print</a:t>
+            </a:r>
+          </a:p>
+          <a:p>
+            <a:pPr algn="ctr"/>
+            <a:r>
+              <a:rPr lang="en-US" sz="2000" dirty="0" smtClean="0">
+                <a:latin typeface="Arial" panose="020B0604020202020204" pitchFamily="34" charset="0"/>
+                <a:cs typeface="Arial" panose="020B0604020202020204" pitchFamily="34" charset="0"/>
+              </a:rPr>
+              <a:t>prime</a:t>
+            </a:r>
+            <a:endParaRPr lang="en-US" sz="2000" dirty="0">
+              <a:latin typeface="Arial" panose="020B0604020202020204" pitchFamily="34" charset="0"/>
+              <a:cs typeface="Arial" panose="020B0604020202020204" pitchFamily="34" charset="0"/>
+            </a:endParaRPr>
+          </a:p>
+        </p:txBody>
+      </p:sp>
+      <p:sp>
+        <p:nvSpPr>
+          <p:cNvPr id="30" name="Parallelogram 29"/>
+          <p:cNvSpPr/>
+          <p:nvPr/>
+        </p:nvSpPr>
+        <p:spPr>
+          <a:xfrm>
+            <a:off x="7433566" y="6145368"/>
+            <a:ext cx="1474728" cy="576867"/>
+          </a:xfrm>
+          <a:prstGeom prst="parallelogram">
+            <a:avLst/>
+          </a:prstGeom>
+          <a:ln>
+            <a:solidFill>
+              <a:schemeClr val="tx1"/>
+            </a:solidFill>
+          </a:ln>
+        </p:spPr>
+        <p:style>
+          <a:lnRef idx="2">
+            <a:schemeClr val="accent3">
+              <a:shade val="50000"/>
+            </a:schemeClr>
+          </a:lnRef>
+          <a:fillRef idx="1">
+            <a:schemeClr val="accent3"/>
+          </a:fillRef>
+          <a:effectRef idx="0">
+            <a:schemeClr val="accent3"/>
+          </a:effectRef>
+          <a:fontRef idx="minor">
+            <a:schemeClr val="lt1"/>
+          </a:fontRef>
+        </p:style>
+        <p:txBody>
+          <a:bodyPr rtlCol="0" anchor="ctr"/>
+          <a:lstStyle/>
+          <a:p>
+            <a:pPr algn="ctr"/>
+            <a:r>
+              <a:rPr lang="en-US" dirty="0" smtClean="0">
+                <a:latin typeface="Arial" panose="020B0604020202020204" pitchFamily="34" charset="0"/>
+                <a:cs typeface="Arial" panose="020B0604020202020204" pitchFamily="34" charset="0"/>
+              </a:rPr>
+              <a:t>Print not</a:t>
+            </a:r>
+          </a:p>
+          <a:p>
+            <a:pPr algn="ctr"/>
+            <a:r>
+              <a:rPr lang="en-US" dirty="0" smtClean="0">
+                <a:latin typeface="Arial" panose="020B0604020202020204" pitchFamily="34" charset="0"/>
+                <a:cs typeface="Arial" panose="020B0604020202020204" pitchFamily="34" charset="0"/>
+              </a:rPr>
+              <a:t>prime</a:t>
+            </a:r>
+            <a:endParaRPr lang="en-US" dirty="0">
+              <a:latin typeface="Arial" panose="020B0604020202020204" pitchFamily="34" charset="0"/>
+              <a:cs typeface="Arial" panose="020B0604020202020204" pitchFamily="34" charset="0"/>
+            </a:endParaRPr>
+          </a:p>
+        </p:txBody>
+      </p:sp>
+      <p:sp>
+        <p:nvSpPr>
+          <p:cNvPr id="31" name="Rectangle 30"/>
+          <p:cNvSpPr/>
+          <p:nvPr/>
+        </p:nvSpPr>
+        <p:spPr>
+          <a:xfrm>
+            <a:off x="7335893" y="3665653"/>
+            <a:ext cx="914400" cy="298625"/>
+          </a:xfrm>
+          <a:prstGeom prst="rect">
+            <a:avLst/>
+          </a:prstGeom>
+          <a:noFill/>
+          <a:ln>
+            <a:noFill/>
+          </a:ln>
+        </p:spPr>
+        <p:style>
+          <a:lnRef idx="1">
+            <a:schemeClr val="accent3"/>
+          </a:lnRef>
+          <a:fillRef idx="2">
+            <a:schemeClr val="accent3"/>
+          </a:fillRef>
+          <a:effectRef idx="1">
+            <a:schemeClr val="accent3"/>
+          </a:effectRef>
+          <a:fontRef idx="minor">
+            <a:schemeClr val="dk1"/>
+          </a:fontRef>
+        </p:style>
+        <p:txBody>
+          <a:bodyPr rtlCol="0" anchor="ctr"/>
+          <a:lstStyle/>
+          <a:p>
+            <a:pPr algn="ctr"/>
+            <a:r>
+              <a:rPr lang="en-US" sz="2000" dirty="0">
+                <a:latin typeface="Arial" panose="020B0604020202020204" pitchFamily="34" charset="0"/>
+                <a:cs typeface="Arial" panose="020B0604020202020204" pitchFamily="34" charset="0"/>
+              </a:rPr>
+              <a:t>N</a:t>
+            </a:r>
+            <a:r>
+              <a:rPr lang="en-US" sz="2000" dirty="0" smtClean="0">
+                <a:latin typeface="Arial" panose="020B0604020202020204" pitchFamily="34" charset="0"/>
+                <a:cs typeface="Arial" panose="020B0604020202020204" pitchFamily="34" charset="0"/>
+              </a:rPr>
+              <a:t>o</a:t>
+            </a:r>
+            <a:endParaRPr lang="en-US" sz="2000" dirty="0">
+              <a:latin typeface="Arial" panose="020B0604020202020204" pitchFamily="34" charset="0"/>
+              <a:cs typeface="Arial" panose="020B0604020202020204" pitchFamily="34" charset="0"/>
+            </a:endParaRPr>
+          </a:p>
+        </p:txBody>
+      </p:sp>
+      <p:cxnSp>
+        <p:nvCxnSpPr>
+          <p:cNvPr id="32" name="Elbow Connector 31"/>
+          <p:cNvCxnSpPr>
+            <a:stCxn id="27" idx="3"/>
+            <a:endCxn id="29" idx="1"/>
+          </p:cNvCxnSpPr>
+          <p:nvPr/>
+        </p:nvCxnSpPr>
+        <p:spPr>
+          <a:xfrm>
+            <a:off x="10229156" y="5433810"/>
+            <a:ext cx="1228603" cy="595111"/>
+          </a:xfrm>
+          <a:prstGeom prst="bentConnector2">
+            <a:avLst/>
+          </a:prstGeom>
+          <a:ln/>
+        </p:spPr>
+        <p:style>
+          <a:lnRef idx="2">
+            <a:schemeClr val="dk1"/>
+          </a:lnRef>
+          <a:fillRef idx="0">
+            <a:schemeClr val="dk1"/>
+          </a:fillRef>
+          <a:effectRef idx="1">
+            <a:schemeClr val="dk1"/>
+          </a:effectRef>
+          <a:fontRef idx="minor">
+            <a:schemeClr val="tx1"/>
+          </a:fontRef>
+        </p:style>
+      </p:cxnSp>
+      <p:cxnSp>
+        <p:nvCxnSpPr>
+          <p:cNvPr id="33" name="Elbow Connector 32"/>
+          <p:cNvCxnSpPr>
+            <a:stCxn id="27" idx="1"/>
+          </p:cNvCxnSpPr>
+          <p:nvPr/>
+        </p:nvCxnSpPr>
+        <p:spPr>
+          <a:xfrm rot="10800000" flipV="1">
+            <a:off x="7956449" y="5433809"/>
+            <a:ext cx="333878" cy="727117"/>
+          </a:xfrm>
+          <a:prstGeom prst="bentConnector2">
+            <a:avLst/>
+          </a:prstGeom>
+          <a:ln/>
+        </p:spPr>
+        <p:style>
+          <a:lnRef idx="2">
+            <a:schemeClr val="dk1"/>
+          </a:lnRef>
+          <a:fillRef idx="0">
+            <a:schemeClr val="dk1"/>
+          </a:fillRef>
+          <a:effectRef idx="1">
+            <a:schemeClr val="dk1"/>
+          </a:effectRef>
+          <a:fontRef idx="minor">
+            <a:schemeClr val="tx1"/>
+          </a:fontRef>
+        </p:style>
+      </p:cxnSp>
+      <p:sp>
+        <p:nvSpPr>
+          <p:cNvPr id="38" name="Oval 37"/>
+          <p:cNvSpPr/>
+          <p:nvPr/>
+        </p:nvSpPr>
+        <p:spPr>
+          <a:xfrm>
+            <a:off x="9321778" y="6160927"/>
+            <a:ext cx="1028700" cy="400730"/>
+          </a:xfrm>
+          <a:prstGeom prst="ellipse">
+            <a:avLst/>
+          </a:prstGeom>
+          <a:ln>
+            <a:solidFill>
+              <a:schemeClr val="tx1"/>
+            </a:solidFill>
+          </a:ln>
+        </p:spPr>
+        <p:style>
+          <a:lnRef idx="2">
+            <a:schemeClr val="accent3">
+              <a:shade val="50000"/>
+            </a:schemeClr>
+          </a:lnRef>
+          <a:fillRef idx="1">
+            <a:schemeClr val="accent3"/>
+          </a:fillRef>
+          <a:effectRef idx="0">
+            <a:schemeClr val="accent3"/>
+          </a:effectRef>
+          <a:fontRef idx="minor">
+            <a:schemeClr val="lt1"/>
+          </a:fontRef>
+        </p:style>
+        <p:txBody>
+          <a:bodyPr rtlCol="0" anchor="ctr"/>
+          <a:lstStyle/>
+          <a:p>
+            <a:pPr algn="ctr"/>
+            <a:r>
+              <a:rPr lang="en-US" sz="2000" dirty="0" smtClean="0">
+                <a:latin typeface="Arial" panose="020B0604020202020204" pitchFamily="34" charset="0"/>
+                <a:cs typeface="Arial" panose="020B0604020202020204" pitchFamily="34" charset="0"/>
+              </a:rPr>
+              <a:t>end</a:t>
+            </a:r>
+            <a:endParaRPr lang="en-US" sz="2000" dirty="0">
+              <a:latin typeface="Arial" panose="020B0604020202020204" pitchFamily="34" charset="0"/>
+              <a:cs typeface="Arial" panose="020B0604020202020204" pitchFamily="34" charset="0"/>
+            </a:endParaRPr>
+          </a:p>
+        </p:txBody>
+      </p:sp>
+      <p:cxnSp>
+        <p:nvCxnSpPr>
+          <p:cNvPr id="39" name="Elbow Connector 38"/>
+          <p:cNvCxnSpPr/>
+          <p:nvPr/>
+        </p:nvCxnSpPr>
+        <p:spPr>
+          <a:xfrm flipV="1">
+            <a:off x="6978309" y="5296836"/>
+            <a:ext cx="1562779" cy="1001199"/>
+          </a:xfrm>
+          <a:prstGeom prst="bentConnector3">
+            <a:avLst>
+              <a:gd name="adj1" fmla="val 18684"/>
+            </a:avLst>
+          </a:prstGeom>
+          <a:ln/>
+        </p:spPr>
+        <p:style>
+          <a:lnRef idx="2">
+            <a:schemeClr val="dk1"/>
+          </a:lnRef>
+          <a:fillRef idx="0">
+            <a:schemeClr val="dk1"/>
+          </a:fillRef>
+          <a:effectRef idx="1">
+            <a:schemeClr val="dk1"/>
+          </a:effectRef>
+          <a:fontRef idx="minor">
+            <a:schemeClr val="tx1"/>
+          </a:fontRef>
+        </p:style>
+      </p:cxnSp>
+      <p:sp>
+        <p:nvSpPr>
+          <p:cNvPr id="40" name="Right Arrow 39"/>
+          <p:cNvSpPr/>
+          <p:nvPr/>
+        </p:nvSpPr>
+        <p:spPr>
+          <a:xfrm>
+            <a:off x="7463106" y="5133303"/>
+            <a:ext cx="406927" cy="324118"/>
+          </a:xfrm>
+          <a:prstGeom prst="rightArrow">
+            <a:avLst/>
+          </a:prstGeom>
+          <a:ln>
+            <a:solidFill>
+              <a:schemeClr val="tx1"/>
+            </a:solidFill>
+          </a:ln>
+        </p:spPr>
+        <p:style>
+          <a:lnRef idx="2">
+            <a:schemeClr val="accent3">
+              <a:shade val="50000"/>
+            </a:schemeClr>
+          </a:lnRef>
+          <a:fillRef idx="1">
+            <a:schemeClr val="accent3"/>
+          </a:fillRef>
+          <a:effectRef idx="0">
+            <a:schemeClr val="accent3"/>
+          </a:effectRef>
+          <a:fontRef idx="minor">
+            <a:schemeClr val="lt1"/>
+          </a:fontRef>
+        </p:style>
+        <p:txBody>
+          <a:bodyPr rtlCol="0" anchor="ctr"/>
+          <a:lstStyle/>
+          <a:p>
+            <a:pPr algn="ctr"/>
+            <a:endParaRPr lang="en-US" sz="2400" dirty="0">
+              <a:latin typeface="Arial" panose="020B0604020202020204" pitchFamily="34" charset="0"/>
+              <a:cs typeface="Arial" panose="020B0604020202020204" pitchFamily="34" charset="0"/>
+            </a:endParaRPr>
+          </a:p>
+        </p:txBody>
+      </p:sp>
+      <p:sp>
+        <p:nvSpPr>
+          <p:cNvPr id="41" name="Rectangle 40"/>
+          <p:cNvSpPr/>
+          <p:nvPr/>
+        </p:nvSpPr>
+        <p:spPr>
+          <a:xfrm>
+            <a:off x="6246812" y="4338637"/>
+            <a:ext cx="914400" cy="298625"/>
+          </a:xfrm>
+          <a:prstGeom prst="rect">
+            <a:avLst/>
+          </a:prstGeom>
+          <a:noFill/>
+          <a:ln>
+            <a:noFill/>
+          </a:ln>
+        </p:spPr>
+        <p:style>
+          <a:lnRef idx="1">
+            <a:schemeClr val="accent3"/>
+          </a:lnRef>
+          <a:fillRef idx="2">
+            <a:schemeClr val="accent3"/>
+          </a:fillRef>
+          <a:effectRef idx="1">
+            <a:schemeClr val="accent3"/>
+          </a:effectRef>
+          <a:fontRef idx="minor">
+            <a:schemeClr val="dk1"/>
+          </a:fontRef>
+        </p:style>
+        <p:txBody>
+          <a:bodyPr rtlCol="0" anchor="ctr"/>
+          <a:lstStyle/>
+          <a:p>
+            <a:pPr algn="ctr"/>
+            <a:endParaRPr lang="en-US" sz="2000" b="1" dirty="0">
+              <a:latin typeface="Arial" panose="020B0604020202020204" pitchFamily="34" charset="0"/>
+              <a:cs typeface="Arial" panose="020B0604020202020204" pitchFamily="34" charset="0"/>
+            </a:endParaRPr>
+          </a:p>
+          <a:p>
+            <a:pPr algn="ctr"/>
+            <a:r>
+              <a:rPr lang="en-US" sz="2000" dirty="0" smtClean="0">
+                <a:latin typeface="Arial" panose="020B0604020202020204" pitchFamily="34" charset="0"/>
+                <a:cs typeface="Arial" panose="020B0604020202020204" pitchFamily="34" charset="0"/>
+              </a:rPr>
+              <a:t>Yes</a:t>
+            </a:r>
+            <a:endParaRPr lang="en-US" sz="2000" dirty="0">
+              <a:latin typeface="Arial" panose="020B0604020202020204" pitchFamily="34" charset="0"/>
+              <a:cs typeface="Arial" panose="020B0604020202020204" pitchFamily="34" charset="0"/>
+            </a:endParaRPr>
+          </a:p>
+        </p:txBody>
+      </p:sp>
+      <p:sp>
+        <p:nvSpPr>
+          <p:cNvPr id="42" name="Rectangle 41"/>
+          <p:cNvSpPr/>
+          <p:nvPr/>
+        </p:nvSpPr>
+        <p:spPr>
+          <a:xfrm>
+            <a:off x="10053494" y="5140276"/>
+            <a:ext cx="914400" cy="284411"/>
+          </a:xfrm>
+          <a:prstGeom prst="rect">
+            <a:avLst/>
+          </a:prstGeom>
+          <a:noFill/>
+          <a:ln>
+            <a:noFill/>
+          </a:ln>
+        </p:spPr>
+        <p:style>
+          <a:lnRef idx="1">
+            <a:schemeClr val="accent3"/>
+          </a:lnRef>
+          <a:fillRef idx="2">
+            <a:schemeClr val="accent3"/>
+          </a:fillRef>
+          <a:effectRef idx="1">
+            <a:schemeClr val="accent3"/>
+          </a:effectRef>
+          <a:fontRef idx="minor">
+            <a:schemeClr val="dk1"/>
+          </a:fontRef>
+        </p:style>
+        <p:txBody>
+          <a:bodyPr rtlCol="0" anchor="ctr"/>
+          <a:lstStyle/>
+          <a:p>
+            <a:pPr algn="ctr"/>
+            <a:r>
+              <a:rPr lang="en-US" sz="2000" dirty="0" smtClean="0">
+                <a:latin typeface="Arial" panose="020B0604020202020204" pitchFamily="34" charset="0"/>
+                <a:cs typeface="Arial" panose="020B0604020202020204" pitchFamily="34" charset="0"/>
+              </a:rPr>
+              <a:t>Yes</a:t>
+            </a:r>
+            <a:endParaRPr lang="en-US" sz="2000" dirty="0">
+              <a:latin typeface="Arial" panose="020B0604020202020204" pitchFamily="34" charset="0"/>
+              <a:cs typeface="Arial" panose="020B0604020202020204" pitchFamily="34" charset="0"/>
+            </a:endParaRPr>
+          </a:p>
+        </p:txBody>
+      </p:sp>
+      <p:sp>
+        <p:nvSpPr>
+          <p:cNvPr id="43" name="Rectangle 42"/>
+          <p:cNvSpPr/>
+          <p:nvPr/>
+        </p:nvSpPr>
+        <p:spPr>
+          <a:xfrm>
+            <a:off x="7686705" y="5788519"/>
+            <a:ext cx="914400" cy="298625"/>
+          </a:xfrm>
+          <a:prstGeom prst="rect">
+            <a:avLst/>
+          </a:prstGeom>
+          <a:noFill/>
+          <a:ln>
+            <a:noFill/>
+          </a:ln>
+        </p:spPr>
+        <p:style>
+          <a:lnRef idx="1">
+            <a:schemeClr val="accent3"/>
+          </a:lnRef>
+          <a:fillRef idx="2">
+            <a:schemeClr val="accent3"/>
+          </a:fillRef>
+          <a:effectRef idx="1">
+            <a:schemeClr val="accent3"/>
+          </a:effectRef>
+          <a:fontRef idx="minor">
+            <a:schemeClr val="dk1"/>
+          </a:fontRef>
+        </p:style>
+        <p:txBody>
+          <a:bodyPr rtlCol="0" anchor="ctr"/>
+          <a:lstStyle/>
+          <a:p>
+            <a:pPr algn="ctr"/>
+            <a:r>
+              <a:rPr lang="en-US" sz="2000" dirty="0">
+                <a:latin typeface="Arial" panose="020B0604020202020204" pitchFamily="34" charset="0"/>
+                <a:cs typeface="Arial" panose="020B0604020202020204" pitchFamily="34" charset="0"/>
+              </a:rPr>
+              <a:t>N</a:t>
+            </a:r>
+            <a:r>
+              <a:rPr lang="en-US" sz="2000" dirty="0" smtClean="0">
+                <a:latin typeface="Arial" panose="020B0604020202020204" pitchFamily="34" charset="0"/>
+                <a:cs typeface="Arial" panose="020B0604020202020204" pitchFamily="34" charset="0"/>
+              </a:rPr>
+              <a:t>o</a:t>
+            </a:r>
+            <a:endParaRPr lang="en-US" sz="2000" dirty="0">
+              <a:latin typeface="Arial" panose="020B0604020202020204" pitchFamily="34" charset="0"/>
+              <a:cs typeface="Arial" panose="020B0604020202020204" pitchFamily="34" charset="0"/>
+            </a:endParaRPr>
+          </a:p>
+        </p:txBody>
+      </p:sp>
+      <p:cxnSp>
+        <p:nvCxnSpPr>
+          <p:cNvPr id="50" name="Straight Arrow Connector 49"/>
+          <p:cNvCxnSpPr>
+            <a:stCxn id="11" idx="4"/>
+            <a:endCxn id="12" idx="1"/>
+          </p:cNvCxnSpPr>
+          <p:nvPr/>
+        </p:nvCxnSpPr>
+        <p:spPr>
+          <a:xfrm flipH="1">
+            <a:off x="6156329" y="1647643"/>
+            <a:ext cx="10012" cy="445503"/>
+          </a:xfrm>
+          <a:prstGeom prst="straightConnector1">
+            <a:avLst/>
+          </a:prstGeom>
+          <a:ln w="28575">
+            <a:solidFill>
+              <a:schemeClr val="tx1"/>
+            </a:solidFill>
+            <a:tailEnd type="arrow"/>
+          </a:ln>
+        </p:spPr>
+        <p:style>
+          <a:lnRef idx="1">
+            <a:schemeClr val="accent1"/>
+          </a:lnRef>
+          <a:fillRef idx="0">
+            <a:schemeClr val="accent1"/>
+          </a:fillRef>
+          <a:effectRef idx="0">
+            <a:schemeClr val="accent1"/>
+          </a:effectRef>
+          <a:fontRef idx="minor">
+            <a:schemeClr val="tx1"/>
+          </a:fontRef>
+        </p:style>
+      </p:cxnSp>
+      <p:cxnSp>
+        <p:nvCxnSpPr>
+          <p:cNvPr id="68" name="Straight Arrow Connector 67"/>
+          <p:cNvCxnSpPr>
+            <a:stCxn id="12" idx="4"/>
+            <a:endCxn id="13" idx="0"/>
+          </p:cNvCxnSpPr>
+          <p:nvPr/>
+        </p:nvCxnSpPr>
+        <p:spPr>
+          <a:xfrm>
+            <a:off x="6108704" y="2474146"/>
+            <a:ext cx="0" cy="283542"/>
+          </a:xfrm>
+          <a:prstGeom prst="straightConnector1">
+            <a:avLst/>
+          </a:prstGeom>
+          <a:ln w="28575">
+            <a:solidFill>
+              <a:schemeClr val="tx1"/>
+            </a:solidFill>
+            <a:tailEnd type="arrow"/>
+          </a:ln>
+        </p:spPr>
+        <p:style>
+          <a:lnRef idx="1">
+            <a:schemeClr val="accent1"/>
+          </a:lnRef>
+          <a:fillRef idx="0">
+            <a:schemeClr val="accent1"/>
+          </a:fillRef>
+          <a:effectRef idx="0">
+            <a:schemeClr val="accent1"/>
+          </a:effectRef>
+          <a:fontRef idx="minor">
+            <a:schemeClr val="tx1"/>
+          </a:fontRef>
+        </p:style>
+      </p:cxnSp>
+      <p:cxnSp>
+        <p:nvCxnSpPr>
+          <p:cNvPr id="70" name="Straight Arrow Connector 69"/>
+          <p:cNvCxnSpPr>
+            <a:stCxn id="13" idx="2"/>
+            <a:endCxn id="14" idx="0"/>
+          </p:cNvCxnSpPr>
+          <p:nvPr/>
+        </p:nvCxnSpPr>
+        <p:spPr>
+          <a:xfrm flipH="1">
+            <a:off x="6096191" y="3165519"/>
+            <a:ext cx="12513" cy="282787"/>
+          </a:xfrm>
+          <a:prstGeom prst="straightConnector1">
+            <a:avLst/>
+          </a:prstGeom>
+          <a:ln w="28575">
+            <a:solidFill>
+              <a:schemeClr val="tx1"/>
+            </a:solidFill>
+            <a:tailEnd type="arrow"/>
+          </a:ln>
+        </p:spPr>
+        <p:style>
+          <a:lnRef idx="1">
+            <a:schemeClr val="accent1"/>
+          </a:lnRef>
+          <a:fillRef idx="0">
+            <a:schemeClr val="accent1"/>
+          </a:fillRef>
+          <a:effectRef idx="0">
+            <a:schemeClr val="accent1"/>
+          </a:effectRef>
+          <a:fontRef idx="minor">
+            <a:schemeClr val="tx1"/>
+          </a:fontRef>
+        </p:style>
+      </p:cxnSp>
+      <p:cxnSp>
+        <p:nvCxnSpPr>
+          <p:cNvPr id="75" name="Straight Arrow Connector 74"/>
+          <p:cNvCxnSpPr>
+            <a:endCxn id="18" idx="0"/>
+          </p:cNvCxnSpPr>
+          <p:nvPr/>
+        </p:nvCxnSpPr>
+        <p:spPr>
+          <a:xfrm>
+            <a:off x="6114961" y="4516870"/>
+            <a:ext cx="165680" cy="297413"/>
+          </a:xfrm>
+          <a:prstGeom prst="straightConnector1">
+            <a:avLst/>
+          </a:prstGeom>
+          <a:ln w="28575">
+            <a:solidFill>
+              <a:schemeClr val="tx1"/>
+            </a:solidFill>
+            <a:tailEnd type="arrow"/>
+          </a:ln>
+        </p:spPr>
+        <p:style>
+          <a:lnRef idx="1">
+            <a:schemeClr val="accent1"/>
+          </a:lnRef>
+          <a:fillRef idx="0">
+            <a:schemeClr val="accent1"/>
+          </a:fillRef>
+          <a:effectRef idx="0">
+            <a:schemeClr val="accent1"/>
+          </a:effectRef>
+          <a:fontRef idx="minor">
+            <a:schemeClr val="tx1"/>
+          </a:fontRef>
+        </p:style>
+      </p:cxnSp>
+      <p:cxnSp>
+        <p:nvCxnSpPr>
+          <p:cNvPr id="78" name="Straight Arrow Connector 77"/>
+          <p:cNvCxnSpPr>
+            <a:endCxn id="38" idx="2"/>
+          </p:cNvCxnSpPr>
+          <p:nvPr/>
+        </p:nvCxnSpPr>
+        <p:spPr>
+          <a:xfrm flipV="1">
+            <a:off x="8825454" y="6361292"/>
+            <a:ext cx="496324" cy="46060"/>
+          </a:xfrm>
+          <a:prstGeom prst="straightConnector1">
+            <a:avLst/>
+          </a:prstGeom>
+          <a:ln w="28575">
+            <a:solidFill>
+              <a:schemeClr val="tx1"/>
+            </a:solidFill>
+            <a:tailEnd type="arrow"/>
+          </a:ln>
+        </p:spPr>
+        <p:style>
+          <a:lnRef idx="1">
+            <a:schemeClr val="accent1"/>
+          </a:lnRef>
+          <a:fillRef idx="0">
+            <a:schemeClr val="accent1"/>
+          </a:fillRef>
+          <a:effectRef idx="0">
+            <a:schemeClr val="accent1"/>
+          </a:effectRef>
+          <a:fontRef idx="minor">
+            <a:schemeClr val="tx1"/>
+          </a:fontRef>
+        </p:style>
+      </p:cxnSp>
+      <p:cxnSp>
+        <p:nvCxnSpPr>
+          <p:cNvPr id="80" name="Straight Arrow Connector 79"/>
+          <p:cNvCxnSpPr>
+            <a:endCxn id="38" idx="6"/>
+          </p:cNvCxnSpPr>
+          <p:nvPr/>
+        </p:nvCxnSpPr>
+        <p:spPr>
+          <a:xfrm flipH="1" flipV="1">
+            <a:off x="10350478" y="6361292"/>
+            <a:ext cx="428823" cy="8071"/>
+          </a:xfrm>
+          <a:prstGeom prst="straightConnector1">
+            <a:avLst/>
+          </a:prstGeom>
+          <a:ln w="28575">
+            <a:solidFill>
+              <a:schemeClr val="tx1"/>
+            </a:solidFill>
+            <a:tailEnd type="arrow"/>
+          </a:ln>
+        </p:spPr>
+        <p:style>
+          <a:lnRef idx="1">
+            <a:schemeClr val="accent1"/>
+          </a:lnRef>
+          <a:fillRef idx="0">
+            <a:schemeClr val="accent1"/>
+          </a:fillRef>
+          <a:effectRef idx="0">
+            <a:schemeClr val="accent1"/>
+          </a:effectRef>
+          <a:fontRef idx="minor">
+            <a:schemeClr val="tx1"/>
+          </a:fontRef>
+        </p:style>
+      </p:cxnSp>
+    </p:spTree>
+    <p:extLst>
+      <p:ext uri="{BB962C8B-B14F-4D97-AF65-F5344CB8AC3E}">
+        <p14:creationId xmlns:p14="http://schemas.microsoft.com/office/powerpoint/2010/main" val="1219192532"/>
+      </p:ext>
+    </p:extLst>
+  </p:cSld>
+  <p:clrMapOvr>
+    <a:masterClrMapping/>
+  </p:clrMapOvr>
+  <p:timing>
+    <p:tnLst>
+      <p:par>
+        <p:cTn id="1" dur="indefinite" restart="never" nodeType="tmRoot">
+          <p:childTnLst>
+            <p:seq concurrent="1" nextAc="seek">
+              <p:cTn id="2" dur="indefinite" nodeType="mainSeq">
+                <p:childTnLst>
+                  <p:par>
+                    <p:cTn id="3" fill="hold">
+                      <p:stCondLst>
+                        <p:cond delay="indefinite"/>
+                      </p:stCondLst>
+                      <p:childTnLst>
+                        <p:par>
+                          <p:cTn id="4" fill="hold">
+                            <p:stCondLst>
+                              <p:cond delay="0"/>
+                            </p:stCondLst>
+                            <p:childTnLst>
+                              <p:par>
+                                <p:cTn id="5" presetID="10" presetClass="entr" presetSubtype="0" fill="hold" grpId="0" nodeType="clickEffect">
+                                  <p:stCondLst>
+                                    <p:cond delay="0"/>
+                                  </p:stCondLst>
+                                  <p:childTnLst>
+                                    <p:set>
+                                      <p:cBhvr>
+                                        <p:cTn id="6" dur="1" fill="hold">
+                                          <p:stCondLst>
+                                            <p:cond delay="0"/>
+                                          </p:stCondLst>
+                                        </p:cTn>
+                                        <p:tgtEl>
+                                          <p:spTgt spid="11"/>
+                                        </p:tgtEl>
+                                        <p:attrNameLst>
+                                          <p:attrName>style.visibility</p:attrName>
+                                        </p:attrNameLst>
+                                      </p:cBhvr>
+                                      <p:to>
+                                        <p:strVal val="visible"/>
+                                      </p:to>
+                                    </p:set>
+                                    <p:animEffect transition="in" filter="fade">
+                                      <p:cBhvr>
+                                        <p:cTn id="7" dur="500"/>
+                                        <p:tgtEl>
+                                          <p:spTgt spid="11"/>
+                                        </p:tgtEl>
+                                      </p:cBhvr>
+                                    </p:animEffect>
+                                  </p:childTnLst>
+                                </p:cTn>
+                              </p:par>
+                              <p:par>
+                                <p:cTn id="8" presetID="10" presetClass="entr" presetSubtype="0" fill="hold" grpId="0" nodeType="withEffect">
+                                  <p:stCondLst>
+                                    <p:cond delay="0"/>
+                                  </p:stCondLst>
+                                  <p:childTnLst>
+                                    <p:set>
+                                      <p:cBhvr>
+                                        <p:cTn id="9" dur="1" fill="hold">
+                                          <p:stCondLst>
+                                            <p:cond delay="0"/>
+                                          </p:stCondLst>
+                                        </p:cTn>
+                                        <p:tgtEl>
+                                          <p:spTgt spid="2"/>
+                                        </p:tgtEl>
+                                        <p:attrNameLst>
+                                          <p:attrName>style.visibility</p:attrName>
+                                        </p:attrNameLst>
+                                      </p:cBhvr>
+                                      <p:to>
+                                        <p:strVal val="visible"/>
+                                      </p:to>
+                                    </p:set>
+                                    <p:animEffect transition="in" filter="fade">
+                                      <p:cBhvr>
+                                        <p:cTn id="10" dur="500"/>
+                                        <p:tgtEl>
+                                          <p:spTgt spid="2"/>
+                                        </p:tgtEl>
+                                      </p:cBhvr>
+                                    </p:animEffect>
+                                  </p:childTnLst>
+                                </p:cTn>
+                              </p:par>
+                              <p:par>
+                                <p:cTn id="11" presetID="10" presetClass="entr" presetSubtype="0" fill="hold" grpId="0" nodeType="withEffect">
+                                  <p:stCondLst>
+                                    <p:cond delay="0"/>
+                                  </p:stCondLst>
+                                  <p:childTnLst>
+                                    <p:set>
+                                      <p:cBhvr>
+                                        <p:cTn id="12" dur="1" fill="hold">
+                                          <p:stCondLst>
+                                            <p:cond delay="0"/>
+                                          </p:stCondLst>
+                                        </p:cTn>
+                                        <p:tgtEl>
+                                          <p:spTgt spid="12"/>
+                                        </p:tgtEl>
+                                        <p:attrNameLst>
+                                          <p:attrName>style.visibility</p:attrName>
+                                        </p:attrNameLst>
+                                      </p:cBhvr>
+                                      <p:to>
+                                        <p:strVal val="visible"/>
+                                      </p:to>
+                                    </p:set>
+                                    <p:animEffect transition="in" filter="fade">
+                                      <p:cBhvr>
+                                        <p:cTn id="13" dur="500"/>
+                                        <p:tgtEl>
+                                          <p:spTgt spid="12"/>
+                                        </p:tgtEl>
+                                      </p:cBhvr>
+                                    </p:animEffect>
+                                  </p:childTnLst>
+                                </p:cTn>
+                              </p:par>
+                              <p:par>
+                                <p:cTn id="14" presetID="10" presetClass="entr" presetSubtype="0" fill="hold" grpId="0" nodeType="withEffect">
+                                  <p:stCondLst>
+                                    <p:cond delay="0"/>
+                                  </p:stCondLst>
+                                  <p:childTnLst>
+                                    <p:set>
+                                      <p:cBhvr>
+                                        <p:cTn id="15" dur="1" fill="hold">
+                                          <p:stCondLst>
+                                            <p:cond delay="0"/>
+                                          </p:stCondLst>
+                                        </p:cTn>
+                                        <p:tgtEl>
+                                          <p:spTgt spid="13"/>
+                                        </p:tgtEl>
+                                        <p:attrNameLst>
+                                          <p:attrName>style.visibility</p:attrName>
+                                        </p:attrNameLst>
+                                      </p:cBhvr>
+                                      <p:to>
+                                        <p:strVal val="visible"/>
+                                      </p:to>
+                                    </p:set>
+                                    <p:animEffect transition="in" filter="fade">
+                                      <p:cBhvr>
+                                        <p:cTn id="16" dur="500"/>
+                                        <p:tgtEl>
+                                          <p:spTgt spid="13"/>
+                                        </p:tgtEl>
+                                      </p:cBhvr>
+                                    </p:animEffect>
+                                  </p:childTnLst>
+                                </p:cTn>
+                              </p:par>
+                              <p:par>
+                                <p:cTn id="17" presetID="10" presetClass="entr" presetSubtype="0" fill="hold" grpId="0" nodeType="withEffect">
+                                  <p:stCondLst>
+                                    <p:cond delay="0"/>
+                                  </p:stCondLst>
+                                  <p:childTnLst>
+                                    <p:set>
+                                      <p:cBhvr>
+                                        <p:cTn id="18" dur="1" fill="hold">
+                                          <p:stCondLst>
+                                            <p:cond delay="0"/>
+                                          </p:stCondLst>
+                                        </p:cTn>
+                                        <p:tgtEl>
+                                          <p:spTgt spid="14"/>
+                                        </p:tgtEl>
+                                        <p:attrNameLst>
+                                          <p:attrName>style.visibility</p:attrName>
+                                        </p:attrNameLst>
+                                      </p:cBhvr>
+                                      <p:to>
+                                        <p:strVal val="visible"/>
+                                      </p:to>
+                                    </p:set>
+                                    <p:animEffect transition="in" filter="fade">
+                                      <p:cBhvr>
+                                        <p:cTn id="19" dur="500"/>
+                                        <p:tgtEl>
+                                          <p:spTgt spid="14"/>
+                                        </p:tgtEl>
+                                      </p:cBhvr>
+                                    </p:animEffect>
+                                  </p:childTnLst>
+                                </p:cTn>
+                              </p:par>
+                              <p:par>
+                                <p:cTn id="20" presetID="10" presetClass="entr" presetSubtype="0" fill="hold" nodeType="withEffect">
+                                  <p:stCondLst>
+                                    <p:cond delay="0"/>
+                                  </p:stCondLst>
+                                  <p:childTnLst>
+                                    <p:set>
+                                      <p:cBhvr>
+                                        <p:cTn id="21" dur="1" fill="hold">
+                                          <p:stCondLst>
+                                            <p:cond delay="0"/>
+                                          </p:stCondLst>
+                                        </p:cTn>
+                                        <p:tgtEl>
+                                          <p:spTgt spid="17"/>
+                                        </p:tgtEl>
+                                        <p:attrNameLst>
+                                          <p:attrName>style.visibility</p:attrName>
+                                        </p:attrNameLst>
+                                      </p:cBhvr>
+                                      <p:to>
+                                        <p:strVal val="visible"/>
+                                      </p:to>
+                                    </p:set>
+                                    <p:animEffect transition="in" filter="fade">
+                                      <p:cBhvr>
+                                        <p:cTn id="22" dur="500"/>
+                                        <p:tgtEl>
+                                          <p:spTgt spid="17"/>
+                                        </p:tgtEl>
+                                      </p:cBhvr>
+                                    </p:animEffect>
+                                  </p:childTnLst>
+                                </p:cTn>
+                              </p:par>
+                              <p:par>
+                                <p:cTn id="23" presetID="10" presetClass="entr" presetSubtype="0" fill="hold" grpId="0" nodeType="withEffect">
+                                  <p:stCondLst>
+                                    <p:cond delay="0"/>
+                                  </p:stCondLst>
+                                  <p:childTnLst>
+                                    <p:set>
+                                      <p:cBhvr>
+                                        <p:cTn id="24" dur="1" fill="hold">
+                                          <p:stCondLst>
+                                            <p:cond delay="0"/>
+                                          </p:stCondLst>
+                                        </p:cTn>
+                                        <p:tgtEl>
+                                          <p:spTgt spid="18"/>
+                                        </p:tgtEl>
+                                        <p:attrNameLst>
+                                          <p:attrName>style.visibility</p:attrName>
+                                        </p:attrNameLst>
+                                      </p:cBhvr>
+                                      <p:to>
+                                        <p:strVal val="visible"/>
+                                      </p:to>
+                                    </p:set>
+                                    <p:animEffect transition="in" filter="fade">
+                                      <p:cBhvr>
+                                        <p:cTn id="25" dur="500"/>
+                                        <p:tgtEl>
+                                          <p:spTgt spid="18"/>
+                                        </p:tgtEl>
+                                      </p:cBhvr>
+                                    </p:animEffect>
+                                  </p:childTnLst>
+                                </p:cTn>
+                              </p:par>
+                              <p:par>
+                                <p:cTn id="26" presetID="10" presetClass="entr" presetSubtype="0" fill="hold" nodeType="withEffect">
+                                  <p:stCondLst>
+                                    <p:cond delay="0"/>
+                                  </p:stCondLst>
+                                  <p:childTnLst>
+                                    <p:set>
+                                      <p:cBhvr>
+                                        <p:cTn id="27" dur="1" fill="hold">
+                                          <p:stCondLst>
+                                            <p:cond delay="0"/>
+                                          </p:stCondLst>
+                                        </p:cTn>
+                                        <p:tgtEl>
+                                          <p:spTgt spid="21"/>
+                                        </p:tgtEl>
+                                        <p:attrNameLst>
+                                          <p:attrName>style.visibility</p:attrName>
+                                        </p:attrNameLst>
+                                      </p:cBhvr>
+                                      <p:to>
+                                        <p:strVal val="visible"/>
+                                      </p:to>
+                                    </p:set>
+                                    <p:animEffect transition="in" filter="fade">
+                                      <p:cBhvr>
+                                        <p:cTn id="28" dur="500"/>
+                                        <p:tgtEl>
+                                          <p:spTgt spid="21"/>
+                                        </p:tgtEl>
+                                      </p:cBhvr>
+                                    </p:animEffect>
+                                  </p:childTnLst>
+                                </p:cTn>
+                              </p:par>
+                              <p:par>
+                                <p:cTn id="29" presetID="10" presetClass="entr" presetSubtype="0" fill="hold" grpId="0" nodeType="withEffect">
+                                  <p:stCondLst>
+                                    <p:cond delay="0"/>
+                                  </p:stCondLst>
+                                  <p:childTnLst>
+                                    <p:set>
+                                      <p:cBhvr>
+                                        <p:cTn id="30" dur="1" fill="hold">
+                                          <p:stCondLst>
+                                            <p:cond delay="0"/>
+                                          </p:stCondLst>
+                                        </p:cTn>
+                                        <p:tgtEl>
+                                          <p:spTgt spid="22"/>
+                                        </p:tgtEl>
+                                        <p:attrNameLst>
+                                          <p:attrName>style.visibility</p:attrName>
+                                        </p:attrNameLst>
+                                      </p:cBhvr>
+                                      <p:to>
+                                        <p:strVal val="visible"/>
+                                      </p:to>
+                                    </p:set>
+                                    <p:animEffect transition="in" filter="fade">
+                                      <p:cBhvr>
+                                        <p:cTn id="31" dur="500"/>
+                                        <p:tgtEl>
+                                          <p:spTgt spid="22"/>
+                                        </p:tgtEl>
+                                      </p:cBhvr>
+                                    </p:animEffect>
+                                  </p:childTnLst>
+                                </p:cTn>
+                              </p:par>
+                              <p:par>
+                                <p:cTn id="32" presetID="10" presetClass="entr" presetSubtype="0" fill="hold" grpId="0" nodeType="withEffect">
+                                  <p:stCondLst>
+                                    <p:cond delay="0"/>
+                                  </p:stCondLst>
+                                  <p:childTnLst>
+                                    <p:set>
+                                      <p:cBhvr>
+                                        <p:cTn id="33" dur="1" fill="hold">
+                                          <p:stCondLst>
+                                            <p:cond delay="0"/>
+                                          </p:stCondLst>
+                                        </p:cTn>
+                                        <p:tgtEl>
+                                          <p:spTgt spid="23"/>
+                                        </p:tgtEl>
+                                        <p:attrNameLst>
+                                          <p:attrName>style.visibility</p:attrName>
+                                        </p:attrNameLst>
+                                      </p:cBhvr>
+                                      <p:to>
+                                        <p:strVal val="visible"/>
+                                      </p:to>
+                                    </p:set>
+                                    <p:animEffect transition="in" filter="fade">
+                                      <p:cBhvr>
+                                        <p:cTn id="34" dur="500"/>
+                                        <p:tgtEl>
+                                          <p:spTgt spid="23"/>
+                                        </p:tgtEl>
+                                      </p:cBhvr>
+                                    </p:animEffect>
+                                  </p:childTnLst>
+                                </p:cTn>
+                              </p:par>
+                              <p:par>
+                                <p:cTn id="35" presetID="10" presetClass="entr" presetSubtype="0" fill="hold" grpId="0" nodeType="withEffect">
+                                  <p:stCondLst>
+                                    <p:cond delay="0"/>
+                                  </p:stCondLst>
+                                  <p:childTnLst>
+                                    <p:set>
+                                      <p:cBhvr>
+                                        <p:cTn id="36" dur="1" fill="hold">
+                                          <p:stCondLst>
+                                            <p:cond delay="0"/>
+                                          </p:stCondLst>
+                                        </p:cTn>
+                                        <p:tgtEl>
+                                          <p:spTgt spid="24"/>
+                                        </p:tgtEl>
+                                        <p:attrNameLst>
+                                          <p:attrName>style.visibility</p:attrName>
+                                        </p:attrNameLst>
+                                      </p:cBhvr>
+                                      <p:to>
+                                        <p:strVal val="visible"/>
+                                      </p:to>
+                                    </p:set>
+                                    <p:animEffect transition="in" filter="fade">
+                                      <p:cBhvr>
+                                        <p:cTn id="37" dur="500"/>
+                                        <p:tgtEl>
+                                          <p:spTgt spid="24"/>
+                                        </p:tgtEl>
+                                      </p:cBhvr>
+                                    </p:animEffect>
+                                  </p:childTnLst>
+                                </p:cTn>
+                              </p:par>
+                              <p:par>
+                                <p:cTn id="38" presetID="10" presetClass="entr" presetSubtype="0" fill="hold" grpId="0" nodeType="withEffect">
+                                  <p:stCondLst>
+                                    <p:cond delay="0"/>
+                                  </p:stCondLst>
+                                  <p:childTnLst>
+                                    <p:set>
+                                      <p:cBhvr>
+                                        <p:cTn id="39" dur="1" fill="hold">
+                                          <p:stCondLst>
+                                            <p:cond delay="0"/>
+                                          </p:stCondLst>
+                                        </p:cTn>
+                                        <p:tgtEl>
+                                          <p:spTgt spid="25"/>
+                                        </p:tgtEl>
+                                        <p:attrNameLst>
+                                          <p:attrName>style.visibility</p:attrName>
+                                        </p:attrNameLst>
+                                      </p:cBhvr>
+                                      <p:to>
+                                        <p:strVal val="visible"/>
+                                      </p:to>
+                                    </p:set>
+                                    <p:animEffect transition="in" filter="fade">
+                                      <p:cBhvr>
+                                        <p:cTn id="40" dur="500"/>
+                                        <p:tgtEl>
+                                          <p:spTgt spid="25"/>
+                                        </p:tgtEl>
+                                      </p:cBhvr>
+                                    </p:animEffect>
+                                  </p:childTnLst>
+                                </p:cTn>
+                              </p:par>
+                              <p:par>
+                                <p:cTn id="41" presetID="10" presetClass="entr" presetSubtype="0" fill="hold" nodeType="withEffect">
+                                  <p:stCondLst>
+                                    <p:cond delay="0"/>
+                                  </p:stCondLst>
+                                  <p:childTnLst>
+                                    <p:set>
+                                      <p:cBhvr>
+                                        <p:cTn id="42" dur="1" fill="hold">
+                                          <p:stCondLst>
+                                            <p:cond delay="0"/>
+                                          </p:stCondLst>
+                                        </p:cTn>
+                                        <p:tgtEl>
+                                          <p:spTgt spid="26"/>
+                                        </p:tgtEl>
+                                        <p:attrNameLst>
+                                          <p:attrName>style.visibility</p:attrName>
+                                        </p:attrNameLst>
+                                      </p:cBhvr>
+                                      <p:to>
+                                        <p:strVal val="visible"/>
+                                      </p:to>
+                                    </p:set>
+                                    <p:animEffect transition="in" filter="fade">
+                                      <p:cBhvr>
+                                        <p:cTn id="43" dur="500"/>
+                                        <p:tgtEl>
+                                          <p:spTgt spid="26"/>
+                                        </p:tgtEl>
+                                      </p:cBhvr>
+                                    </p:animEffect>
+                                  </p:childTnLst>
+                                </p:cTn>
+                              </p:par>
+                              <p:par>
+                                <p:cTn id="44" presetID="10" presetClass="entr" presetSubtype="0" fill="hold" grpId="0" nodeType="withEffect">
+                                  <p:stCondLst>
+                                    <p:cond delay="0"/>
+                                  </p:stCondLst>
+                                  <p:childTnLst>
+                                    <p:set>
+                                      <p:cBhvr>
+                                        <p:cTn id="45" dur="1" fill="hold">
+                                          <p:stCondLst>
+                                            <p:cond delay="0"/>
+                                          </p:stCondLst>
+                                        </p:cTn>
+                                        <p:tgtEl>
+                                          <p:spTgt spid="27"/>
+                                        </p:tgtEl>
+                                        <p:attrNameLst>
+                                          <p:attrName>style.visibility</p:attrName>
+                                        </p:attrNameLst>
+                                      </p:cBhvr>
+                                      <p:to>
+                                        <p:strVal val="visible"/>
+                                      </p:to>
+                                    </p:set>
+                                    <p:animEffect transition="in" filter="fade">
+                                      <p:cBhvr>
+                                        <p:cTn id="46" dur="500"/>
+                                        <p:tgtEl>
+                                          <p:spTgt spid="27"/>
+                                        </p:tgtEl>
+                                      </p:cBhvr>
+                                    </p:animEffect>
+                                  </p:childTnLst>
+                                </p:cTn>
+                              </p:par>
+                              <p:par>
+                                <p:cTn id="47" presetID="10" presetClass="entr" presetSubtype="0" fill="hold" grpId="0" nodeType="withEffect">
+                                  <p:stCondLst>
+                                    <p:cond delay="0"/>
+                                  </p:stCondLst>
+                                  <p:childTnLst>
+                                    <p:set>
+                                      <p:cBhvr>
+                                        <p:cTn id="48" dur="1" fill="hold">
+                                          <p:stCondLst>
+                                            <p:cond delay="0"/>
+                                          </p:stCondLst>
+                                        </p:cTn>
+                                        <p:tgtEl>
+                                          <p:spTgt spid="28"/>
+                                        </p:tgtEl>
+                                        <p:attrNameLst>
+                                          <p:attrName>style.visibility</p:attrName>
+                                        </p:attrNameLst>
+                                      </p:cBhvr>
+                                      <p:to>
+                                        <p:strVal val="visible"/>
+                                      </p:to>
+                                    </p:set>
+                                    <p:animEffect transition="in" filter="fade">
+                                      <p:cBhvr>
+                                        <p:cTn id="49" dur="500"/>
+                                        <p:tgtEl>
+                                          <p:spTgt spid="28"/>
+                                        </p:tgtEl>
+                                      </p:cBhvr>
+                                    </p:animEffect>
+                                  </p:childTnLst>
+                                </p:cTn>
+                              </p:par>
+                              <p:par>
+                                <p:cTn id="50" presetID="10" presetClass="entr" presetSubtype="0" fill="hold" grpId="0" nodeType="withEffect">
+                                  <p:stCondLst>
+                                    <p:cond delay="0"/>
+                                  </p:stCondLst>
+                                  <p:childTnLst>
+                                    <p:set>
+                                      <p:cBhvr>
+                                        <p:cTn id="51" dur="1" fill="hold">
+                                          <p:stCondLst>
+                                            <p:cond delay="0"/>
+                                          </p:stCondLst>
+                                        </p:cTn>
+                                        <p:tgtEl>
+                                          <p:spTgt spid="29"/>
+                                        </p:tgtEl>
+                                        <p:attrNameLst>
+                                          <p:attrName>style.visibility</p:attrName>
+                                        </p:attrNameLst>
+                                      </p:cBhvr>
+                                      <p:to>
+                                        <p:strVal val="visible"/>
+                                      </p:to>
+                                    </p:set>
+                                    <p:animEffect transition="in" filter="fade">
+                                      <p:cBhvr>
+                                        <p:cTn id="52" dur="500"/>
+                                        <p:tgtEl>
+                                          <p:spTgt spid="29"/>
+                                        </p:tgtEl>
+                                      </p:cBhvr>
+                                    </p:animEffect>
+                                  </p:childTnLst>
+                                </p:cTn>
+                              </p:par>
+                              <p:par>
+                                <p:cTn id="53" presetID="10" presetClass="entr" presetSubtype="0" fill="hold" grpId="0" nodeType="withEffect">
+                                  <p:stCondLst>
+                                    <p:cond delay="0"/>
+                                  </p:stCondLst>
+                                  <p:childTnLst>
+                                    <p:set>
+                                      <p:cBhvr>
+                                        <p:cTn id="54" dur="1" fill="hold">
+                                          <p:stCondLst>
+                                            <p:cond delay="0"/>
+                                          </p:stCondLst>
+                                        </p:cTn>
+                                        <p:tgtEl>
+                                          <p:spTgt spid="30"/>
+                                        </p:tgtEl>
+                                        <p:attrNameLst>
+                                          <p:attrName>style.visibility</p:attrName>
+                                        </p:attrNameLst>
+                                      </p:cBhvr>
+                                      <p:to>
+                                        <p:strVal val="visible"/>
+                                      </p:to>
+                                    </p:set>
+                                    <p:animEffect transition="in" filter="fade">
+                                      <p:cBhvr>
+                                        <p:cTn id="55" dur="500"/>
+                                        <p:tgtEl>
+                                          <p:spTgt spid="30"/>
+                                        </p:tgtEl>
+                                      </p:cBhvr>
+                                    </p:animEffect>
+                                  </p:childTnLst>
+                                </p:cTn>
+                              </p:par>
+                              <p:par>
+                                <p:cTn id="56" presetID="10" presetClass="entr" presetSubtype="0" fill="hold" grpId="0" nodeType="withEffect">
+                                  <p:stCondLst>
+                                    <p:cond delay="0"/>
+                                  </p:stCondLst>
+                                  <p:childTnLst>
+                                    <p:set>
+                                      <p:cBhvr>
+                                        <p:cTn id="57" dur="1" fill="hold">
+                                          <p:stCondLst>
+                                            <p:cond delay="0"/>
+                                          </p:stCondLst>
+                                        </p:cTn>
+                                        <p:tgtEl>
+                                          <p:spTgt spid="31"/>
+                                        </p:tgtEl>
+                                        <p:attrNameLst>
+                                          <p:attrName>style.visibility</p:attrName>
+                                        </p:attrNameLst>
+                                      </p:cBhvr>
+                                      <p:to>
+                                        <p:strVal val="visible"/>
+                                      </p:to>
+                                    </p:set>
+                                    <p:animEffect transition="in" filter="fade">
+                                      <p:cBhvr>
+                                        <p:cTn id="58" dur="500"/>
+                                        <p:tgtEl>
+                                          <p:spTgt spid="31"/>
+                                        </p:tgtEl>
+                                      </p:cBhvr>
+                                    </p:animEffect>
+                                  </p:childTnLst>
+                                </p:cTn>
+                              </p:par>
+                              <p:par>
+                                <p:cTn id="59" presetID="10" presetClass="entr" presetSubtype="0" fill="hold" nodeType="withEffect">
+                                  <p:stCondLst>
+                                    <p:cond delay="0"/>
+                                  </p:stCondLst>
+                                  <p:childTnLst>
+                                    <p:set>
+                                      <p:cBhvr>
+                                        <p:cTn id="60" dur="1" fill="hold">
+                                          <p:stCondLst>
+                                            <p:cond delay="0"/>
+                                          </p:stCondLst>
+                                        </p:cTn>
+                                        <p:tgtEl>
+                                          <p:spTgt spid="32"/>
+                                        </p:tgtEl>
+                                        <p:attrNameLst>
+                                          <p:attrName>style.visibility</p:attrName>
+                                        </p:attrNameLst>
+                                      </p:cBhvr>
+                                      <p:to>
+                                        <p:strVal val="visible"/>
+                                      </p:to>
+                                    </p:set>
+                                    <p:animEffect transition="in" filter="fade">
+                                      <p:cBhvr>
+                                        <p:cTn id="61" dur="500"/>
+                                        <p:tgtEl>
+                                          <p:spTgt spid="32"/>
+                                        </p:tgtEl>
+                                      </p:cBhvr>
+                                    </p:animEffect>
+                                  </p:childTnLst>
+                                </p:cTn>
+                              </p:par>
+                              <p:par>
+                                <p:cTn id="62" presetID="10" presetClass="entr" presetSubtype="0" fill="hold" nodeType="withEffect">
+                                  <p:stCondLst>
+                                    <p:cond delay="0"/>
+                                  </p:stCondLst>
+                                  <p:childTnLst>
+                                    <p:set>
+                                      <p:cBhvr>
+                                        <p:cTn id="63" dur="1" fill="hold">
+                                          <p:stCondLst>
+                                            <p:cond delay="0"/>
+                                          </p:stCondLst>
+                                        </p:cTn>
+                                        <p:tgtEl>
+                                          <p:spTgt spid="33"/>
+                                        </p:tgtEl>
+                                        <p:attrNameLst>
+                                          <p:attrName>style.visibility</p:attrName>
+                                        </p:attrNameLst>
+                                      </p:cBhvr>
+                                      <p:to>
+                                        <p:strVal val="visible"/>
+                                      </p:to>
+                                    </p:set>
+                                    <p:animEffect transition="in" filter="fade">
+                                      <p:cBhvr>
+                                        <p:cTn id="64" dur="500"/>
+                                        <p:tgtEl>
+                                          <p:spTgt spid="33"/>
+                                        </p:tgtEl>
+                                      </p:cBhvr>
+                                    </p:animEffect>
+                                  </p:childTnLst>
+                                </p:cTn>
+                              </p:par>
+                              <p:par>
+                                <p:cTn id="65" presetID="10" presetClass="entr" presetSubtype="0" fill="hold" grpId="0" nodeType="withEffect">
+                                  <p:stCondLst>
+                                    <p:cond delay="0"/>
+                                  </p:stCondLst>
+                                  <p:childTnLst>
+                                    <p:set>
+                                      <p:cBhvr>
+                                        <p:cTn id="66" dur="1" fill="hold">
+                                          <p:stCondLst>
+                                            <p:cond delay="0"/>
+                                          </p:stCondLst>
+                                        </p:cTn>
+                                        <p:tgtEl>
+                                          <p:spTgt spid="38"/>
+                                        </p:tgtEl>
+                                        <p:attrNameLst>
+                                          <p:attrName>style.visibility</p:attrName>
+                                        </p:attrNameLst>
+                                      </p:cBhvr>
+                                      <p:to>
+                                        <p:strVal val="visible"/>
+                                      </p:to>
+                                    </p:set>
+                                    <p:animEffect transition="in" filter="fade">
+                                      <p:cBhvr>
+                                        <p:cTn id="67" dur="500"/>
+                                        <p:tgtEl>
+                                          <p:spTgt spid="38"/>
+                                        </p:tgtEl>
+                                      </p:cBhvr>
+                                    </p:animEffect>
+                                  </p:childTnLst>
+                                </p:cTn>
+                              </p:par>
+                              <p:par>
+                                <p:cTn id="68" presetID="10" presetClass="entr" presetSubtype="0" fill="hold" nodeType="withEffect">
+                                  <p:stCondLst>
+                                    <p:cond delay="0"/>
+                                  </p:stCondLst>
+                                  <p:childTnLst>
+                                    <p:set>
+                                      <p:cBhvr>
+                                        <p:cTn id="69" dur="1" fill="hold">
+                                          <p:stCondLst>
+                                            <p:cond delay="0"/>
+                                          </p:stCondLst>
+                                        </p:cTn>
+                                        <p:tgtEl>
+                                          <p:spTgt spid="39"/>
+                                        </p:tgtEl>
+                                        <p:attrNameLst>
+                                          <p:attrName>style.visibility</p:attrName>
+                                        </p:attrNameLst>
+                                      </p:cBhvr>
+                                      <p:to>
+                                        <p:strVal val="visible"/>
+                                      </p:to>
+                                    </p:set>
+                                    <p:animEffect transition="in" filter="fade">
+                                      <p:cBhvr>
+                                        <p:cTn id="70" dur="500"/>
+                                        <p:tgtEl>
+                                          <p:spTgt spid="39"/>
+                                        </p:tgtEl>
+                                      </p:cBhvr>
+                                    </p:animEffect>
+                                  </p:childTnLst>
+                                </p:cTn>
+                              </p:par>
+                              <p:par>
+                                <p:cTn id="71" presetID="10" presetClass="entr" presetSubtype="0" fill="hold" grpId="0" nodeType="withEffect">
+                                  <p:stCondLst>
+                                    <p:cond delay="0"/>
+                                  </p:stCondLst>
+                                  <p:childTnLst>
+                                    <p:set>
+                                      <p:cBhvr>
+                                        <p:cTn id="72" dur="1" fill="hold">
+                                          <p:stCondLst>
+                                            <p:cond delay="0"/>
+                                          </p:stCondLst>
+                                        </p:cTn>
+                                        <p:tgtEl>
+                                          <p:spTgt spid="40"/>
+                                        </p:tgtEl>
+                                        <p:attrNameLst>
+                                          <p:attrName>style.visibility</p:attrName>
+                                        </p:attrNameLst>
+                                      </p:cBhvr>
+                                      <p:to>
+                                        <p:strVal val="visible"/>
+                                      </p:to>
+                                    </p:set>
+                                    <p:animEffect transition="in" filter="fade">
+                                      <p:cBhvr>
+                                        <p:cTn id="73" dur="500"/>
+                                        <p:tgtEl>
+                                          <p:spTgt spid="40"/>
+                                        </p:tgtEl>
+                                      </p:cBhvr>
+                                    </p:animEffect>
+                                  </p:childTnLst>
+                                </p:cTn>
+                              </p:par>
+                              <p:par>
+                                <p:cTn id="74" presetID="10" presetClass="entr" presetSubtype="0" fill="hold" grpId="0" nodeType="withEffect">
+                                  <p:stCondLst>
+                                    <p:cond delay="0"/>
+                                  </p:stCondLst>
+                                  <p:childTnLst>
+                                    <p:set>
+                                      <p:cBhvr>
+                                        <p:cTn id="75" dur="1" fill="hold">
+                                          <p:stCondLst>
+                                            <p:cond delay="0"/>
+                                          </p:stCondLst>
+                                        </p:cTn>
+                                        <p:tgtEl>
+                                          <p:spTgt spid="41"/>
+                                        </p:tgtEl>
+                                        <p:attrNameLst>
+                                          <p:attrName>style.visibility</p:attrName>
+                                        </p:attrNameLst>
+                                      </p:cBhvr>
+                                      <p:to>
+                                        <p:strVal val="visible"/>
+                                      </p:to>
+                                    </p:set>
+                                    <p:animEffect transition="in" filter="fade">
+                                      <p:cBhvr>
+                                        <p:cTn id="76" dur="500"/>
+                                        <p:tgtEl>
+                                          <p:spTgt spid="41"/>
+                                        </p:tgtEl>
+                                      </p:cBhvr>
+                                    </p:animEffect>
+                                  </p:childTnLst>
+                                </p:cTn>
+                              </p:par>
+                              <p:par>
+                                <p:cTn id="77" presetID="10" presetClass="entr" presetSubtype="0" fill="hold" grpId="0" nodeType="withEffect">
+                                  <p:stCondLst>
+                                    <p:cond delay="0"/>
+                                  </p:stCondLst>
+                                  <p:childTnLst>
+                                    <p:set>
+                                      <p:cBhvr>
+                                        <p:cTn id="78" dur="1" fill="hold">
+                                          <p:stCondLst>
+                                            <p:cond delay="0"/>
+                                          </p:stCondLst>
+                                        </p:cTn>
+                                        <p:tgtEl>
+                                          <p:spTgt spid="42"/>
+                                        </p:tgtEl>
+                                        <p:attrNameLst>
+                                          <p:attrName>style.visibility</p:attrName>
+                                        </p:attrNameLst>
+                                      </p:cBhvr>
+                                      <p:to>
+                                        <p:strVal val="visible"/>
+                                      </p:to>
+                                    </p:set>
+                                    <p:animEffect transition="in" filter="fade">
+                                      <p:cBhvr>
+                                        <p:cTn id="79" dur="500"/>
+                                        <p:tgtEl>
+                                          <p:spTgt spid="42"/>
+                                        </p:tgtEl>
+                                      </p:cBhvr>
+                                    </p:animEffect>
+                                  </p:childTnLst>
+                                </p:cTn>
+                              </p:par>
+                              <p:par>
+                                <p:cTn id="80" presetID="10" presetClass="entr" presetSubtype="0" fill="hold" grpId="0" nodeType="withEffect">
+                                  <p:stCondLst>
+                                    <p:cond delay="0"/>
+                                  </p:stCondLst>
+                                  <p:childTnLst>
+                                    <p:set>
+                                      <p:cBhvr>
+                                        <p:cTn id="81" dur="1" fill="hold">
+                                          <p:stCondLst>
+                                            <p:cond delay="0"/>
+                                          </p:stCondLst>
+                                        </p:cTn>
+                                        <p:tgtEl>
+                                          <p:spTgt spid="43"/>
+                                        </p:tgtEl>
+                                        <p:attrNameLst>
+                                          <p:attrName>style.visibility</p:attrName>
+                                        </p:attrNameLst>
+                                      </p:cBhvr>
+                                      <p:to>
+                                        <p:strVal val="visible"/>
+                                      </p:to>
+                                    </p:set>
+                                    <p:animEffect transition="in" filter="fade">
+                                      <p:cBhvr>
+                                        <p:cTn id="82" dur="500"/>
+                                        <p:tgtEl>
+                                          <p:spTgt spid="43"/>
+                                        </p:tgtEl>
+                                      </p:cBhvr>
+                                    </p:animEffect>
+                                  </p:childTnLst>
+                                </p:cTn>
+                              </p:par>
+                              <p:par>
+                                <p:cTn id="83" presetID="10" presetClass="entr" presetSubtype="0" fill="hold" nodeType="withEffect">
+                                  <p:stCondLst>
+                                    <p:cond delay="0"/>
+                                  </p:stCondLst>
+                                  <p:childTnLst>
+                                    <p:set>
+                                      <p:cBhvr>
+                                        <p:cTn id="84" dur="1" fill="hold">
+                                          <p:stCondLst>
+                                            <p:cond delay="0"/>
+                                          </p:stCondLst>
+                                        </p:cTn>
+                                        <p:tgtEl>
+                                          <p:spTgt spid="50"/>
+                                        </p:tgtEl>
+                                        <p:attrNameLst>
+                                          <p:attrName>style.visibility</p:attrName>
+                                        </p:attrNameLst>
+                                      </p:cBhvr>
+                                      <p:to>
+                                        <p:strVal val="visible"/>
+                                      </p:to>
+                                    </p:set>
+                                    <p:animEffect transition="in" filter="fade">
+                                      <p:cBhvr>
+                                        <p:cTn id="85" dur="500"/>
+                                        <p:tgtEl>
+                                          <p:spTgt spid="50"/>
+                                        </p:tgtEl>
+                                      </p:cBhvr>
+                                    </p:animEffect>
+                                  </p:childTnLst>
+                                </p:cTn>
+                              </p:par>
+                              <p:par>
+                                <p:cTn id="86" presetID="10" presetClass="entr" presetSubtype="0" fill="hold" nodeType="withEffect">
+                                  <p:stCondLst>
+                                    <p:cond delay="0"/>
+                                  </p:stCondLst>
+                                  <p:childTnLst>
+                                    <p:set>
+                                      <p:cBhvr>
+                                        <p:cTn id="87" dur="1" fill="hold">
+                                          <p:stCondLst>
+                                            <p:cond delay="0"/>
+                                          </p:stCondLst>
+                                        </p:cTn>
+                                        <p:tgtEl>
+                                          <p:spTgt spid="68"/>
+                                        </p:tgtEl>
+                                        <p:attrNameLst>
+                                          <p:attrName>style.visibility</p:attrName>
+                                        </p:attrNameLst>
+                                      </p:cBhvr>
+                                      <p:to>
+                                        <p:strVal val="visible"/>
+                                      </p:to>
+                                    </p:set>
+                                    <p:animEffect transition="in" filter="fade">
+                                      <p:cBhvr>
+                                        <p:cTn id="88" dur="500"/>
+                                        <p:tgtEl>
+                                          <p:spTgt spid="68"/>
+                                        </p:tgtEl>
+                                      </p:cBhvr>
+                                    </p:animEffect>
+                                  </p:childTnLst>
+                                </p:cTn>
+                              </p:par>
+                              <p:par>
+                                <p:cTn id="89" presetID="10" presetClass="entr" presetSubtype="0" fill="hold" nodeType="withEffect">
+                                  <p:stCondLst>
+                                    <p:cond delay="0"/>
+                                  </p:stCondLst>
+                                  <p:childTnLst>
+                                    <p:set>
+                                      <p:cBhvr>
+                                        <p:cTn id="90" dur="1" fill="hold">
+                                          <p:stCondLst>
+                                            <p:cond delay="0"/>
+                                          </p:stCondLst>
+                                        </p:cTn>
+                                        <p:tgtEl>
+                                          <p:spTgt spid="70"/>
+                                        </p:tgtEl>
+                                        <p:attrNameLst>
+                                          <p:attrName>style.visibility</p:attrName>
+                                        </p:attrNameLst>
+                                      </p:cBhvr>
+                                      <p:to>
+                                        <p:strVal val="visible"/>
+                                      </p:to>
+                                    </p:set>
+                                    <p:animEffect transition="in" filter="fade">
+                                      <p:cBhvr>
+                                        <p:cTn id="91" dur="500"/>
+                                        <p:tgtEl>
+                                          <p:spTgt spid="70"/>
+                                        </p:tgtEl>
+                                      </p:cBhvr>
+                                    </p:animEffect>
+                                  </p:childTnLst>
+                                </p:cTn>
+                              </p:par>
+                              <p:par>
+                                <p:cTn id="92" presetID="10" presetClass="entr" presetSubtype="0" fill="hold" nodeType="withEffect">
+                                  <p:stCondLst>
+                                    <p:cond delay="0"/>
+                                  </p:stCondLst>
+                                  <p:childTnLst>
+                                    <p:set>
+                                      <p:cBhvr>
+                                        <p:cTn id="93" dur="1" fill="hold">
+                                          <p:stCondLst>
+                                            <p:cond delay="0"/>
+                                          </p:stCondLst>
+                                        </p:cTn>
+                                        <p:tgtEl>
+                                          <p:spTgt spid="75"/>
+                                        </p:tgtEl>
+                                        <p:attrNameLst>
+                                          <p:attrName>style.visibility</p:attrName>
+                                        </p:attrNameLst>
+                                      </p:cBhvr>
+                                      <p:to>
+                                        <p:strVal val="visible"/>
+                                      </p:to>
+                                    </p:set>
+                                    <p:animEffect transition="in" filter="fade">
+                                      <p:cBhvr>
+                                        <p:cTn id="94" dur="500"/>
+                                        <p:tgtEl>
+                                          <p:spTgt spid="75"/>
+                                        </p:tgtEl>
+                                      </p:cBhvr>
+                                    </p:animEffect>
+                                  </p:childTnLst>
+                                </p:cTn>
+                              </p:par>
+                              <p:par>
+                                <p:cTn id="95" presetID="10" presetClass="entr" presetSubtype="0" fill="hold" nodeType="withEffect">
+                                  <p:stCondLst>
+                                    <p:cond delay="0"/>
+                                  </p:stCondLst>
+                                  <p:childTnLst>
+                                    <p:set>
+                                      <p:cBhvr>
+                                        <p:cTn id="96" dur="1" fill="hold">
+                                          <p:stCondLst>
+                                            <p:cond delay="0"/>
+                                          </p:stCondLst>
+                                        </p:cTn>
+                                        <p:tgtEl>
+                                          <p:spTgt spid="78"/>
+                                        </p:tgtEl>
+                                        <p:attrNameLst>
+                                          <p:attrName>style.visibility</p:attrName>
+                                        </p:attrNameLst>
+                                      </p:cBhvr>
+                                      <p:to>
+                                        <p:strVal val="visible"/>
+                                      </p:to>
+                                    </p:set>
+                                    <p:animEffect transition="in" filter="fade">
+                                      <p:cBhvr>
+                                        <p:cTn id="97" dur="500"/>
+                                        <p:tgtEl>
+                                          <p:spTgt spid="78"/>
+                                        </p:tgtEl>
+                                      </p:cBhvr>
+                                    </p:animEffect>
+                                  </p:childTnLst>
+                                </p:cTn>
+                              </p:par>
+                              <p:par>
+                                <p:cTn id="98" presetID="10" presetClass="entr" presetSubtype="0" fill="hold" nodeType="withEffect">
+                                  <p:stCondLst>
+                                    <p:cond delay="0"/>
+                                  </p:stCondLst>
+                                  <p:childTnLst>
+                                    <p:set>
+                                      <p:cBhvr>
+                                        <p:cTn id="99" dur="1" fill="hold">
+                                          <p:stCondLst>
+                                            <p:cond delay="0"/>
+                                          </p:stCondLst>
+                                        </p:cTn>
+                                        <p:tgtEl>
+                                          <p:spTgt spid="80"/>
+                                        </p:tgtEl>
+                                        <p:attrNameLst>
+                                          <p:attrName>style.visibility</p:attrName>
+                                        </p:attrNameLst>
+                                      </p:cBhvr>
+                                      <p:to>
+                                        <p:strVal val="visible"/>
+                                      </p:to>
+                                    </p:set>
+                                    <p:animEffect transition="in" filter="fade">
+                                      <p:cBhvr>
+                                        <p:cTn id="100" dur="500"/>
+                                        <p:tgtEl>
+                                          <p:spTgt spid="80"/>
+                                        </p:tgtEl>
+                                      </p:cBhvr>
+                                    </p:animEffect>
+                                  </p:childTnLst>
+                                </p:cTn>
+                              </p:par>
+                            </p:childTnLst>
+                          </p:cTn>
+                        </p:par>
+                      </p:childTnLst>
+                    </p:cTn>
+                  </p:par>
+                </p:childTnLst>
+              </p:cTn>
+              <p:prevCondLst>
+                <p:cond evt="onPrev" delay="0">
+                  <p:tgtEl>
+                    <p:sldTgt/>
+                  </p:tgtEl>
+                </p:cond>
+              </p:prevCondLst>
+              <p:nextCondLst>
+                <p:cond evt="onNext" delay="0">
+                  <p:tgtEl>
+                    <p:sldTgt/>
+                  </p:tgtEl>
+                </p:cond>
+              </p:nextCondLst>
+            </p:seq>
+          </p:childTnLst>
+        </p:cTn>
+      </p:par>
+    </p:tnLst>
+    <p:bldLst>
+      <p:bldP spid="2" grpId="0"/>
+      <p:bldP spid="11" grpId="0" animBg="1"/>
+      <p:bldP spid="12" grpId="0" animBg="1"/>
+      <p:bldP spid="13" grpId="0" animBg="1"/>
+      <p:bldP spid="14" grpId="0" animBg="1"/>
+      <p:bldP spid="18" grpId="0" animBg="1"/>
+      <p:bldP spid="22" grpId="0" animBg="1"/>
+      <p:bldP spid="23" grpId="0"/>
+      <p:bldP spid="24" grpId="0" animBg="1"/>
+      <p:bldP spid="25" grpId="0"/>
+      <p:bldP spid="27" grpId="0" animBg="1"/>
+      <p:bldP spid="28" grpId="0" animBg="1"/>
+      <p:bldP spid="29" grpId="0" animBg="1"/>
+      <p:bldP spid="30" grpId="0" animBg="1"/>
+      <p:bldP spid="31" grpId="0"/>
+      <p:bldP spid="38" grpId="0" animBg="1"/>
+      <p:bldP spid="40" grpId="0" animBg="1"/>
+      <p:bldP spid="41" grpId="0"/>
+      <p:bldP spid="42" grpId="0"/>
+      <p:bldP spid="43" grpId="0"/>
+    </p:bldLst>
+  </p:timing>
+</p:sld>
+</file>
+
+<file path=ppt/slides/slide9.xml><?xml version="1.0" encoding="utf-8"?>
+<p:sld xmlns:a="http://schemas.openxmlformats.org/drawingml/2006/main" xmlns:r="http://schemas.openxmlformats.org/officeDocument/2006/relationships" xmlns:p="http://schemas.openxmlformats.org/presentationml/2006/main">
+  <p:cSld>
+    <p:spTree>
+      <p:nvGrpSpPr>
+        <p:cNvPr id="1" name=""/>
+        <p:cNvGrpSpPr/>
+        <p:nvPr/>
+      </p:nvGrpSpPr>
+      <p:grpSpPr>
+        <a:xfrm>
+          <a:off x="0" y="0"/>
+          <a:ext cx="0" cy="0"/>
+          <a:chOff x="0" y="0"/>
+          <a:chExt cx="0" cy="0"/>
+        </a:xfrm>
+      </p:grpSpPr>
+      <p:sp>
+        <p:nvSpPr>
+          <p:cNvPr id="2" name="TextBox 1"/>
+          <p:cNvSpPr txBox="1"/>
+          <p:nvPr/>
+        </p:nvSpPr>
+        <p:spPr>
+          <a:xfrm>
+            <a:off x="4419600" y="2785079"/>
+            <a:ext cx="5118100" cy="830997"/>
+          </a:xfrm>
+          <a:prstGeom prst="rect">
+            <a:avLst/>
+          </a:prstGeom>
+          <a:noFill/>
+        </p:spPr>
+        <p:txBody>
+          <a:bodyPr wrap="square" rtlCol="0">
+            <a:spAutoFit/>
+          </a:bodyPr>
+          <a:lstStyle/>
+          <a:p>
+            <a:pPr algn="ctr"/>
+            <a:r>
+              <a:rPr lang="en-US" sz="4800" dirty="0" smtClean="0"/>
+              <a:t>Thank You</a:t>
+            </a:r>
+            <a:endParaRPr lang="en-US" sz="4800" dirty="0"/>
+          </a:p>
+        </p:txBody>
+      </p:sp>
+      <p:sp>
+        <p:nvSpPr>
+          <p:cNvPr id="3" name="TextBox 2"/>
+          <p:cNvSpPr txBox="1"/>
+          <p:nvPr/>
+        </p:nvSpPr>
+        <p:spPr>
+          <a:xfrm>
+            <a:off x="6229350" y="3840718"/>
+            <a:ext cx="1883849" cy="369332"/>
+          </a:xfrm>
+          <a:prstGeom prst="rect">
+            <a:avLst/>
+          </a:prstGeom>
+          <a:noFill/>
+        </p:spPr>
+        <p:txBody>
+          <a:bodyPr wrap="none" rtlCol="0">
+            <a:spAutoFit/>
+          </a:bodyPr>
+          <a:lstStyle/>
+          <a:p>
+            <a:r>
+              <a:rPr lang="en-US" dirty="0" smtClean="0"/>
+              <a:t>Any Question ?</a:t>
+            </a:r>
+            <a:endParaRPr lang="en-US" dirty="0"/>
+          </a:p>
+        </p:txBody>
+      </p:sp>
+    </p:spTree>
+    <p:extLst>
+      <p:ext uri="{BB962C8B-B14F-4D97-AF65-F5344CB8AC3E}">
+        <p14:creationId xmlns:p14="http://schemas.microsoft.com/office/powerpoint/2010/main" val="1782213503"/>
+      </p:ext>
+    </p:extLst>
+  </p:cSld>
+  <p:clrMapOvr>
+    <a:masterClrMapping/>
+  </p:clrMapOvr>
+  <p:timing>
+    <p:tnLst>
+      <p:par>
+        <p:cTn id="1" dur="indefinite" restart="never" nodeType="tmRoot"/>
+      </p:par>
+    </p:tnLst>
+  </p:timing>
 </p:sld>
 </file>
 
@@ -7908,7 +17153,7 @@
   <a:extraClrSchemeLst/>
   <a:extLst>
     <a:ext uri="{05A4C25C-085E-4340-85A3-A5531E510DB2}">
-      <thm15:themeFamily xmlns:thm15="http://schemas.microsoft.com/office/thememl/2012/main" name="Wisp" id="{7CB32D59-10C0-40DD-B7BD-2E94284A981C}" vid="{24B1A44C-C006-48B2-A4D7-E5549B3D8CD4}"/>
+      <thm15:themeFamily xmlns:thm15="http://schemas.microsoft.com/office/thememl/2012/main" xmlns="" name="Wisp" id="{7CB32D59-10C0-40DD-B7BD-2E94284A981C}" vid="{24B1A44C-C006-48B2-A4D7-E5549B3D8CD4}"/>
     </a:ext>
   </a:extLst>
 </a:theme>
